--- a/src/GCModeller/engine/docs/workflow.pptx
+++ b/src/GCModeller/engine/docs/workflow.pptx
@@ -4,6 +4,9 @@
   <p:sldMasterIdLst>
     <p:sldMasterId id="2147483648" r:id="rId1"/>
   </p:sldMasterIdLst>
+  <p:sldIdLst>
+    <p:sldId id="256" r:id="rId2"/>
+  </p:sldIdLst>
   <p:sldSz cx="9144000" cy="6858000" type="screen4x3"/>
   <p:notesSz cx="6858000" cy="9144000"/>
   <p:defaultTextStyle>
@@ -104,6 +107,3096 @@
 </p:presentation>
 </file>
 
+<file path=ppt/diagrams/colors1.xml><?xml version="1.0" encoding="utf-8"?>
+<dgm:colorsDef xmlns:dgm="http://schemas.openxmlformats.org/drawingml/2006/diagram" xmlns:a="http://schemas.openxmlformats.org/drawingml/2006/main" uniqueId="urn:microsoft.com/office/officeart/2005/8/colors/accent1_2">
+  <dgm:title val=""/>
+  <dgm:desc val=""/>
+  <dgm:catLst>
+    <dgm:cat type="accent1" pri="11200"/>
+  </dgm:catLst>
+  <dgm:styleLbl name="node0">
+    <dgm:fillClrLst meth="repeat">
+      <a:schemeClr val="accent1"/>
+    </dgm:fillClrLst>
+    <dgm:linClrLst meth="repeat">
+      <a:schemeClr val="lt1"/>
+    </dgm:linClrLst>
+    <dgm:effectClrLst/>
+    <dgm:txLinClrLst/>
+    <dgm:txFillClrLst/>
+    <dgm:txEffectClrLst/>
+  </dgm:styleLbl>
+  <dgm:styleLbl name="alignNode1">
+    <dgm:fillClrLst meth="repeat">
+      <a:schemeClr val="accent1"/>
+    </dgm:fillClrLst>
+    <dgm:linClrLst meth="repeat">
+      <a:schemeClr val="accent1"/>
+    </dgm:linClrLst>
+    <dgm:effectClrLst/>
+    <dgm:txLinClrLst/>
+    <dgm:txFillClrLst/>
+    <dgm:txEffectClrLst/>
+  </dgm:styleLbl>
+  <dgm:styleLbl name="node1">
+    <dgm:fillClrLst meth="repeat">
+      <a:schemeClr val="accent1"/>
+    </dgm:fillClrLst>
+    <dgm:linClrLst meth="repeat">
+      <a:schemeClr val="lt1"/>
+    </dgm:linClrLst>
+    <dgm:effectClrLst/>
+    <dgm:txLinClrLst/>
+    <dgm:txFillClrLst/>
+    <dgm:txEffectClrLst/>
+  </dgm:styleLbl>
+  <dgm:styleLbl name="lnNode1">
+    <dgm:fillClrLst meth="repeat">
+      <a:schemeClr val="accent1"/>
+    </dgm:fillClrLst>
+    <dgm:linClrLst meth="repeat">
+      <a:schemeClr val="lt1"/>
+    </dgm:linClrLst>
+    <dgm:effectClrLst/>
+    <dgm:txLinClrLst/>
+    <dgm:txFillClrLst/>
+    <dgm:txEffectClrLst/>
+  </dgm:styleLbl>
+  <dgm:styleLbl name="vennNode1">
+    <dgm:fillClrLst meth="repeat">
+      <a:schemeClr val="accent1">
+        <a:alpha val="50000"/>
+      </a:schemeClr>
+    </dgm:fillClrLst>
+    <dgm:linClrLst meth="repeat">
+      <a:schemeClr val="lt1"/>
+    </dgm:linClrLst>
+    <dgm:effectClrLst/>
+    <dgm:txLinClrLst/>
+    <dgm:txFillClrLst/>
+    <dgm:txEffectClrLst/>
+  </dgm:styleLbl>
+  <dgm:styleLbl name="node2">
+    <dgm:fillClrLst meth="repeat">
+      <a:schemeClr val="accent1"/>
+    </dgm:fillClrLst>
+    <dgm:linClrLst meth="repeat">
+      <a:schemeClr val="lt1"/>
+    </dgm:linClrLst>
+    <dgm:effectClrLst/>
+    <dgm:txLinClrLst/>
+    <dgm:txFillClrLst/>
+    <dgm:txEffectClrLst/>
+  </dgm:styleLbl>
+  <dgm:styleLbl name="node3">
+    <dgm:fillClrLst meth="repeat">
+      <a:schemeClr val="accent1"/>
+    </dgm:fillClrLst>
+    <dgm:linClrLst meth="repeat">
+      <a:schemeClr val="lt1"/>
+    </dgm:linClrLst>
+    <dgm:effectClrLst/>
+    <dgm:txLinClrLst/>
+    <dgm:txFillClrLst/>
+    <dgm:txEffectClrLst/>
+  </dgm:styleLbl>
+  <dgm:styleLbl name="node4">
+    <dgm:fillClrLst meth="repeat">
+      <a:schemeClr val="accent1"/>
+    </dgm:fillClrLst>
+    <dgm:linClrLst meth="repeat">
+      <a:schemeClr val="lt1"/>
+    </dgm:linClrLst>
+    <dgm:effectClrLst/>
+    <dgm:txLinClrLst/>
+    <dgm:txFillClrLst/>
+    <dgm:txEffectClrLst/>
+  </dgm:styleLbl>
+  <dgm:styleLbl name="fgImgPlace1">
+    <dgm:fillClrLst meth="repeat">
+      <a:schemeClr val="accent1">
+        <a:tint val="50000"/>
+      </a:schemeClr>
+    </dgm:fillClrLst>
+    <dgm:linClrLst meth="repeat">
+      <a:schemeClr val="lt1"/>
+    </dgm:linClrLst>
+    <dgm:effectClrLst/>
+    <dgm:txLinClrLst/>
+    <dgm:txFillClrLst meth="repeat">
+      <a:schemeClr val="lt1"/>
+    </dgm:txFillClrLst>
+    <dgm:txEffectClrLst/>
+  </dgm:styleLbl>
+  <dgm:styleLbl name="alignImgPlace1">
+    <dgm:fillClrLst meth="repeat">
+      <a:schemeClr val="accent1">
+        <a:tint val="50000"/>
+      </a:schemeClr>
+    </dgm:fillClrLst>
+    <dgm:linClrLst meth="repeat">
+      <a:schemeClr val="lt1"/>
+    </dgm:linClrLst>
+    <dgm:effectClrLst/>
+    <dgm:txLinClrLst/>
+    <dgm:txFillClrLst meth="repeat">
+      <a:schemeClr val="lt1"/>
+    </dgm:txFillClrLst>
+    <dgm:txEffectClrLst/>
+  </dgm:styleLbl>
+  <dgm:styleLbl name="bgImgPlace1">
+    <dgm:fillClrLst meth="repeat">
+      <a:schemeClr val="accent1">
+        <a:tint val="50000"/>
+      </a:schemeClr>
+    </dgm:fillClrLst>
+    <dgm:linClrLst meth="repeat">
+      <a:schemeClr val="lt1"/>
+    </dgm:linClrLst>
+    <dgm:effectClrLst/>
+    <dgm:txLinClrLst/>
+    <dgm:txFillClrLst meth="repeat">
+      <a:schemeClr val="lt1"/>
+    </dgm:txFillClrLst>
+    <dgm:txEffectClrLst/>
+  </dgm:styleLbl>
+  <dgm:styleLbl name="sibTrans2D1">
+    <dgm:fillClrLst meth="repeat">
+      <a:schemeClr val="accent1">
+        <a:tint val="60000"/>
+      </a:schemeClr>
+    </dgm:fillClrLst>
+    <dgm:linClrLst meth="repeat">
+      <a:schemeClr val="accent1">
+        <a:tint val="60000"/>
+      </a:schemeClr>
+    </dgm:linClrLst>
+    <dgm:effectClrLst/>
+    <dgm:txLinClrLst/>
+    <dgm:txFillClrLst/>
+    <dgm:txEffectClrLst/>
+  </dgm:styleLbl>
+  <dgm:styleLbl name="fgSibTrans2D1">
+    <dgm:fillClrLst meth="repeat">
+      <a:schemeClr val="accent1">
+        <a:tint val="60000"/>
+      </a:schemeClr>
+    </dgm:fillClrLst>
+    <dgm:linClrLst meth="repeat">
+      <a:schemeClr val="accent1">
+        <a:tint val="60000"/>
+      </a:schemeClr>
+    </dgm:linClrLst>
+    <dgm:effectClrLst/>
+    <dgm:txLinClrLst/>
+    <dgm:txFillClrLst/>
+    <dgm:txEffectClrLst/>
+  </dgm:styleLbl>
+  <dgm:styleLbl name="bgSibTrans2D1">
+    <dgm:fillClrLst meth="repeat">
+      <a:schemeClr val="accent1">
+        <a:tint val="60000"/>
+      </a:schemeClr>
+    </dgm:fillClrLst>
+    <dgm:linClrLst meth="repeat">
+      <a:schemeClr val="accent1">
+        <a:tint val="60000"/>
+      </a:schemeClr>
+    </dgm:linClrLst>
+    <dgm:effectClrLst/>
+    <dgm:txLinClrLst/>
+    <dgm:txFillClrLst/>
+    <dgm:txEffectClrLst/>
+  </dgm:styleLbl>
+  <dgm:styleLbl name="sibTrans1D1">
+    <dgm:fillClrLst meth="repeat">
+      <a:schemeClr val="accent1"/>
+    </dgm:fillClrLst>
+    <dgm:linClrLst meth="repeat">
+      <a:schemeClr val="accent1"/>
+    </dgm:linClrLst>
+    <dgm:effectClrLst/>
+    <dgm:txLinClrLst/>
+    <dgm:txFillClrLst meth="repeat">
+      <a:schemeClr val="tx1"/>
+    </dgm:txFillClrLst>
+    <dgm:txEffectClrLst/>
+  </dgm:styleLbl>
+  <dgm:styleLbl name="callout">
+    <dgm:fillClrLst meth="repeat">
+      <a:schemeClr val="accent1"/>
+    </dgm:fillClrLst>
+    <dgm:linClrLst meth="repeat">
+      <a:schemeClr val="accent1">
+        <a:tint val="50000"/>
+      </a:schemeClr>
+    </dgm:linClrLst>
+    <dgm:effectClrLst/>
+    <dgm:txLinClrLst/>
+    <dgm:txFillClrLst meth="repeat">
+      <a:schemeClr val="tx1"/>
+    </dgm:txFillClrLst>
+    <dgm:txEffectClrLst/>
+  </dgm:styleLbl>
+  <dgm:styleLbl name="asst0">
+    <dgm:fillClrLst meth="repeat">
+      <a:schemeClr val="accent1"/>
+    </dgm:fillClrLst>
+    <dgm:linClrLst meth="repeat">
+      <a:schemeClr val="lt1"/>
+    </dgm:linClrLst>
+    <dgm:effectClrLst/>
+    <dgm:txLinClrLst/>
+    <dgm:txFillClrLst/>
+    <dgm:txEffectClrLst/>
+  </dgm:styleLbl>
+  <dgm:styleLbl name="asst1">
+    <dgm:fillClrLst meth="repeat">
+      <a:schemeClr val="accent1"/>
+    </dgm:fillClrLst>
+    <dgm:linClrLst meth="repeat">
+      <a:schemeClr val="lt1"/>
+    </dgm:linClrLst>
+    <dgm:effectClrLst/>
+    <dgm:txLinClrLst/>
+    <dgm:txFillClrLst/>
+    <dgm:txEffectClrLst/>
+  </dgm:styleLbl>
+  <dgm:styleLbl name="asst2">
+    <dgm:fillClrLst meth="repeat">
+      <a:schemeClr val="accent1"/>
+    </dgm:fillClrLst>
+    <dgm:linClrLst meth="repeat">
+      <a:schemeClr val="lt1"/>
+    </dgm:linClrLst>
+    <dgm:effectClrLst/>
+    <dgm:txLinClrLst/>
+    <dgm:txFillClrLst/>
+    <dgm:txEffectClrLst/>
+  </dgm:styleLbl>
+  <dgm:styleLbl name="asst3">
+    <dgm:fillClrLst meth="repeat">
+      <a:schemeClr val="accent1"/>
+    </dgm:fillClrLst>
+    <dgm:linClrLst meth="repeat">
+      <a:schemeClr val="lt1"/>
+    </dgm:linClrLst>
+    <dgm:effectClrLst/>
+    <dgm:txLinClrLst/>
+    <dgm:txFillClrLst/>
+    <dgm:txEffectClrLst/>
+  </dgm:styleLbl>
+  <dgm:styleLbl name="asst4">
+    <dgm:fillClrLst meth="repeat">
+      <a:schemeClr val="accent1"/>
+    </dgm:fillClrLst>
+    <dgm:linClrLst meth="repeat">
+      <a:schemeClr val="lt1"/>
+    </dgm:linClrLst>
+    <dgm:effectClrLst/>
+    <dgm:txLinClrLst/>
+    <dgm:txFillClrLst/>
+    <dgm:txEffectClrLst/>
+  </dgm:styleLbl>
+  <dgm:styleLbl name="parChTrans2D1">
+    <dgm:fillClrLst meth="repeat">
+      <a:schemeClr val="accent1">
+        <a:tint val="60000"/>
+      </a:schemeClr>
+    </dgm:fillClrLst>
+    <dgm:linClrLst meth="repeat">
+      <a:schemeClr val="accent1">
+        <a:tint val="60000"/>
+      </a:schemeClr>
+    </dgm:linClrLst>
+    <dgm:effectClrLst/>
+    <dgm:txLinClrLst/>
+    <dgm:txFillClrLst meth="repeat">
+      <a:schemeClr val="lt1"/>
+    </dgm:txFillClrLst>
+    <dgm:txEffectClrLst/>
+  </dgm:styleLbl>
+  <dgm:styleLbl name="parChTrans2D2">
+    <dgm:fillClrLst meth="repeat">
+      <a:schemeClr val="accent1"/>
+    </dgm:fillClrLst>
+    <dgm:linClrLst meth="repeat">
+      <a:schemeClr val="accent1"/>
+    </dgm:linClrLst>
+    <dgm:effectClrLst/>
+    <dgm:txLinClrLst/>
+    <dgm:txFillClrLst meth="repeat">
+      <a:schemeClr val="lt1"/>
+    </dgm:txFillClrLst>
+    <dgm:txEffectClrLst/>
+  </dgm:styleLbl>
+  <dgm:styleLbl name="parChTrans2D3">
+    <dgm:fillClrLst meth="repeat">
+      <a:schemeClr val="accent1"/>
+    </dgm:fillClrLst>
+    <dgm:linClrLst meth="repeat">
+      <a:schemeClr val="accent1"/>
+    </dgm:linClrLst>
+    <dgm:effectClrLst/>
+    <dgm:txLinClrLst/>
+    <dgm:txFillClrLst meth="repeat">
+      <a:schemeClr val="lt1"/>
+    </dgm:txFillClrLst>
+    <dgm:txEffectClrLst/>
+  </dgm:styleLbl>
+  <dgm:styleLbl name="parChTrans2D4">
+    <dgm:fillClrLst meth="repeat">
+      <a:schemeClr val="accent1"/>
+    </dgm:fillClrLst>
+    <dgm:linClrLst meth="repeat">
+      <a:schemeClr val="accent1"/>
+    </dgm:linClrLst>
+    <dgm:effectClrLst/>
+    <dgm:txLinClrLst/>
+    <dgm:txFillClrLst meth="repeat">
+      <a:schemeClr val="lt1"/>
+    </dgm:txFillClrLst>
+    <dgm:txEffectClrLst/>
+  </dgm:styleLbl>
+  <dgm:styleLbl name="parChTrans1D1">
+    <dgm:fillClrLst meth="repeat">
+      <a:schemeClr val="accent1"/>
+    </dgm:fillClrLst>
+    <dgm:linClrLst meth="repeat">
+      <a:schemeClr val="accent1">
+        <a:shade val="60000"/>
+      </a:schemeClr>
+    </dgm:linClrLst>
+    <dgm:effectClrLst/>
+    <dgm:txLinClrLst/>
+    <dgm:txFillClrLst meth="repeat">
+      <a:schemeClr val="tx1"/>
+    </dgm:txFillClrLst>
+    <dgm:txEffectClrLst/>
+  </dgm:styleLbl>
+  <dgm:styleLbl name="parChTrans1D2">
+    <dgm:fillClrLst meth="repeat">
+      <a:schemeClr val="accent1"/>
+    </dgm:fillClrLst>
+    <dgm:linClrLst meth="repeat">
+      <a:schemeClr val="accent1">
+        <a:shade val="60000"/>
+      </a:schemeClr>
+    </dgm:linClrLst>
+    <dgm:effectClrLst/>
+    <dgm:txLinClrLst/>
+    <dgm:txFillClrLst meth="repeat">
+      <a:schemeClr val="tx1"/>
+    </dgm:txFillClrLst>
+    <dgm:txEffectClrLst/>
+  </dgm:styleLbl>
+  <dgm:styleLbl name="parChTrans1D3">
+    <dgm:fillClrLst meth="repeat">
+      <a:schemeClr val="accent1"/>
+    </dgm:fillClrLst>
+    <dgm:linClrLst meth="repeat">
+      <a:schemeClr val="accent1">
+        <a:shade val="80000"/>
+      </a:schemeClr>
+    </dgm:linClrLst>
+    <dgm:effectClrLst/>
+    <dgm:txLinClrLst/>
+    <dgm:txFillClrLst meth="repeat">
+      <a:schemeClr val="tx1"/>
+    </dgm:txFillClrLst>
+    <dgm:txEffectClrLst/>
+  </dgm:styleLbl>
+  <dgm:styleLbl name="parChTrans1D4">
+    <dgm:fillClrLst meth="repeat">
+      <a:schemeClr val="accent1"/>
+    </dgm:fillClrLst>
+    <dgm:linClrLst meth="repeat">
+      <a:schemeClr val="accent1">
+        <a:shade val="80000"/>
+      </a:schemeClr>
+    </dgm:linClrLst>
+    <dgm:effectClrLst/>
+    <dgm:txLinClrLst/>
+    <dgm:txFillClrLst meth="repeat">
+      <a:schemeClr val="tx1"/>
+    </dgm:txFillClrLst>
+    <dgm:txEffectClrLst/>
+  </dgm:styleLbl>
+  <dgm:styleLbl name="fgAcc1">
+    <dgm:fillClrLst meth="repeat">
+      <a:schemeClr val="lt1">
+        <a:alpha val="90000"/>
+      </a:schemeClr>
+    </dgm:fillClrLst>
+    <dgm:linClrLst meth="repeat">
+      <a:schemeClr val="accent1"/>
+    </dgm:linClrLst>
+    <dgm:effectClrLst/>
+    <dgm:txLinClrLst/>
+    <dgm:txFillClrLst meth="repeat">
+      <a:schemeClr val="dk1"/>
+    </dgm:txFillClrLst>
+    <dgm:txEffectClrLst/>
+  </dgm:styleLbl>
+  <dgm:styleLbl name="conFgAcc1">
+    <dgm:fillClrLst meth="repeat">
+      <a:schemeClr val="lt1">
+        <a:alpha val="90000"/>
+      </a:schemeClr>
+    </dgm:fillClrLst>
+    <dgm:linClrLst meth="repeat">
+      <a:schemeClr val="accent1"/>
+    </dgm:linClrLst>
+    <dgm:effectClrLst/>
+    <dgm:txLinClrLst/>
+    <dgm:txFillClrLst meth="repeat">
+      <a:schemeClr val="dk1"/>
+    </dgm:txFillClrLst>
+    <dgm:txEffectClrLst/>
+  </dgm:styleLbl>
+  <dgm:styleLbl name="alignAcc1">
+    <dgm:fillClrLst meth="repeat">
+      <a:schemeClr val="lt1">
+        <a:alpha val="90000"/>
+      </a:schemeClr>
+    </dgm:fillClrLst>
+    <dgm:linClrLst meth="repeat">
+      <a:schemeClr val="accent1"/>
+    </dgm:linClrLst>
+    <dgm:effectClrLst/>
+    <dgm:txLinClrLst/>
+    <dgm:txFillClrLst meth="repeat">
+      <a:schemeClr val="dk1"/>
+    </dgm:txFillClrLst>
+    <dgm:txEffectClrLst/>
+  </dgm:styleLbl>
+  <dgm:styleLbl name="trAlignAcc1">
+    <dgm:fillClrLst meth="repeat">
+      <a:schemeClr val="lt1">
+        <a:alpha val="40000"/>
+      </a:schemeClr>
+    </dgm:fillClrLst>
+    <dgm:linClrLst meth="repeat">
+      <a:schemeClr val="accent1"/>
+    </dgm:linClrLst>
+    <dgm:effectClrLst/>
+    <dgm:txLinClrLst/>
+    <dgm:txFillClrLst meth="repeat">
+      <a:schemeClr val="dk1"/>
+    </dgm:txFillClrLst>
+    <dgm:txEffectClrLst/>
+  </dgm:styleLbl>
+  <dgm:styleLbl name="bgAcc1">
+    <dgm:fillClrLst meth="repeat">
+      <a:schemeClr val="lt1">
+        <a:alpha val="90000"/>
+      </a:schemeClr>
+    </dgm:fillClrLst>
+    <dgm:linClrLst meth="repeat">
+      <a:schemeClr val="accent1"/>
+    </dgm:linClrLst>
+    <dgm:effectClrLst/>
+    <dgm:txLinClrLst/>
+    <dgm:txFillClrLst meth="repeat">
+      <a:schemeClr val="dk1"/>
+    </dgm:txFillClrLst>
+    <dgm:txEffectClrLst/>
+  </dgm:styleLbl>
+  <dgm:styleLbl name="solidFgAcc1">
+    <dgm:fillClrLst meth="repeat">
+      <a:schemeClr val="lt1"/>
+    </dgm:fillClrLst>
+    <dgm:linClrLst meth="repeat">
+      <a:schemeClr val="accent1"/>
+    </dgm:linClrLst>
+    <dgm:effectClrLst/>
+    <dgm:txLinClrLst/>
+    <dgm:txFillClrLst meth="repeat">
+      <a:schemeClr val="dk1"/>
+    </dgm:txFillClrLst>
+    <dgm:txEffectClrLst/>
+  </dgm:styleLbl>
+  <dgm:styleLbl name="solidAlignAcc1">
+    <dgm:fillClrLst meth="repeat">
+      <a:schemeClr val="lt1"/>
+    </dgm:fillClrLst>
+    <dgm:linClrLst meth="repeat">
+      <a:schemeClr val="accent1"/>
+    </dgm:linClrLst>
+    <dgm:effectClrLst/>
+    <dgm:txLinClrLst/>
+    <dgm:txFillClrLst meth="repeat">
+      <a:schemeClr val="dk1"/>
+    </dgm:txFillClrLst>
+    <dgm:txEffectClrLst/>
+  </dgm:styleLbl>
+  <dgm:styleLbl name="solidBgAcc1">
+    <dgm:fillClrLst meth="repeat">
+      <a:schemeClr val="lt1"/>
+    </dgm:fillClrLst>
+    <dgm:linClrLst meth="repeat">
+      <a:schemeClr val="accent1"/>
+    </dgm:linClrLst>
+    <dgm:effectClrLst/>
+    <dgm:txLinClrLst/>
+    <dgm:txFillClrLst meth="repeat">
+      <a:schemeClr val="dk1"/>
+    </dgm:txFillClrLst>
+    <dgm:txEffectClrLst/>
+  </dgm:styleLbl>
+  <dgm:styleLbl name="fgAccFollowNode1">
+    <dgm:fillClrLst meth="repeat">
+      <a:schemeClr val="accent1">
+        <a:alpha val="90000"/>
+        <a:tint val="40000"/>
+      </a:schemeClr>
+    </dgm:fillClrLst>
+    <dgm:linClrLst meth="repeat">
+      <a:schemeClr val="accent1">
+        <a:alpha val="90000"/>
+        <a:tint val="40000"/>
+      </a:schemeClr>
+    </dgm:linClrLst>
+    <dgm:effectClrLst/>
+    <dgm:txLinClrLst/>
+    <dgm:txFillClrLst meth="repeat">
+      <a:schemeClr val="dk1"/>
+    </dgm:txFillClrLst>
+    <dgm:txEffectClrLst/>
+  </dgm:styleLbl>
+  <dgm:styleLbl name="alignAccFollowNode1">
+    <dgm:fillClrLst meth="repeat">
+      <a:schemeClr val="accent1">
+        <a:alpha val="90000"/>
+        <a:tint val="40000"/>
+      </a:schemeClr>
+    </dgm:fillClrLst>
+    <dgm:linClrLst meth="repeat">
+      <a:schemeClr val="accent1">
+        <a:alpha val="90000"/>
+        <a:tint val="40000"/>
+      </a:schemeClr>
+    </dgm:linClrLst>
+    <dgm:effectClrLst/>
+    <dgm:txLinClrLst/>
+    <dgm:txFillClrLst meth="repeat">
+      <a:schemeClr val="dk1"/>
+    </dgm:txFillClrLst>
+    <dgm:txEffectClrLst/>
+  </dgm:styleLbl>
+  <dgm:styleLbl name="bgAccFollowNode1">
+    <dgm:fillClrLst meth="repeat">
+      <a:schemeClr val="accent1">
+        <a:alpha val="90000"/>
+        <a:tint val="40000"/>
+      </a:schemeClr>
+    </dgm:fillClrLst>
+    <dgm:linClrLst meth="repeat">
+      <a:schemeClr val="accent1">
+        <a:alpha val="90000"/>
+        <a:tint val="40000"/>
+      </a:schemeClr>
+    </dgm:linClrLst>
+    <dgm:effectClrLst/>
+    <dgm:txLinClrLst/>
+    <dgm:txFillClrLst meth="repeat">
+      <a:schemeClr val="dk1"/>
+    </dgm:txFillClrLst>
+    <dgm:txEffectClrLst/>
+  </dgm:styleLbl>
+  <dgm:styleLbl name="fgAcc0">
+    <dgm:fillClrLst meth="repeat">
+      <a:schemeClr val="lt1">
+        <a:alpha val="90000"/>
+      </a:schemeClr>
+    </dgm:fillClrLst>
+    <dgm:linClrLst meth="repeat">
+      <a:schemeClr val="accent1"/>
+    </dgm:linClrLst>
+    <dgm:effectClrLst/>
+    <dgm:txLinClrLst/>
+    <dgm:txFillClrLst meth="repeat">
+      <a:schemeClr val="dk1"/>
+    </dgm:txFillClrLst>
+    <dgm:txEffectClrLst/>
+  </dgm:styleLbl>
+  <dgm:styleLbl name="fgAcc2">
+    <dgm:fillClrLst meth="repeat">
+      <a:schemeClr val="lt1">
+        <a:alpha val="90000"/>
+      </a:schemeClr>
+    </dgm:fillClrLst>
+    <dgm:linClrLst meth="repeat">
+      <a:schemeClr val="accent1"/>
+    </dgm:linClrLst>
+    <dgm:effectClrLst/>
+    <dgm:txLinClrLst/>
+    <dgm:txFillClrLst meth="repeat">
+      <a:schemeClr val="dk1"/>
+    </dgm:txFillClrLst>
+    <dgm:txEffectClrLst/>
+  </dgm:styleLbl>
+  <dgm:styleLbl name="fgAcc3">
+    <dgm:fillClrLst meth="repeat">
+      <a:schemeClr val="lt1">
+        <a:alpha val="90000"/>
+      </a:schemeClr>
+    </dgm:fillClrLst>
+    <dgm:linClrLst meth="repeat">
+      <a:schemeClr val="accent1"/>
+    </dgm:linClrLst>
+    <dgm:effectClrLst/>
+    <dgm:txLinClrLst/>
+    <dgm:txFillClrLst meth="repeat">
+      <a:schemeClr val="dk1"/>
+    </dgm:txFillClrLst>
+    <dgm:txEffectClrLst/>
+  </dgm:styleLbl>
+  <dgm:styleLbl name="fgAcc4">
+    <dgm:fillClrLst meth="repeat">
+      <a:schemeClr val="lt1">
+        <a:alpha val="90000"/>
+      </a:schemeClr>
+    </dgm:fillClrLst>
+    <dgm:linClrLst meth="repeat">
+      <a:schemeClr val="accent1"/>
+    </dgm:linClrLst>
+    <dgm:effectClrLst/>
+    <dgm:txLinClrLst/>
+    <dgm:txFillClrLst meth="repeat">
+      <a:schemeClr val="dk1"/>
+    </dgm:txFillClrLst>
+    <dgm:txEffectClrLst/>
+  </dgm:styleLbl>
+  <dgm:styleLbl name="bgShp">
+    <dgm:fillClrLst meth="repeat">
+      <a:schemeClr val="accent1">
+        <a:tint val="40000"/>
+      </a:schemeClr>
+    </dgm:fillClrLst>
+    <dgm:linClrLst meth="repeat">
+      <a:schemeClr val="accent1"/>
+    </dgm:linClrLst>
+    <dgm:effectClrLst/>
+    <dgm:txLinClrLst/>
+    <dgm:txFillClrLst meth="repeat">
+      <a:schemeClr val="dk1"/>
+    </dgm:txFillClrLst>
+    <dgm:txEffectClrLst/>
+  </dgm:styleLbl>
+  <dgm:styleLbl name="dkBgShp">
+    <dgm:fillClrLst meth="repeat">
+      <a:schemeClr val="accent1">
+        <a:shade val="80000"/>
+      </a:schemeClr>
+    </dgm:fillClrLst>
+    <dgm:linClrLst meth="repeat">
+      <a:schemeClr val="accent1"/>
+    </dgm:linClrLst>
+    <dgm:effectClrLst/>
+    <dgm:txLinClrLst/>
+    <dgm:txFillClrLst meth="repeat">
+      <a:schemeClr val="lt1"/>
+    </dgm:txFillClrLst>
+    <dgm:txEffectClrLst/>
+  </dgm:styleLbl>
+  <dgm:styleLbl name="trBgShp">
+    <dgm:fillClrLst meth="repeat">
+      <a:schemeClr val="accent1">
+        <a:tint val="50000"/>
+        <a:alpha val="40000"/>
+      </a:schemeClr>
+    </dgm:fillClrLst>
+    <dgm:linClrLst meth="repeat">
+      <a:schemeClr val="accent1"/>
+    </dgm:linClrLst>
+    <dgm:effectClrLst/>
+    <dgm:txLinClrLst/>
+    <dgm:txFillClrLst meth="repeat">
+      <a:schemeClr val="lt1"/>
+    </dgm:txFillClrLst>
+    <dgm:txEffectClrLst/>
+  </dgm:styleLbl>
+  <dgm:styleLbl name="fgShp">
+    <dgm:fillClrLst meth="repeat">
+      <a:schemeClr val="accent1">
+        <a:tint val="60000"/>
+      </a:schemeClr>
+    </dgm:fillClrLst>
+    <dgm:linClrLst meth="repeat">
+      <a:schemeClr val="lt1"/>
+    </dgm:linClrLst>
+    <dgm:effectClrLst/>
+    <dgm:txLinClrLst/>
+    <dgm:txFillClrLst meth="repeat">
+      <a:schemeClr val="dk1"/>
+    </dgm:txFillClrLst>
+    <dgm:txEffectClrLst/>
+  </dgm:styleLbl>
+  <dgm:styleLbl name="revTx">
+    <dgm:fillClrLst meth="repeat">
+      <a:schemeClr val="lt1">
+        <a:alpha val="0"/>
+      </a:schemeClr>
+    </dgm:fillClrLst>
+    <dgm:linClrLst meth="repeat">
+      <a:schemeClr val="dk1">
+        <a:alpha val="0"/>
+      </a:schemeClr>
+    </dgm:linClrLst>
+    <dgm:effectClrLst/>
+    <dgm:txLinClrLst/>
+    <dgm:txFillClrLst meth="repeat">
+      <a:schemeClr val="tx1"/>
+    </dgm:txFillClrLst>
+    <dgm:txEffectClrLst/>
+  </dgm:styleLbl>
+</dgm:colorsDef>
+</file>
+
+<file path=ppt/diagrams/data1.xml><?xml version="1.0" encoding="utf-8"?>
+<dgm:dataModel xmlns:dgm="http://schemas.openxmlformats.org/drawingml/2006/diagram" xmlns:a="http://schemas.openxmlformats.org/drawingml/2006/main">
+  <dgm:ptLst>
+    <dgm:pt modelId="{2A13A74B-3207-41F2-A7F9-918920AF009A}" type="doc">
+      <dgm:prSet loTypeId="urn:microsoft.com/office/officeart/2005/8/layout/gear1" loCatId="relationship" qsTypeId="urn:microsoft.com/office/officeart/2005/8/quickstyle/simple3" qsCatId="simple" csTypeId="urn:microsoft.com/office/officeart/2005/8/colors/accent1_2" csCatId="accent1" phldr="1"/>
+      <dgm:spPr/>
+    </dgm:pt>
+    <dgm:pt modelId="{D7B649F2-8378-47E6-A9D8-DD31959033C9}">
+      <dgm:prSet phldrT="[文本]"/>
+      <dgm:spPr/>
+      <dgm:t>
+        <a:bodyPr/>
+        <a:lstStyle/>
+        <a:p>
+          <a:r>
+            <a:rPr lang="en-US" altLang="zh-CN" dirty="0" smtClean="0"/>
+            <a:t>Engine</a:t>
+          </a:r>
+          <a:endParaRPr lang="zh-CN" altLang="en-US" dirty="0"/>
+        </a:p>
+      </dgm:t>
+    </dgm:pt>
+    <dgm:pt modelId="{BD12CF64-705E-4C6C-AD91-8093017CD9AC}" type="parTrans" cxnId="{870A8E85-9C1B-4FB9-AE83-FFB1D54318BA}">
+      <dgm:prSet/>
+      <dgm:spPr/>
+      <dgm:t>
+        <a:bodyPr/>
+        <a:lstStyle/>
+        <a:p>
+          <a:endParaRPr lang="zh-CN" altLang="en-US"/>
+        </a:p>
+      </dgm:t>
+    </dgm:pt>
+    <dgm:pt modelId="{6430739F-F6A0-4039-8437-A3BC162D970A}" type="sibTrans" cxnId="{870A8E85-9C1B-4FB9-AE83-FFB1D54318BA}">
+      <dgm:prSet/>
+      <dgm:spPr/>
+      <dgm:t>
+        <a:bodyPr/>
+        <a:lstStyle/>
+        <a:p>
+          <a:endParaRPr lang="zh-CN" altLang="en-US"/>
+        </a:p>
+      </dgm:t>
+    </dgm:pt>
+    <dgm:pt modelId="{6FCAD859-3C04-4F6C-BDA1-0E59AE7CAC44}">
+      <dgm:prSet phldrT="[文本]" phldr="1"/>
+      <dgm:spPr/>
+      <dgm:t>
+        <a:bodyPr/>
+        <a:lstStyle/>
+        <a:p>
+          <a:endParaRPr lang="zh-CN" altLang="en-US"/>
+        </a:p>
+      </dgm:t>
+    </dgm:pt>
+    <dgm:pt modelId="{63677669-3B55-462B-9C56-668629A971C8}" type="parTrans" cxnId="{5114E373-957C-498C-8485-A2DBF24B4FBE}">
+      <dgm:prSet/>
+      <dgm:spPr/>
+      <dgm:t>
+        <a:bodyPr/>
+        <a:lstStyle/>
+        <a:p>
+          <a:endParaRPr lang="zh-CN" altLang="en-US"/>
+        </a:p>
+      </dgm:t>
+    </dgm:pt>
+    <dgm:pt modelId="{C2ED0C1F-E7F8-4EAB-9609-2BF403F8E4DA}" type="sibTrans" cxnId="{5114E373-957C-498C-8485-A2DBF24B4FBE}">
+      <dgm:prSet/>
+      <dgm:spPr/>
+      <dgm:t>
+        <a:bodyPr/>
+        <a:lstStyle/>
+        <a:p>
+          <a:endParaRPr lang="zh-CN" altLang="en-US"/>
+        </a:p>
+      </dgm:t>
+    </dgm:pt>
+    <dgm:pt modelId="{3D52C528-695A-401E-8D40-17DCF899F0EF}">
+      <dgm:prSet phldrT="[文本]" phldr="1"/>
+      <dgm:spPr/>
+      <dgm:t>
+        <a:bodyPr/>
+        <a:lstStyle/>
+        <a:p>
+          <a:endParaRPr lang="zh-CN" altLang="en-US"/>
+        </a:p>
+      </dgm:t>
+    </dgm:pt>
+    <dgm:pt modelId="{E61A879E-7F00-4D2F-9D49-AA4A273997EA}" type="parTrans" cxnId="{318360A6-2715-4AF7-BBE3-3C71026746B1}">
+      <dgm:prSet/>
+      <dgm:spPr/>
+      <dgm:t>
+        <a:bodyPr/>
+        <a:lstStyle/>
+        <a:p>
+          <a:endParaRPr lang="zh-CN" altLang="en-US"/>
+        </a:p>
+      </dgm:t>
+    </dgm:pt>
+    <dgm:pt modelId="{8A13E864-A3B8-40E8-B530-F80D33619F05}" type="sibTrans" cxnId="{318360A6-2715-4AF7-BBE3-3C71026746B1}">
+      <dgm:prSet/>
+      <dgm:spPr/>
+      <dgm:t>
+        <a:bodyPr/>
+        <a:lstStyle/>
+        <a:p>
+          <a:endParaRPr lang="zh-CN" altLang="en-US"/>
+        </a:p>
+      </dgm:t>
+    </dgm:pt>
+    <dgm:pt modelId="{8B450953-7138-49FE-B7D7-7A75131F8BDB}" type="pres">
+      <dgm:prSet presAssocID="{2A13A74B-3207-41F2-A7F9-918920AF009A}" presName="composite" presStyleCnt="0">
+        <dgm:presLayoutVars>
+          <dgm:chMax val="3"/>
+          <dgm:animLvl val="lvl"/>
+          <dgm:resizeHandles val="exact"/>
+        </dgm:presLayoutVars>
+      </dgm:prSet>
+      <dgm:spPr/>
+    </dgm:pt>
+    <dgm:pt modelId="{125C8CAC-60F8-47FA-815D-CBD5599D69AA}" type="pres">
+      <dgm:prSet presAssocID="{D7B649F2-8378-47E6-A9D8-DD31959033C9}" presName="gear1" presStyleLbl="node1" presStyleIdx="0" presStyleCnt="3">
+        <dgm:presLayoutVars>
+          <dgm:chMax val="1"/>
+          <dgm:bulletEnabled val="1"/>
+        </dgm:presLayoutVars>
+      </dgm:prSet>
+      <dgm:spPr/>
+    </dgm:pt>
+    <dgm:pt modelId="{39DDABE7-A49C-46BC-B73C-E5FF411B9731}" type="pres">
+      <dgm:prSet presAssocID="{D7B649F2-8378-47E6-A9D8-DD31959033C9}" presName="gear1srcNode" presStyleLbl="node1" presStyleIdx="0" presStyleCnt="3"/>
+      <dgm:spPr/>
+    </dgm:pt>
+    <dgm:pt modelId="{8A4F96FE-E6D4-47D5-B9FF-A27CC787A6B1}" type="pres">
+      <dgm:prSet presAssocID="{D7B649F2-8378-47E6-A9D8-DD31959033C9}" presName="gear1dstNode" presStyleLbl="node1" presStyleIdx="0" presStyleCnt="3"/>
+      <dgm:spPr/>
+    </dgm:pt>
+    <dgm:pt modelId="{01E522F8-1614-4371-8917-C2FA08E70C51}" type="pres">
+      <dgm:prSet presAssocID="{6FCAD859-3C04-4F6C-BDA1-0E59AE7CAC44}" presName="gear2" presStyleLbl="node1" presStyleIdx="1" presStyleCnt="3">
+        <dgm:presLayoutVars>
+          <dgm:chMax val="1"/>
+          <dgm:bulletEnabled val="1"/>
+        </dgm:presLayoutVars>
+      </dgm:prSet>
+      <dgm:spPr/>
+    </dgm:pt>
+    <dgm:pt modelId="{9D74E6FB-BB0D-457F-AE0C-A87627BF0B20}" type="pres">
+      <dgm:prSet presAssocID="{6FCAD859-3C04-4F6C-BDA1-0E59AE7CAC44}" presName="gear2srcNode" presStyleLbl="node1" presStyleIdx="1" presStyleCnt="3"/>
+      <dgm:spPr/>
+    </dgm:pt>
+    <dgm:pt modelId="{26F00889-AF9B-4BE4-AE99-5C3B06CD92A2}" type="pres">
+      <dgm:prSet presAssocID="{6FCAD859-3C04-4F6C-BDA1-0E59AE7CAC44}" presName="gear2dstNode" presStyleLbl="node1" presStyleIdx="1" presStyleCnt="3"/>
+      <dgm:spPr/>
+    </dgm:pt>
+    <dgm:pt modelId="{9B67B6B7-4433-4529-83E3-ADDC080DEEED}" type="pres">
+      <dgm:prSet presAssocID="{3D52C528-695A-401E-8D40-17DCF899F0EF}" presName="gear3" presStyleLbl="node1" presStyleIdx="2" presStyleCnt="3"/>
+      <dgm:spPr/>
+    </dgm:pt>
+    <dgm:pt modelId="{6A20D547-D17F-4981-BA45-73D9C8D10026}" type="pres">
+      <dgm:prSet presAssocID="{3D52C528-695A-401E-8D40-17DCF899F0EF}" presName="gear3tx" presStyleLbl="node1" presStyleIdx="2" presStyleCnt="3">
+        <dgm:presLayoutVars>
+          <dgm:chMax val="1"/>
+          <dgm:bulletEnabled val="1"/>
+        </dgm:presLayoutVars>
+      </dgm:prSet>
+      <dgm:spPr/>
+    </dgm:pt>
+    <dgm:pt modelId="{9709038A-2239-4E55-B725-833B5006024B}" type="pres">
+      <dgm:prSet presAssocID="{3D52C528-695A-401E-8D40-17DCF899F0EF}" presName="gear3srcNode" presStyleLbl="node1" presStyleIdx="2" presStyleCnt="3"/>
+      <dgm:spPr/>
+    </dgm:pt>
+    <dgm:pt modelId="{F41B61EA-5B78-4A2A-8E14-B303204461EB}" type="pres">
+      <dgm:prSet presAssocID="{3D52C528-695A-401E-8D40-17DCF899F0EF}" presName="gear3dstNode" presStyleLbl="node1" presStyleIdx="2" presStyleCnt="3"/>
+      <dgm:spPr/>
+    </dgm:pt>
+    <dgm:pt modelId="{A62D8777-3F36-4BA1-9BC5-8B8F940762D8}" type="pres">
+      <dgm:prSet presAssocID="{6430739F-F6A0-4039-8437-A3BC162D970A}" presName="connector1" presStyleLbl="sibTrans2D1" presStyleIdx="0" presStyleCnt="3"/>
+      <dgm:spPr/>
+    </dgm:pt>
+    <dgm:pt modelId="{07C991A4-407F-4A17-A1DB-D8427B1BAC27}" type="pres">
+      <dgm:prSet presAssocID="{C2ED0C1F-E7F8-4EAB-9609-2BF403F8E4DA}" presName="connector2" presStyleLbl="sibTrans2D1" presStyleIdx="1" presStyleCnt="3"/>
+      <dgm:spPr/>
+    </dgm:pt>
+    <dgm:pt modelId="{3DC58179-06A7-4978-91BF-9F43B0A94AA5}" type="pres">
+      <dgm:prSet presAssocID="{8A13E864-A3B8-40E8-B530-F80D33619F05}" presName="connector3" presStyleLbl="sibTrans2D1" presStyleIdx="2" presStyleCnt="3"/>
+      <dgm:spPr/>
+    </dgm:pt>
+  </dgm:ptLst>
+  <dgm:cxnLst>
+    <dgm:cxn modelId="{CBEB61F4-629D-4B3E-B320-3B9FC606DC2A}" type="presOf" srcId="{C2ED0C1F-E7F8-4EAB-9609-2BF403F8E4DA}" destId="{07C991A4-407F-4A17-A1DB-D8427B1BAC27}" srcOrd="0" destOrd="0" presId="urn:microsoft.com/office/officeart/2005/8/layout/gear1"/>
+    <dgm:cxn modelId="{4E607CC7-2E74-4DF0-9ED5-BEBB0719D683}" type="presOf" srcId="{3D52C528-695A-401E-8D40-17DCF899F0EF}" destId="{F41B61EA-5B78-4A2A-8E14-B303204461EB}" srcOrd="3" destOrd="0" presId="urn:microsoft.com/office/officeart/2005/8/layout/gear1"/>
+    <dgm:cxn modelId="{870A8E85-9C1B-4FB9-AE83-FFB1D54318BA}" srcId="{2A13A74B-3207-41F2-A7F9-918920AF009A}" destId="{D7B649F2-8378-47E6-A9D8-DD31959033C9}" srcOrd="0" destOrd="0" parTransId="{BD12CF64-705E-4C6C-AD91-8093017CD9AC}" sibTransId="{6430739F-F6A0-4039-8437-A3BC162D970A}"/>
+    <dgm:cxn modelId="{4991DC46-6A1F-4B5B-848F-501959557810}" type="presOf" srcId="{D7B649F2-8378-47E6-A9D8-DD31959033C9}" destId="{8A4F96FE-E6D4-47D5-B9FF-A27CC787A6B1}" srcOrd="2" destOrd="0" presId="urn:microsoft.com/office/officeart/2005/8/layout/gear1"/>
+    <dgm:cxn modelId="{ED1CB6E3-6F83-4D91-A4CC-EA1E4EFF0006}" type="presOf" srcId="{3D52C528-695A-401E-8D40-17DCF899F0EF}" destId="{9B67B6B7-4433-4529-83E3-ADDC080DEEED}" srcOrd="0" destOrd="0" presId="urn:microsoft.com/office/officeart/2005/8/layout/gear1"/>
+    <dgm:cxn modelId="{79E9B777-D5DA-48A6-BC69-72B2C1D1F11D}" type="presOf" srcId="{3D52C528-695A-401E-8D40-17DCF899F0EF}" destId="{6A20D547-D17F-4981-BA45-73D9C8D10026}" srcOrd="1" destOrd="0" presId="urn:microsoft.com/office/officeart/2005/8/layout/gear1"/>
+    <dgm:cxn modelId="{318360A6-2715-4AF7-BBE3-3C71026746B1}" srcId="{2A13A74B-3207-41F2-A7F9-918920AF009A}" destId="{3D52C528-695A-401E-8D40-17DCF899F0EF}" srcOrd="2" destOrd="0" parTransId="{E61A879E-7F00-4D2F-9D49-AA4A273997EA}" sibTransId="{8A13E864-A3B8-40E8-B530-F80D33619F05}"/>
+    <dgm:cxn modelId="{A1E48F50-699C-4CB3-BCB9-F1727DDE7D56}" type="presOf" srcId="{2A13A74B-3207-41F2-A7F9-918920AF009A}" destId="{8B450953-7138-49FE-B7D7-7A75131F8BDB}" srcOrd="0" destOrd="0" presId="urn:microsoft.com/office/officeart/2005/8/layout/gear1"/>
+    <dgm:cxn modelId="{34FD8A2D-918B-4D50-9276-E17D18BD49DD}" type="presOf" srcId="{6FCAD859-3C04-4F6C-BDA1-0E59AE7CAC44}" destId="{01E522F8-1614-4371-8917-C2FA08E70C51}" srcOrd="0" destOrd="0" presId="urn:microsoft.com/office/officeart/2005/8/layout/gear1"/>
+    <dgm:cxn modelId="{01B3AB2B-65B4-4A9C-A3FA-861A7FA830B3}" type="presOf" srcId="{3D52C528-695A-401E-8D40-17DCF899F0EF}" destId="{9709038A-2239-4E55-B725-833B5006024B}" srcOrd="2" destOrd="0" presId="urn:microsoft.com/office/officeart/2005/8/layout/gear1"/>
+    <dgm:cxn modelId="{D66239D1-D9B0-41B9-BBEB-69B8C386CA24}" type="presOf" srcId="{8A13E864-A3B8-40E8-B530-F80D33619F05}" destId="{3DC58179-06A7-4978-91BF-9F43B0A94AA5}" srcOrd="0" destOrd="0" presId="urn:microsoft.com/office/officeart/2005/8/layout/gear1"/>
+    <dgm:cxn modelId="{7C2F3A00-A2AA-475D-9083-4A4DF653BD09}" type="presOf" srcId="{D7B649F2-8378-47E6-A9D8-DD31959033C9}" destId="{125C8CAC-60F8-47FA-815D-CBD5599D69AA}" srcOrd="0" destOrd="0" presId="urn:microsoft.com/office/officeart/2005/8/layout/gear1"/>
+    <dgm:cxn modelId="{775829C0-00B9-4A8B-914B-1AFD8D6FA17A}" type="presOf" srcId="{6FCAD859-3C04-4F6C-BDA1-0E59AE7CAC44}" destId="{26F00889-AF9B-4BE4-AE99-5C3B06CD92A2}" srcOrd="2" destOrd="0" presId="urn:microsoft.com/office/officeart/2005/8/layout/gear1"/>
+    <dgm:cxn modelId="{B7DD4569-4269-4F63-86FE-055F82E9D84B}" type="presOf" srcId="{6FCAD859-3C04-4F6C-BDA1-0E59AE7CAC44}" destId="{9D74E6FB-BB0D-457F-AE0C-A87627BF0B20}" srcOrd="1" destOrd="0" presId="urn:microsoft.com/office/officeart/2005/8/layout/gear1"/>
+    <dgm:cxn modelId="{7A841D72-04F8-4B16-9B68-2063A5DDB4D5}" type="presOf" srcId="{D7B649F2-8378-47E6-A9D8-DD31959033C9}" destId="{39DDABE7-A49C-46BC-B73C-E5FF411B9731}" srcOrd="1" destOrd="0" presId="urn:microsoft.com/office/officeart/2005/8/layout/gear1"/>
+    <dgm:cxn modelId="{35F2341C-6F40-4EF2-8E80-8A2B3FB66965}" type="presOf" srcId="{6430739F-F6A0-4039-8437-A3BC162D970A}" destId="{A62D8777-3F36-4BA1-9BC5-8B8F940762D8}" srcOrd="0" destOrd="0" presId="urn:microsoft.com/office/officeart/2005/8/layout/gear1"/>
+    <dgm:cxn modelId="{5114E373-957C-498C-8485-A2DBF24B4FBE}" srcId="{2A13A74B-3207-41F2-A7F9-918920AF009A}" destId="{6FCAD859-3C04-4F6C-BDA1-0E59AE7CAC44}" srcOrd="1" destOrd="0" parTransId="{63677669-3B55-462B-9C56-668629A971C8}" sibTransId="{C2ED0C1F-E7F8-4EAB-9609-2BF403F8E4DA}"/>
+    <dgm:cxn modelId="{FF2FA62D-D829-4861-9C5B-085EA496544C}" type="presParOf" srcId="{8B450953-7138-49FE-B7D7-7A75131F8BDB}" destId="{125C8CAC-60F8-47FA-815D-CBD5599D69AA}" srcOrd="0" destOrd="0" presId="urn:microsoft.com/office/officeart/2005/8/layout/gear1"/>
+    <dgm:cxn modelId="{000020E2-FCC7-4C0F-B731-BE3EB47A9E33}" type="presParOf" srcId="{8B450953-7138-49FE-B7D7-7A75131F8BDB}" destId="{39DDABE7-A49C-46BC-B73C-E5FF411B9731}" srcOrd="1" destOrd="0" presId="urn:microsoft.com/office/officeart/2005/8/layout/gear1"/>
+    <dgm:cxn modelId="{0F1A1F16-E55E-41D4-A3D2-F429D230396A}" type="presParOf" srcId="{8B450953-7138-49FE-B7D7-7A75131F8BDB}" destId="{8A4F96FE-E6D4-47D5-B9FF-A27CC787A6B1}" srcOrd="2" destOrd="0" presId="urn:microsoft.com/office/officeart/2005/8/layout/gear1"/>
+    <dgm:cxn modelId="{BDB51AED-909D-4EDB-9DEF-2CA9B2D21534}" type="presParOf" srcId="{8B450953-7138-49FE-B7D7-7A75131F8BDB}" destId="{01E522F8-1614-4371-8917-C2FA08E70C51}" srcOrd="3" destOrd="0" presId="urn:microsoft.com/office/officeart/2005/8/layout/gear1"/>
+    <dgm:cxn modelId="{D9ABAB01-12A3-4919-9450-B258B44B4237}" type="presParOf" srcId="{8B450953-7138-49FE-B7D7-7A75131F8BDB}" destId="{9D74E6FB-BB0D-457F-AE0C-A87627BF0B20}" srcOrd="4" destOrd="0" presId="urn:microsoft.com/office/officeart/2005/8/layout/gear1"/>
+    <dgm:cxn modelId="{2B63A3A4-30AD-4689-9D32-4007389B00A6}" type="presParOf" srcId="{8B450953-7138-49FE-B7D7-7A75131F8BDB}" destId="{26F00889-AF9B-4BE4-AE99-5C3B06CD92A2}" srcOrd="5" destOrd="0" presId="urn:microsoft.com/office/officeart/2005/8/layout/gear1"/>
+    <dgm:cxn modelId="{48B53844-5FB1-48CC-9788-F491531BDFB1}" type="presParOf" srcId="{8B450953-7138-49FE-B7D7-7A75131F8BDB}" destId="{9B67B6B7-4433-4529-83E3-ADDC080DEEED}" srcOrd="6" destOrd="0" presId="urn:microsoft.com/office/officeart/2005/8/layout/gear1"/>
+    <dgm:cxn modelId="{8771D73A-2575-429F-956F-6020D7BC327B}" type="presParOf" srcId="{8B450953-7138-49FE-B7D7-7A75131F8BDB}" destId="{6A20D547-D17F-4981-BA45-73D9C8D10026}" srcOrd="7" destOrd="0" presId="urn:microsoft.com/office/officeart/2005/8/layout/gear1"/>
+    <dgm:cxn modelId="{46A4B42A-BEB1-4331-8276-7828C0905877}" type="presParOf" srcId="{8B450953-7138-49FE-B7D7-7A75131F8BDB}" destId="{9709038A-2239-4E55-B725-833B5006024B}" srcOrd="8" destOrd="0" presId="urn:microsoft.com/office/officeart/2005/8/layout/gear1"/>
+    <dgm:cxn modelId="{F77F28A2-B1F7-4788-83C4-E74C5383BEBD}" type="presParOf" srcId="{8B450953-7138-49FE-B7D7-7A75131F8BDB}" destId="{F41B61EA-5B78-4A2A-8E14-B303204461EB}" srcOrd="9" destOrd="0" presId="urn:microsoft.com/office/officeart/2005/8/layout/gear1"/>
+    <dgm:cxn modelId="{0C1D9EE1-8709-4BF2-919F-C17DEF26434D}" type="presParOf" srcId="{8B450953-7138-49FE-B7D7-7A75131F8BDB}" destId="{A62D8777-3F36-4BA1-9BC5-8B8F940762D8}" srcOrd="10" destOrd="0" presId="urn:microsoft.com/office/officeart/2005/8/layout/gear1"/>
+    <dgm:cxn modelId="{B1062EF4-5F23-4EA0-898F-8F9AB7A02F48}" type="presParOf" srcId="{8B450953-7138-49FE-B7D7-7A75131F8BDB}" destId="{07C991A4-407F-4A17-A1DB-D8427B1BAC27}" srcOrd="11" destOrd="0" presId="urn:microsoft.com/office/officeart/2005/8/layout/gear1"/>
+    <dgm:cxn modelId="{F42D5935-2EC5-4C71-87E7-8880CA57C450}" type="presParOf" srcId="{8B450953-7138-49FE-B7D7-7A75131F8BDB}" destId="{3DC58179-06A7-4978-91BF-9F43B0A94AA5}" srcOrd="12" destOrd="0" presId="urn:microsoft.com/office/officeart/2005/8/layout/gear1"/>
+  </dgm:cxnLst>
+  <dgm:bg/>
+  <dgm:whole/>
+  <dgm:extLst>
+    <a:ext uri="http://schemas.microsoft.com/office/drawing/2008/diagram">
+      <dsp:dataModelExt xmlns:dsp="http://schemas.microsoft.com/office/drawing/2008/diagram" relId="rId6" minVer="http://schemas.openxmlformats.org/drawingml/2006/diagram"/>
+    </a:ext>
+  </dgm:extLst>
+</dgm:dataModel>
+</file>
+
+<file path=ppt/diagrams/drawing1.xml><?xml version="1.0" encoding="utf-8"?>
+<dsp:drawing xmlns:dgm="http://schemas.openxmlformats.org/drawingml/2006/diagram" xmlns:dsp="http://schemas.microsoft.com/office/drawing/2008/diagram" xmlns:a="http://schemas.openxmlformats.org/drawingml/2006/main">
+  <dsp:spTree>
+    <dsp:nvGrpSpPr>
+      <dsp:cNvPr id="0" name=""/>
+      <dsp:cNvGrpSpPr/>
+    </dsp:nvGrpSpPr>
+    <dsp:grpSpPr/>
+    <dsp:sp modelId="{125C8CAC-60F8-47FA-815D-CBD5599D69AA}">
+      <dsp:nvSpPr>
+        <dsp:cNvPr id="0" name=""/>
+        <dsp:cNvSpPr/>
+      </dsp:nvSpPr>
+      <dsp:spPr>
+        <a:xfrm>
+          <a:off x="2505973" y="1520965"/>
+          <a:ext cx="1858958" cy="1858958"/>
+        </a:xfrm>
+        <a:prstGeom prst="gear9">
+          <a:avLst/>
+        </a:prstGeom>
+        <a:gradFill rotWithShape="0">
+          <a:gsLst>
+            <a:gs pos="0">
+              <a:schemeClr val="accent1">
+                <a:hueOff val="0"/>
+                <a:satOff val="0"/>
+                <a:lumOff val="0"/>
+                <a:alphaOff val="0"/>
+                <a:tint val="50000"/>
+                <a:satMod val="300000"/>
+              </a:schemeClr>
+            </a:gs>
+            <a:gs pos="35000">
+              <a:schemeClr val="accent1">
+                <a:hueOff val="0"/>
+                <a:satOff val="0"/>
+                <a:lumOff val="0"/>
+                <a:alphaOff val="0"/>
+                <a:tint val="37000"/>
+                <a:satMod val="300000"/>
+              </a:schemeClr>
+            </a:gs>
+            <a:gs pos="100000">
+              <a:schemeClr val="accent1">
+                <a:hueOff val="0"/>
+                <a:satOff val="0"/>
+                <a:lumOff val="0"/>
+                <a:alphaOff val="0"/>
+                <a:tint val="15000"/>
+                <a:satMod val="350000"/>
+              </a:schemeClr>
+            </a:gs>
+          </a:gsLst>
+          <a:lin ang="16200000" scaled="1"/>
+        </a:gradFill>
+        <a:ln>
+          <a:noFill/>
+        </a:ln>
+        <a:effectLst>
+          <a:outerShdw blurRad="40000" dist="20000" dir="5400000" rotWithShape="0">
+            <a:srgbClr val="000000">
+              <a:alpha val="38000"/>
+            </a:srgbClr>
+          </a:outerShdw>
+        </a:effectLst>
+        <a:scene3d>
+          <a:camera prst="orthographicFront"/>
+          <a:lightRig rig="flat" dir="t"/>
+        </a:scene3d>
+        <a:sp3d prstMaterial="dkEdge">
+          <a:bevelT w="8200" h="38100"/>
+        </a:sp3d>
+      </dsp:spPr>
+      <dsp:style>
+        <a:lnRef idx="0">
+          <a:scrgbClr r="0" g="0" b="0"/>
+        </a:lnRef>
+        <a:fillRef idx="2">
+          <a:scrgbClr r="0" g="0" b="0"/>
+        </a:fillRef>
+        <a:effectRef idx="1">
+          <a:scrgbClr r="0" g="0" b="0"/>
+        </a:effectRef>
+        <a:fontRef idx="minor">
+          <a:schemeClr val="dk1"/>
+        </a:fontRef>
+      </dsp:style>
+      <dsp:txBody>
+        <a:bodyPr spcFirstLastPara="0" vert="horz" wrap="square" lIns="36830" tIns="36830" rIns="36830" bIns="36830" numCol="1" spcCol="1270" anchor="ctr" anchorCtr="0">
+          <a:noAutofit/>
+        </a:bodyPr>
+        <a:lstStyle/>
+        <a:p>
+          <a:pPr lvl="0" algn="ctr" defTabSz="1289050">
+            <a:lnSpc>
+              <a:spcPct val="90000"/>
+            </a:lnSpc>
+            <a:spcBef>
+              <a:spcPct val="0"/>
+            </a:spcBef>
+            <a:spcAft>
+              <a:spcPct val="35000"/>
+            </a:spcAft>
+          </a:pPr>
+          <a:r>
+            <a:rPr lang="en-US" altLang="zh-CN" sz="2900" kern="1200" dirty="0" smtClean="0"/>
+            <a:t>Engine</a:t>
+          </a:r>
+          <a:endParaRPr lang="zh-CN" altLang="en-US" sz="2900" kern="1200" dirty="0"/>
+        </a:p>
+      </dsp:txBody>
+      <dsp:txXfrm>
+        <a:off x="2879706" y="1956417"/>
+        <a:ext cx="1111492" cy="955543"/>
+      </dsp:txXfrm>
+    </dsp:sp>
+    <dsp:sp modelId="{01E522F8-1614-4371-8917-C2FA08E70C51}">
+      <dsp:nvSpPr>
+        <dsp:cNvPr id="0" name=""/>
+        <dsp:cNvSpPr/>
+      </dsp:nvSpPr>
+      <dsp:spPr>
+        <a:xfrm>
+          <a:off x="1424397" y="1081575"/>
+          <a:ext cx="1351969" cy="1351969"/>
+        </a:xfrm>
+        <a:prstGeom prst="gear6">
+          <a:avLst/>
+        </a:prstGeom>
+        <a:gradFill rotWithShape="0">
+          <a:gsLst>
+            <a:gs pos="0">
+              <a:schemeClr val="accent1">
+                <a:hueOff val="0"/>
+                <a:satOff val="0"/>
+                <a:lumOff val="0"/>
+                <a:alphaOff val="0"/>
+                <a:tint val="50000"/>
+                <a:satMod val="300000"/>
+              </a:schemeClr>
+            </a:gs>
+            <a:gs pos="35000">
+              <a:schemeClr val="accent1">
+                <a:hueOff val="0"/>
+                <a:satOff val="0"/>
+                <a:lumOff val="0"/>
+                <a:alphaOff val="0"/>
+                <a:tint val="37000"/>
+                <a:satMod val="300000"/>
+              </a:schemeClr>
+            </a:gs>
+            <a:gs pos="100000">
+              <a:schemeClr val="accent1">
+                <a:hueOff val="0"/>
+                <a:satOff val="0"/>
+                <a:lumOff val="0"/>
+                <a:alphaOff val="0"/>
+                <a:tint val="15000"/>
+                <a:satMod val="350000"/>
+              </a:schemeClr>
+            </a:gs>
+          </a:gsLst>
+          <a:lin ang="16200000" scaled="1"/>
+        </a:gradFill>
+        <a:ln>
+          <a:noFill/>
+        </a:ln>
+        <a:effectLst>
+          <a:outerShdw blurRad="40000" dist="20000" dir="5400000" rotWithShape="0">
+            <a:srgbClr val="000000">
+              <a:alpha val="38000"/>
+            </a:srgbClr>
+          </a:outerShdw>
+        </a:effectLst>
+        <a:scene3d>
+          <a:camera prst="orthographicFront"/>
+          <a:lightRig rig="flat" dir="t"/>
+        </a:scene3d>
+        <a:sp3d prstMaterial="dkEdge">
+          <a:bevelT w="8200" h="38100"/>
+        </a:sp3d>
+      </dsp:spPr>
+      <dsp:style>
+        <a:lnRef idx="0">
+          <a:scrgbClr r="0" g="0" b="0"/>
+        </a:lnRef>
+        <a:fillRef idx="2">
+          <a:scrgbClr r="0" g="0" b="0"/>
+        </a:fillRef>
+        <a:effectRef idx="1">
+          <a:scrgbClr r="0" g="0" b="0"/>
+        </a:effectRef>
+        <a:fontRef idx="minor">
+          <a:schemeClr val="dk1"/>
+        </a:fontRef>
+      </dsp:style>
+      <dsp:txBody>
+        <a:bodyPr spcFirstLastPara="0" vert="horz" wrap="square" lIns="26670" tIns="26670" rIns="26670" bIns="26670" numCol="1" spcCol="1270" anchor="ctr" anchorCtr="0">
+          <a:noAutofit/>
+        </a:bodyPr>
+        <a:lstStyle/>
+        <a:p>
+          <a:pPr lvl="0" algn="ctr" defTabSz="933450">
+            <a:lnSpc>
+              <a:spcPct val="90000"/>
+            </a:lnSpc>
+            <a:spcBef>
+              <a:spcPct val="0"/>
+            </a:spcBef>
+            <a:spcAft>
+              <a:spcPct val="35000"/>
+            </a:spcAft>
+          </a:pPr>
+          <a:endParaRPr lang="zh-CN" altLang="en-US" sz="2100" kern="1200"/>
+        </a:p>
+      </dsp:txBody>
+      <dsp:txXfrm>
+        <a:off x="1764759" y="1423994"/>
+        <a:ext cx="671245" cy="667131"/>
+      </dsp:txXfrm>
+    </dsp:sp>
+    <dsp:sp modelId="{9B67B6B7-4433-4529-83E3-ADDC080DEEED}">
+      <dsp:nvSpPr>
+        <dsp:cNvPr id="0" name=""/>
+        <dsp:cNvSpPr/>
+      </dsp:nvSpPr>
+      <dsp:spPr>
+        <a:xfrm rot="20700000">
+          <a:off x="2181638" y="148854"/>
+          <a:ext cx="1324654" cy="1324654"/>
+        </a:xfrm>
+        <a:prstGeom prst="gear6">
+          <a:avLst/>
+        </a:prstGeom>
+        <a:gradFill rotWithShape="0">
+          <a:gsLst>
+            <a:gs pos="0">
+              <a:schemeClr val="accent1">
+                <a:hueOff val="0"/>
+                <a:satOff val="0"/>
+                <a:lumOff val="0"/>
+                <a:alphaOff val="0"/>
+                <a:tint val="50000"/>
+                <a:satMod val="300000"/>
+              </a:schemeClr>
+            </a:gs>
+            <a:gs pos="35000">
+              <a:schemeClr val="accent1">
+                <a:hueOff val="0"/>
+                <a:satOff val="0"/>
+                <a:lumOff val="0"/>
+                <a:alphaOff val="0"/>
+                <a:tint val="37000"/>
+                <a:satMod val="300000"/>
+              </a:schemeClr>
+            </a:gs>
+            <a:gs pos="100000">
+              <a:schemeClr val="accent1">
+                <a:hueOff val="0"/>
+                <a:satOff val="0"/>
+                <a:lumOff val="0"/>
+                <a:alphaOff val="0"/>
+                <a:tint val="15000"/>
+                <a:satMod val="350000"/>
+              </a:schemeClr>
+            </a:gs>
+          </a:gsLst>
+          <a:lin ang="16200000" scaled="1"/>
+        </a:gradFill>
+        <a:ln>
+          <a:noFill/>
+        </a:ln>
+        <a:effectLst>
+          <a:outerShdw blurRad="40000" dist="20000" dir="5400000" rotWithShape="0">
+            <a:srgbClr val="000000">
+              <a:alpha val="38000"/>
+            </a:srgbClr>
+          </a:outerShdw>
+        </a:effectLst>
+        <a:scene3d>
+          <a:camera prst="orthographicFront"/>
+          <a:lightRig rig="flat" dir="t"/>
+        </a:scene3d>
+        <a:sp3d prstMaterial="dkEdge">
+          <a:bevelT w="8200" h="38100"/>
+        </a:sp3d>
+      </dsp:spPr>
+      <dsp:style>
+        <a:lnRef idx="0">
+          <a:scrgbClr r="0" g="0" b="0"/>
+        </a:lnRef>
+        <a:fillRef idx="2">
+          <a:scrgbClr r="0" g="0" b="0"/>
+        </a:fillRef>
+        <a:effectRef idx="1">
+          <a:scrgbClr r="0" g="0" b="0"/>
+        </a:effectRef>
+        <a:fontRef idx="minor">
+          <a:schemeClr val="dk1"/>
+        </a:fontRef>
+      </dsp:style>
+      <dsp:txBody>
+        <a:bodyPr spcFirstLastPara="0" vert="horz" wrap="square" lIns="29210" tIns="29210" rIns="29210" bIns="29210" numCol="1" spcCol="1270" anchor="ctr" anchorCtr="0">
+          <a:noAutofit/>
+        </a:bodyPr>
+        <a:lstStyle/>
+        <a:p>
+          <a:pPr lvl="0" algn="ctr" defTabSz="1022350">
+            <a:lnSpc>
+              <a:spcPct val="90000"/>
+            </a:lnSpc>
+            <a:spcBef>
+              <a:spcPct val="0"/>
+            </a:spcBef>
+            <a:spcAft>
+              <a:spcPct val="35000"/>
+            </a:spcAft>
+          </a:pPr>
+          <a:endParaRPr lang="zh-CN" altLang="en-US" sz="2300" kern="1200"/>
+        </a:p>
+      </dsp:txBody>
+      <dsp:txXfrm rot="-20700000">
+        <a:off x="2472174" y="439390"/>
+        <a:ext cx="743583" cy="743583"/>
+      </dsp:txXfrm>
+    </dsp:sp>
+    <dsp:sp modelId="{A62D8777-3F36-4BA1-9BC5-8B8F940762D8}">
+      <dsp:nvSpPr>
+        <dsp:cNvPr id="0" name=""/>
+        <dsp:cNvSpPr/>
+      </dsp:nvSpPr>
+      <dsp:spPr>
+        <a:xfrm>
+          <a:off x="2354297" y="1245385"/>
+          <a:ext cx="2379466" cy="2379466"/>
+        </a:xfrm>
+        <a:prstGeom prst="circularArrow">
+          <a:avLst>
+            <a:gd name="adj1" fmla="val 4688"/>
+            <a:gd name="adj2" fmla="val 299029"/>
+            <a:gd name="adj3" fmla="val 2493100"/>
+            <a:gd name="adj4" fmla="val 15911889"/>
+            <a:gd name="adj5" fmla="val 5469"/>
+          </a:avLst>
+        </a:prstGeom>
+        <a:gradFill rotWithShape="0">
+          <a:gsLst>
+            <a:gs pos="0">
+              <a:schemeClr val="accent1">
+                <a:tint val="60000"/>
+                <a:hueOff val="0"/>
+                <a:satOff val="0"/>
+                <a:lumOff val="0"/>
+                <a:alphaOff val="0"/>
+                <a:tint val="50000"/>
+                <a:satMod val="300000"/>
+              </a:schemeClr>
+            </a:gs>
+            <a:gs pos="35000">
+              <a:schemeClr val="accent1">
+                <a:tint val="60000"/>
+                <a:hueOff val="0"/>
+                <a:satOff val="0"/>
+                <a:lumOff val="0"/>
+                <a:alphaOff val="0"/>
+                <a:tint val="37000"/>
+                <a:satMod val="300000"/>
+              </a:schemeClr>
+            </a:gs>
+            <a:gs pos="100000">
+              <a:schemeClr val="accent1">
+                <a:tint val="60000"/>
+                <a:hueOff val="0"/>
+                <a:satOff val="0"/>
+                <a:lumOff val="0"/>
+                <a:alphaOff val="0"/>
+                <a:tint val="15000"/>
+                <a:satMod val="350000"/>
+              </a:schemeClr>
+            </a:gs>
+          </a:gsLst>
+          <a:lin ang="16200000" scaled="1"/>
+        </a:gradFill>
+        <a:ln>
+          <a:noFill/>
+        </a:ln>
+        <a:effectLst>
+          <a:outerShdw blurRad="40000" dist="20000" dir="5400000" rotWithShape="0">
+            <a:srgbClr val="000000">
+              <a:alpha val="38000"/>
+            </a:srgbClr>
+          </a:outerShdw>
+        </a:effectLst>
+      </dsp:spPr>
+      <dsp:style>
+        <a:lnRef idx="0">
+          <a:scrgbClr r="0" g="0" b="0"/>
+        </a:lnRef>
+        <a:fillRef idx="2">
+          <a:scrgbClr r="0" g="0" b="0"/>
+        </a:fillRef>
+        <a:effectRef idx="1">
+          <a:scrgbClr r="0" g="0" b="0"/>
+        </a:effectRef>
+        <a:fontRef idx="minor">
+          <a:schemeClr val="dk1"/>
+        </a:fontRef>
+      </dsp:style>
+    </dsp:sp>
+    <dsp:sp modelId="{07C991A4-407F-4A17-A1DB-D8427B1BAC27}">
+      <dsp:nvSpPr>
+        <dsp:cNvPr id="0" name=""/>
+        <dsp:cNvSpPr/>
+      </dsp:nvSpPr>
+      <dsp:spPr>
+        <a:xfrm>
+          <a:off x="1184966" y="785930"/>
+          <a:ext cx="1728831" cy="1728831"/>
+        </a:xfrm>
+        <a:prstGeom prst="leftCircularArrow">
+          <a:avLst>
+            <a:gd name="adj1" fmla="val 6452"/>
+            <a:gd name="adj2" fmla="val 429999"/>
+            <a:gd name="adj3" fmla="val 10489124"/>
+            <a:gd name="adj4" fmla="val 14837806"/>
+            <a:gd name="adj5" fmla="val 7527"/>
+          </a:avLst>
+        </a:prstGeom>
+        <a:gradFill rotWithShape="0">
+          <a:gsLst>
+            <a:gs pos="0">
+              <a:schemeClr val="accent1">
+                <a:tint val="60000"/>
+                <a:hueOff val="0"/>
+                <a:satOff val="0"/>
+                <a:lumOff val="0"/>
+                <a:alphaOff val="0"/>
+                <a:tint val="50000"/>
+                <a:satMod val="300000"/>
+              </a:schemeClr>
+            </a:gs>
+            <a:gs pos="35000">
+              <a:schemeClr val="accent1">
+                <a:tint val="60000"/>
+                <a:hueOff val="0"/>
+                <a:satOff val="0"/>
+                <a:lumOff val="0"/>
+                <a:alphaOff val="0"/>
+                <a:tint val="37000"/>
+                <a:satMod val="300000"/>
+              </a:schemeClr>
+            </a:gs>
+            <a:gs pos="100000">
+              <a:schemeClr val="accent1">
+                <a:tint val="60000"/>
+                <a:hueOff val="0"/>
+                <a:satOff val="0"/>
+                <a:lumOff val="0"/>
+                <a:alphaOff val="0"/>
+                <a:tint val="15000"/>
+                <a:satMod val="350000"/>
+              </a:schemeClr>
+            </a:gs>
+          </a:gsLst>
+          <a:lin ang="16200000" scaled="1"/>
+        </a:gradFill>
+        <a:ln>
+          <a:noFill/>
+        </a:ln>
+        <a:effectLst>
+          <a:outerShdw blurRad="40000" dist="20000" dir="5400000" rotWithShape="0">
+            <a:srgbClr val="000000">
+              <a:alpha val="38000"/>
+            </a:srgbClr>
+          </a:outerShdw>
+        </a:effectLst>
+      </dsp:spPr>
+      <dsp:style>
+        <a:lnRef idx="0">
+          <a:scrgbClr r="0" g="0" b="0"/>
+        </a:lnRef>
+        <a:fillRef idx="2">
+          <a:scrgbClr r="0" g="0" b="0"/>
+        </a:fillRef>
+        <a:effectRef idx="1">
+          <a:scrgbClr r="0" g="0" b="0"/>
+        </a:effectRef>
+        <a:fontRef idx="minor">
+          <a:schemeClr val="dk1"/>
+        </a:fontRef>
+      </dsp:style>
+    </dsp:sp>
+    <dsp:sp modelId="{3DC58179-06A7-4978-91BF-9F43B0A94AA5}">
+      <dsp:nvSpPr>
+        <dsp:cNvPr id="0" name=""/>
+        <dsp:cNvSpPr/>
+      </dsp:nvSpPr>
+      <dsp:spPr>
+        <a:xfrm>
+          <a:off x="1875232" y="-137799"/>
+          <a:ext cx="1864028" cy="1864028"/>
+        </a:xfrm>
+        <a:prstGeom prst="circularArrow">
+          <a:avLst>
+            <a:gd name="adj1" fmla="val 5984"/>
+            <a:gd name="adj2" fmla="val 394124"/>
+            <a:gd name="adj3" fmla="val 13313824"/>
+            <a:gd name="adj4" fmla="val 10508221"/>
+            <a:gd name="adj5" fmla="val 6981"/>
+          </a:avLst>
+        </a:prstGeom>
+        <a:gradFill rotWithShape="0">
+          <a:gsLst>
+            <a:gs pos="0">
+              <a:schemeClr val="accent1">
+                <a:tint val="60000"/>
+                <a:hueOff val="0"/>
+                <a:satOff val="0"/>
+                <a:lumOff val="0"/>
+                <a:alphaOff val="0"/>
+                <a:tint val="50000"/>
+                <a:satMod val="300000"/>
+              </a:schemeClr>
+            </a:gs>
+            <a:gs pos="35000">
+              <a:schemeClr val="accent1">
+                <a:tint val="60000"/>
+                <a:hueOff val="0"/>
+                <a:satOff val="0"/>
+                <a:lumOff val="0"/>
+                <a:alphaOff val="0"/>
+                <a:tint val="37000"/>
+                <a:satMod val="300000"/>
+              </a:schemeClr>
+            </a:gs>
+            <a:gs pos="100000">
+              <a:schemeClr val="accent1">
+                <a:tint val="60000"/>
+                <a:hueOff val="0"/>
+                <a:satOff val="0"/>
+                <a:lumOff val="0"/>
+                <a:alphaOff val="0"/>
+                <a:tint val="15000"/>
+                <a:satMod val="350000"/>
+              </a:schemeClr>
+            </a:gs>
+          </a:gsLst>
+          <a:lin ang="16200000" scaled="1"/>
+        </a:gradFill>
+        <a:ln>
+          <a:noFill/>
+        </a:ln>
+        <a:effectLst>
+          <a:outerShdw blurRad="40000" dist="20000" dir="5400000" rotWithShape="0">
+            <a:srgbClr val="000000">
+              <a:alpha val="38000"/>
+            </a:srgbClr>
+          </a:outerShdw>
+        </a:effectLst>
+      </dsp:spPr>
+      <dsp:style>
+        <a:lnRef idx="0">
+          <a:scrgbClr r="0" g="0" b="0"/>
+        </a:lnRef>
+        <a:fillRef idx="2">
+          <a:scrgbClr r="0" g="0" b="0"/>
+        </a:fillRef>
+        <a:effectRef idx="1">
+          <a:scrgbClr r="0" g="0" b="0"/>
+        </a:effectRef>
+        <a:fontRef idx="minor">
+          <a:schemeClr val="dk1"/>
+        </a:fontRef>
+      </dsp:style>
+    </dsp:sp>
+  </dsp:spTree>
+</dsp:drawing>
+</file>
+
+<file path=ppt/diagrams/layout1.xml><?xml version="1.0" encoding="utf-8"?>
+<dgm:layoutDef xmlns:dgm="http://schemas.openxmlformats.org/drawingml/2006/diagram" xmlns:a="http://schemas.openxmlformats.org/drawingml/2006/main" uniqueId="urn:microsoft.com/office/officeart/2005/8/layout/gear1">
+  <dgm:title val=""/>
+  <dgm:desc val=""/>
+  <dgm:catLst>
+    <dgm:cat type="relationship" pri="3000"/>
+    <dgm:cat type="process" pri="28000"/>
+    <dgm:cat type="cycle" pri="14000"/>
+  </dgm:catLst>
+  <dgm:sampData useDef="1">
+    <dgm:dataModel>
+      <dgm:ptLst/>
+      <dgm:bg/>
+      <dgm:whole/>
+    </dgm:dataModel>
+  </dgm:sampData>
+  <dgm:styleData>
+    <dgm:dataModel>
+      <dgm:ptLst>
+        <dgm:pt modelId="0" type="doc"/>
+        <dgm:pt modelId="1"/>
+        <dgm:pt modelId="2"/>
+      </dgm:ptLst>
+      <dgm:cxnLst>
+        <dgm:cxn modelId="3" srcId="0" destId="1" srcOrd="0" destOrd="0"/>
+        <dgm:cxn modelId="4" srcId="0" destId="2" srcOrd="1" destOrd="0"/>
+      </dgm:cxnLst>
+      <dgm:bg/>
+      <dgm:whole/>
+    </dgm:dataModel>
+  </dgm:styleData>
+  <dgm:clrData useDef="1">
+    <dgm:dataModel>
+      <dgm:ptLst/>
+      <dgm:bg/>
+      <dgm:whole/>
+    </dgm:dataModel>
+  </dgm:clrData>
+  <dgm:layoutNode name="composite">
+    <dgm:varLst>
+      <dgm:chMax val="3"/>
+      <dgm:animLvl val="lvl"/>
+      <dgm:resizeHandles val="exact"/>
+    </dgm:varLst>
+    <dgm:alg type="composite">
+      <dgm:param type="ar" val="1"/>
+    </dgm:alg>
+    <dgm:shape xmlns:r="http://schemas.openxmlformats.org/officeDocument/2006/relationships" r:blip="">
+      <dgm:adjLst/>
+    </dgm:shape>
+    <dgm:presOf/>
+    <dgm:choose name="Name0">
+      <dgm:if name="Name1" axis="ch" ptType="node" func="cnt" op="lte" val="1">
+        <dgm:constrLst>
+          <dgm:constr type="primFontSz" for="ch" ptType="node" op="equ" val="65"/>
+          <dgm:constr type="w" for="ch" forName="gear1" refType="w" fact="0.55"/>
+          <dgm:constr type="h" for="ch" forName="gear1" refType="w" fact="0.55"/>
+          <dgm:constr type="l" for="ch" forName="gear1" refType="w" fact="0.05"/>
+          <dgm:constr type="t" for="ch" forName="gear1" refType="w" fact="0.05"/>
+          <dgm:constr type="w" for="ch" forName="gear1srcNode" val="1"/>
+          <dgm:constr type="h" for="ch" forName="gear1srcNode" val="1"/>
+          <dgm:constr type="l" for="ch" forName="gear1srcNode" refType="w" fact="0.32"/>
+          <dgm:constr type="t" for="ch" forName="gear1srcNode"/>
+          <dgm:constr type="w" for="ch" forName="gear1dstNode" val="1"/>
+          <dgm:constr type="h" for="ch" forName="gear1dstNode" val="1"/>
+          <dgm:constr type="r" for="ch" forName="gear1dstNode" refType="w" fact="0.58"/>
+          <dgm:constr type="t" for="ch" forName="gear1dstNode" refType="h" fact="0.55"/>
+          <dgm:constr type="diam" for="des" forName="connector1" refType="w" refFor="ch" refForName="gear1" op="equ" fact="1.1"/>
+          <dgm:constr type="h" for="des" forName="connector1" refType="w" refFor="ch" refForName="gear1" op="equ" fact="0.1"/>
+          <dgm:constr type="w" for="ch" forName="gear1ch" refType="w" fact="0.35"/>
+          <dgm:constr type="h" for="ch" forName="gear1ch" refType="w" refFor="ch" refForName="gear1ch" fact="0.6"/>
+          <dgm:constr type="l" for="ch" forName="gear1ch"/>
+          <dgm:constr type="b" for="ch" forName="gear1ch" refType="h" fact="0.6"/>
+        </dgm:constrLst>
+      </dgm:if>
+      <dgm:if name="Name2" axis="ch" ptType="node" func="cnt" op="equ" val="2">
+        <dgm:constrLst>
+          <dgm:constr type="primFontSz" for="ch" ptType="node" op="equ" val="65"/>
+          <dgm:constr type="w" for="ch" forName="gear1" refType="w" fact="0.55"/>
+          <dgm:constr type="h" for="ch" forName="gear1" refType="w" fact="0.55"/>
+          <dgm:constr type="l" for="ch" forName="gear1" refType="w" fact="0.45"/>
+          <dgm:constr type="t" for="ch" forName="gear1" refType="w" fact="0.25"/>
+          <dgm:constr type="w" for="ch" forName="gear1srcNode" val="1"/>
+          <dgm:constr type="h" for="ch" forName="gear1srcNode" val="1"/>
+          <dgm:constr type="l" for="ch" forName="gear1srcNode" refType="w" fact="0.72"/>
+          <dgm:constr type="t" for="ch" forName="gear1srcNode" refType="w" fact="0.2"/>
+          <dgm:constr type="w" for="ch" forName="gear1dstNode" val="1"/>
+          <dgm:constr type="h" for="ch" forName="gear1dstNode" val="1"/>
+          <dgm:constr type="r" for="ch" forName="gear1dstNode" refType="w" fact="0.98"/>
+          <dgm:constr type="t" for="ch" forName="gear1dstNode" refType="h" fact="0.75"/>
+          <dgm:constr type="diam" for="des" forName="connector1" refType="w" refFor="ch" refForName="gear1" op="equ" fact="1.1"/>
+          <dgm:constr type="h" for="des" forName="connector1" refType="w" refFor="ch" refForName="gear1" op="equ" fact="0.1"/>
+          <dgm:constr type="w" for="ch" forName="gear1ch" refType="w" fact="0.35"/>
+          <dgm:constr type="h" for="ch" forName="gear1ch" refType="w" refFor="ch" refForName="gear1ch" fact="0.6"/>
+          <dgm:constr type="l" for="ch" forName="gear1ch" refType="w" fact="0.38"/>
+          <dgm:constr type="b" for="ch" forName="gear1ch" refType="w" fact="0.8"/>
+          <dgm:constr type="w" for="ch" forName="gear2" refType="w" fact="0.4"/>
+          <dgm:constr type="h" for="ch" forName="gear2" refType="w" fact="0.4"/>
+          <dgm:constr type="l" for="ch" forName="gear2" refType="w" fact="0.13"/>
+          <dgm:constr type="t" for="ch" forName="gear2" refType="w" fact="0.12"/>
+          <dgm:constr type="w" for="ch" forName="gear2srcNode" val="1"/>
+          <dgm:constr type="h" for="ch" forName="gear2srcNode" val="1"/>
+          <dgm:constr type="l" for="ch" forName="gear2srcNode" refType="w" fact="0.23"/>
+          <dgm:constr type="t" for="ch" forName="gear2srcNode" refType="w" fact="0.08"/>
+          <dgm:constr type="w" for="ch" forName="gear2dstNode" val="1"/>
+          <dgm:constr type="h" for="ch" forName="gear2dstNode" val="1"/>
+          <dgm:constr type="l" for="ch" forName="gear2dstNode" refType="w" fact="0.1"/>
+          <dgm:constr type="t" for="ch" forName="gear2dstNode" refType="h" fact="0.33"/>
+          <dgm:constr type="diam" for="des" forName="connector2" refType="w" refFor="ch" refForName="gear2" op="equ" fact="-1.1"/>
+          <dgm:constr type="h" for="des" forName="connector2" refType="w" refFor="ch" refForName="gear1" op="equ" fact="0.1"/>
+          <dgm:constr type="w" for="ch" forName="gear2ch" refType="w" fact="0.35"/>
+          <dgm:constr type="h" for="ch" forName="gear2ch" refType="w" refFor="ch" refForName="gear2ch" fact="0.6"/>
+          <dgm:constr type="l" for="ch" forName="gear2ch" refType="w" fact="0.34"/>
+          <dgm:constr type="t" for="ch" forName="gear2ch" refType="w" fact="0.04"/>
+        </dgm:constrLst>
+      </dgm:if>
+      <dgm:else name="Name3">
+        <dgm:constrLst>
+          <dgm:constr type="primFontSz" for="ch" ptType="node" op="equ" val="65"/>
+          <dgm:constr type="w" for="ch" forName="gear1" refType="w" fact="0.55"/>
+          <dgm:constr type="h" for="ch" forName="gear1" refType="w" fact="0.55"/>
+          <dgm:constr type="l" for="ch" forName="gear1" refType="w" fact="0.45"/>
+          <dgm:constr type="t" for="ch" forName="gear1" refType="w" fact="0.45"/>
+          <dgm:constr type="w" for="ch" forName="gear1srcNode" val="1"/>
+          <dgm:constr type="h" for="ch" forName="gear1srcNode" val="1"/>
+          <dgm:constr type="l" for="ch" forName="gear1srcNode" refType="w" fact="0.72"/>
+          <dgm:constr type="t" for="ch" forName="gear1srcNode" refType="w" fact="0.4"/>
+          <dgm:constr type="w" for="ch" forName="gear1dstNode" val="1"/>
+          <dgm:constr type="h" for="ch" forName="gear1dstNode" val="1"/>
+          <dgm:constr type="r" for="ch" forName="gear1dstNode" refType="w" fact="0.98"/>
+          <dgm:constr type="t" for="ch" forName="gear1dstNode" refType="h" fact="0.95"/>
+          <dgm:constr type="diam" for="des" forName="connector1" refType="w" refFor="ch" refForName="gear1" op="equ" fact="1.15"/>
+          <dgm:constr type="h" for="des" forName="connector1" refType="w" refFor="ch" refForName="gear1" op="equ" fact="0.1"/>
+          <dgm:constr type="w" for="ch" forName="gear1ch" refType="w" fact="0.35"/>
+          <dgm:constr type="h" for="ch" forName="gear1ch" refType="w" refFor="ch" refForName="gear1ch" fact="0.6"/>
+          <dgm:constr type="l" for="ch" forName="gear1ch" refType="w" fact="0.38"/>
+          <dgm:constr type="b" for="ch" forName="gear1ch" refType="h"/>
+          <dgm:constr type="w" for="ch" forName="gear2" refType="w" fact="0.4"/>
+          <dgm:constr type="h" for="ch" forName="gear2" refType="w" fact="0.4"/>
+          <dgm:constr type="l" for="ch" forName="gear2" refType="w" fact="0.13"/>
+          <dgm:constr type="t" for="ch" forName="gear2" refType="w" fact="0.32"/>
+          <dgm:constr type="w" for="ch" forName="gear2srcNode" val="1"/>
+          <dgm:constr type="h" for="ch" forName="gear2srcNode" val="1"/>
+          <dgm:constr type="l" for="ch" forName="gear2srcNode" refType="w" fact="0.23"/>
+          <dgm:constr type="t" for="ch" forName="gear2srcNode" refType="w" fact="0.28"/>
+          <dgm:constr type="w" for="ch" forName="gear2dstNode" val="1"/>
+          <dgm:constr type="h" for="ch" forName="gear2dstNode" val="1"/>
+          <dgm:constr type="l" for="ch" forName="gear2dstNode" refType="w" fact="0.1"/>
+          <dgm:constr type="t" for="ch" forName="gear2dstNode" refType="h" fact="0.53"/>
+          <dgm:constr type="diam" for="des" forName="connector2" refType="w" refFor="ch" refForName="gear2" op="equ" fact="-1.1"/>
+          <dgm:constr type="h" for="des" forName="connector2" refType="w" refFor="ch" refForName="gear1" op="equ" fact="0.1"/>
+          <dgm:constr type="w" for="ch" forName="gear2ch" refType="w" fact="0.35"/>
+          <dgm:constr type="h" for="ch" forName="gear2ch" refType="w" refFor="ch" refForName="gear2ch" fact="0.6"/>
+          <dgm:constr type="l" for="ch" forName="gear2ch"/>
+          <dgm:constr type="t" for="ch" forName="gear2ch" refType="w" fact="0.58"/>
+          <dgm:constr type="w" for="ch" forName="gear3" refType="w" fact="0.48"/>
+          <dgm:constr type="h" for="ch" forName="gear3" refType="w" fact="0.48"/>
+          <dgm:constr type="l" for="ch" forName="gear3" refType="w" fact="0.31"/>
+          <dgm:constr type="t" for="ch" forName="gear3"/>
+          <dgm:constr type="w" for="ch" forName="gear3tx" refType="w" fact="0.22"/>
+          <dgm:constr type="h" for="ch" forName="gear3tx" refType="w" fact="0.22"/>
+          <dgm:constr type="ctrX" for="ch" forName="gear3tx" refType="ctrX" refFor="ch" refForName="gear3"/>
+          <dgm:constr type="ctrY" for="ch" forName="gear3tx" refType="ctrY" refFor="ch" refForName="gear3"/>
+          <dgm:constr type="w" for="ch" forName="gear3srcNode" val="1"/>
+          <dgm:constr type="h" for="ch" forName="gear3srcNode" val="1"/>
+          <dgm:constr type="l" for="ch" forName="gear3srcNode" refType="w" fact="0.3"/>
+          <dgm:constr type="t" for="ch" forName="gear3srcNode" refType="w" fact="0.25"/>
+          <dgm:constr type="w" for="ch" forName="gear3dstNode" val="1"/>
+          <dgm:constr type="h" for="ch" forName="gear3dstNode" val="1"/>
+          <dgm:constr type="l" for="ch" forName="gear3dstNode" refType="w" fact="0.38"/>
+          <dgm:constr type="t" for="ch" forName="gear3dstNode" refType="h" fact="0.05"/>
+          <dgm:constr type="diam" for="des" forName="connector3" refType="w" refFor="ch" refForName="gear3" op="equ"/>
+          <dgm:constr type="h" for="des" forName="connector3" refType="w" refFor="ch" refForName="gear1" op="equ" fact="0.1"/>
+          <dgm:constr type="w" for="ch" forName="gear3ch" refType="w" fact="0.35"/>
+          <dgm:constr type="h" for="ch" forName="gear3ch" refType="w" refFor="ch" refForName="gear3ch" fact="0.6"/>
+          <dgm:constr type="l" for="ch" forName="gear3ch" refType="w" fact="0.65"/>
+          <dgm:constr type="t" for="ch" forName="gear3ch" refType="h" fact="0.13"/>
+        </dgm:constrLst>
+      </dgm:else>
+    </dgm:choose>
+    <dgm:ruleLst/>
+    <dgm:forEach name="Name4" axis="ch" ptType="node" cnt="1">
+      <dgm:layoutNode name="gear1" styleLbl="node1">
+        <dgm:varLst>
+          <dgm:chMax val="1"/>
+          <dgm:bulletEnabled val="1"/>
+        </dgm:varLst>
+        <dgm:alg type="tx">
+          <dgm:param type="txAnchorVertCh" val="mid"/>
+        </dgm:alg>
+        <dgm:shape xmlns:r="http://schemas.openxmlformats.org/officeDocument/2006/relationships" type="gear9" r:blip="">
+          <dgm:adjLst/>
+        </dgm:shape>
+        <dgm:presOf axis="self"/>
+        <dgm:constrLst>
+          <dgm:constr type="tMarg" refType="primFontSz" fact="0.1"/>
+          <dgm:constr type="bMarg" refType="primFontSz" fact="0.1"/>
+          <dgm:constr type="lMarg" refType="primFontSz" fact="0.1"/>
+          <dgm:constr type="rMarg" refType="primFontSz" fact="0.1"/>
+        </dgm:constrLst>
+        <dgm:ruleLst>
+          <dgm:rule type="primFontSz" val="5" fact="NaN" max="NaN"/>
+        </dgm:ruleLst>
+      </dgm:layoutNode>
+      <dgm:layoutNode name="gear1srcNode">
+        <dgm:alg type="sp"/>
+        <dgm:shape xmlns:r="http://schemas.openxmlformats.org/officeDocument/2006/relationships" type="rect" r:blip="" hideGeom="1">
+          <dgm:adjLst/>
+        </dgm:shape>
+        <dgm:presOf axis="self"/>
+        <dgm:constrLst/>
+        <dgm:ruleLst/>
+      </dgm:layoutNode>
+      <dgm:layoutNode name="gear1dstNode">
+        <dgm:alg type="sp"/>
+        <dgm:shape xmlns:r="http://schemas.openxmlformats.org/officeDocument/2006/relationships" type="rect" r:blip="" hideGeom="1">
+          <dgm:adjLst/>
+        </dgm:shape>
+        <dgm:presOf axis="self"/>
+        <dgm:constrLst/>
+        <dgm:ruleLst/>
+      </dgm:layoutNode>
+      <dgm:choose name="Name5">
+        <dgm:if name="Name6" axis="ch" ptType="node" func="cnt" op="gte" val="1">
+          <dgm:layoutNode name="gear1ch" styleLbl="fgAcc1">
+            <dgm:varLst>
+              <dgm:chMax val="0"/>
+              <dgm:bulletEnabled val="1"/>
+            </dgm:varLst>
+            <dgm:alg type="tx">
+              <dgm:param type="stBulletLvl" val="1"/>
+            </dgm:alg>
+            <dgm:shape xmlns:r="http://schemas.openxmlformats.org/officeDocument/2006/relationships" type="roundRect" r:blip="">
+              <dgm:adjLst>
+                <dgm:adj idx="1" val="0.1"/>
+              </dgm:adjLst>
+            </dgm:shape>
+            <dgm:presOf axis="des" ptType="node"/>
+            <dgm:constrLst>
+              <dgm:constr type="tMarg" refType="primFontSz" fact="0.3"/>
+              <dgm:constr type="bMarg" refType="primFontSz" fact="0.3"/>
+              <dgm:constr type="lMarg" refType="primFontSz" fact="0.3"/>
+              <dgm:constr type="rMarg" refType="primFontSz" fact="0.3"/>
+            </dgm:constrLst>
+            <dgm:ruleLst>
+              <dgm:rule type="primFontSz" val="5" fact="NaN" max="NaN"/>
+            </dgm:ruleLst>
+          </dgm:layoutNode>
+        </dgm:if>
+        <dgm:else name="Name7"/>
+      </dgm:choose>
+    </dgm:forEach>
+    <dgm:forEach name="Name8" axis="ch" ptType="node" st="2" cnt="1">
+      <dgm:layoutNode name="gear2" styleLbl="node1">
+        <dgm:varLst>
+          <dgm:chMax val="1"/>
+          <dgm:bulletEnabled val="1"/>
+        </dgm:varLst>
+        <dgm:alg type="tx">
+          <dgm:param type="txAnchorVertCh" val="mid"/>
+        </dgm:alg>
+        <dgm:shape xmlns:r="http://schemas.openxmlformats.org/officeDocument/2006/relationships" type="gear6" r:blip="">
+          <dgm:adjLst/>
+        </dgm:shape>
+        <dgm:presOf axis="self"/>
+        <dgm:constrLst>
+          <dgm:constr type="tMarg" refType="primFontSz" fact="0.1"/>
+          <dgm:constr type="bMarg" refType="primFontSz" fact="0.1"/>
+          <dgm:constr type="lMarg" refType="primFontSz" fact="0.1"/>
+          <dgm:constr type="rMarg" refType="primFontSz" fact="0.1"/>
+        </dgm:constrLst>
+        <dgm:ruleLst>
+          <dgm:rule type="primFontSz" val="5" fact="NaN" max="NaN"/>
+        </dgm:ruleLst>
+      </dgm:layoutNode>
+      <dgm:layoutNode name="gear2srcNode">
+        <dgm:alg type="sp"/>
+        <dgm:shape xmlns:r="http://schemas.openxmlformats.org/officeDocument/2006/relationships" type="rect" r:blip="" hideGeom="1">
+          <dgm:adjLst/>
+        </dgm:shape>
+        <dgm:presOf axis="self"/>
+        <dgm:constrLst/>
+        <dgm:ruleLst/>
+      </dgm:layoutNode>
+      <dgm:layoutNode name="gear2dstNode">
+        <dgm:alg type="sp"/>
+        <dgm:shape xmlns:r="http://schemas.openxmlformats.org/officeDocument/2006/relationships" type="rect" r:blip="" hideGeom="1">
+          <dgm:adjLst/>
+        </dgm:shape>
+        <dgm:presOf axis="self"/>
+        <dgm:constrLst/>
+        <dgm:ruleLst/>
+      </dgm:layoutNode>
+      <dgm:choose name="Name9">
+        <dgm:if name="Name10" axis="ch" ptType="node" func="cnt" op="gte" val="1">
+          <dgm:layoutNode name="gear2ch" styleLbl="fgAcc1">
+            <dgm:varLst>
+              <dgm:chMax val="0"/>
+              <dgm:bulletEnabled val="1"/>
+            </dgm:varLst>
+            <dgm:alg type="tx">
+              <dgm:param type="stBulletLvl" val="1"/>
+            </dgm:alg>
+            <dgm:shape xmlns:r="http://schemas.openxmlformats.org/officeDocument/2006/relationships" type="roundRect" r:blip="">
+              <dgm:adjLst>
+                <dgm:adj idx="1" val="0.1"/>
+              </dgm:adjLst>
+            </dgm:shape>
+            <dgm:presOf axis="des" ptType="node"/>
+            <dgm:constrLst>
+              <dgm:constr type="tMarg" refType="primFontSz" fact="0.3"/>
+              <dgm:constr type="bMarg" refType="primFontSz" fact="0.3"/>
+              <dgm:constr type="lMarg" refType="primFontSz" fact="0.3"/>
+              <dgm:constr type="rMarg" refType="primFontSz" fact="0.3"/>
+            </dgm:constrLst>
+            <dgm:ruleLst>
+              <dgm:rule type="primFontSz" val="5" fact="NaN" max="NaN"/>
+            </dgm:ruleLst>
+          </dgm:layoutNode>
+        </dgm:if>
+        <dgm:else name="Name11"/>
+      </dgm:choose>
+    </dgm:forEach>
+    <dgm:forEach name="Name12" axis="ch" ptType="node" st="3" cnt="1">
+      <dgm:layoutNode name="gear3" styleLbl="node1">
+        <dgm:alg type="sp"/>
+        <dgm:shape xmlns:r="http://schemas.openxmlformats.org/officeDocument/2006/relationships" rot="-15" type="gear6" r:blip="">
+          <dgm:adjLst/>
+        </dgm:shape>
+        <dgm:presOf axis="self"/>
+        <dgm:constrLst/>
+        <dgm:ruleLst/>
+      </dgm:layoutNode>
+      <dgm:layoutNode name="gear3tx" styleLbl="node1">
+        <dgm:varLst>
+          <dgm:chMax val="1"/>
+          <dgm:bulletEnabled val="1"/>
+        </dgm:varLst>
+        <dgm:alg type="tx">
+          <dgm:param type="txAnchorVertCh" val="mid"/>
+        </dgm:alg>
+        <dgm:shape xmlns:r="http://schemas.openxmlformats.org/officeDocument/2006/relationships" type="rect" r:blip="" hideGeom="1">
+          <dgm:adjLst/>
+        </dgm:shape>
+        <dgm:presOf axis="self"/>
+        <dgm:constrLst>
+          <dgm:constr type="tMarg" refType="primFontSz" fact="0.1"/>
+          <dgm:constr type="bMarg" refType="primFontSz" fact="0.1"/>
+          <dgm:constr type="lMarg" refType="primFontSz" fact="0.1"/>
+          <dgm:constr type="rMarg" refType="primFontSz" fact="0.1"/>
+        </dgm:constrLst>
+        <dgm:ruleLst>
+          <dgm:rule type="primFontSz" val="5" fact="NaN" max="NaN"/>
+        </dgm:ruleLst>
+      </dgm:layoutNode>
+      <dgm:layoutNode name="gear3srcNode">
+        <dgm:alg type="sp"/>
+        <dgm:shape xmlns:r="http://schemas.openxmlformats.org/officeDocument/2006/relationships" type="rect" r:blip="" hideGeom="1">
+          <dgm:adjLst/>
+        </dgm:shape>
+        <dgm:presOf axis="self"/>
+        <dgm:constrLst/>
+        <dgm:ruleLst/>
+      </dgm:layoutNode>
+      <dgm:layoutNode name="gear3dstNode">
+        <dgm:alg type="sp"/>
+        <dgm:shape xmlns:r="http://schemas.openxmlformats.org/officeDocument/2006/relationships" type="rect" r:blip="" hideGeom="1">
+          <dgm:adjLst/>
+        </dgm:shape>
+        <dgm:presOf axis="self"/>
+        <dgm:constrLst/>
+        <dgm:ruleLst/>
+      </dgm:layoutNode>
+      <dgm:choose name="Name13">
+        <dgm:if name="Name14" axis="ch" ptType="node" func="cnt" op="gte" val="1">
+          <dgm:layoutNode name="gear3ch" styleLbl="fgAcc1">
+            <dgm:varLst>
+              <dgm:chMax val="0"/>
+              <dgm:bulletEnabled val="1"/>
+            </dgm:varLst>
+            <dgm:alg type="tx">
+              <dgm:param type="stBulletLvl" val="1"/>
+            </dgm:alg>
+            <dgm:shape xmlns:r="http://schemas.openxmlformats.org/officeDocument/2006/relationships" type="roundRect" r:blip="">
+              <dgm:adjLst>
+                <dgm:adj idx="1" val="0.1"/>
+              </dgm:adjLst>
+            </dgm:shape>
+            <dgm:presOf axis="des" ptType="node"/>
+            <dgm:constrLst>
+              <dgm:constr type="tMarg" refType="primFontSz" fact="0.3"/>
+              <dgm:constr type="bMarg" refType="primFontSz" fact="0.3"/>
+              <dgm:constr type="lMarg" refType="primFontSz" fact="0.3"/>
+              <dgm:constr type="rMarg" refType="primFontSz" fact="0.3"/>
+            </dgm:constrLst>
+            <dgm:ruleLst>
+              <dgm:rule type="primFontSz" val="5" fact="NaN" max="NaN"/>
+            </dgm:ruleLst>
+          </dgm:layoutNode>
+        </dgm:if>
+        <dgm:else name="Name15"/>
+      </dgm:choose>
+    </dgm:forEach>
+    <dgm:forEach name="Name16" axis="ch" ptType="sibTrans" hideLastTrans="0" cnt="1">
+      <dgm:layoutNode name="connector1" styleLbl="sibTrans2D1">
+        <dgm:alg type="conn">
+          <dgm:param type="connRout" val="curve"/>
+          <dgm:param type="srcNode" val="gear1srcNode"/>
+          <dgm:param type="dstNode" val="gear1dstNode"/>
+          <dgm:param type="begPts" val="midR"/>
+          <dgm:param type="endPts" val="tCtr"/>
+        </dgm:alg>
+        <dgm:shape xmlns:r="http://schemas.openxmlformats.org/officeDocument/2006/relationships" type="conn" r:blip="">
+          <dgm:adjLst/>
+        </dgm:shape>
+        <dgm:presOf axis="self"/>
+        <dgm:constrLst>
+          <dgm:constr type="w" val="10"/>
+          <dgm:constr type="h" val="10"/>
+          <dgm:constr type="begPad"/>
+          <dgm:constr type="endPad"/>
+        </dgm:constrLst>
+        <dgm:ruleLst/>
+      </dgm:layoutNode>
+    </dgm:forEach>
+    <dgm:forEach name="Name17" axis="ch" ptType="sibTrans" hideLastTrans="0" st="2" cnt="1">
+      <dgm:layoutNode name="connector2" styleLbl="sibTrans2D1">
+        <dgm:alg type="conn">
+          <dgm:param type="connRout" val="curve"/>
+          <dgm:param type="srcNode" val="gear2srcNode"/>
+          <dgm:param type="dstNode" val="gear2dstNode"/>
+          <dgm:param type="begPts" val="midL"/>
+          <dgm:param type="endPts" val="midL"/>
+        </dgm:alg>
+        <dgm:shape xmlns:r="http://schemas.openxmlformats.org/officeDocument/2006/relationships" type="conn" r:blip="">
+          <dgm:adjLst/>
+        </dgm:shape>
+        <dgm:presOf axis="self"/>
+        <dgm:constrLst>
+          <dgm:constr type="w" val="10"/>
+          <dgm:constr type="h" val="10"/>
+          <dgm:constr type="begPad"/>
+          <dgm:constr type="endPad"/>
+        </dgm:constrLst>
+        <dgm:ruleLst/>
+      </dgm:layoutNode>
+    </dgm:forEach>
+    <dgm:forEach name="Name18" axis="ch" ptType="sibTrans" hideLastTrans="0" st="3" cnt="1">
+      <dgm:layoutNode name="connector3" styleLbl="sibTrans2D1">
+        <dgm:alg type="conn">
+          <dgm:param type="connRout" val="curve"/>
+          <dgm:param type="srcNode" val="gear3srcNode"/>
+          <dgm:param type="dstNode" val="gear3dstNode"/>
+          <dgm:param type="begPts" val="midL"/>
+          <dgm:param type="endPts" val="midL"/>
+        </dgm:alg>
+        <dgm:shape xmlns:r="http://schemas.openxmlformats.org/officeDocument/2006/relationships" type="conn" r:blip="">
+          <dgm:adjLst/>
+        </dgm:shape>
+        <dgm:presOf axis="self"/>
+        <dgm:constrLst>
+          <dgm:constr type="w" val="10"/>
+          <dgm:constr type="h" val="10"/>
+          <dgm:constr type="begPad"/>
+          <dgm:constr type="endPad"/>
+        </dgm:constrLst>
+        <dgm:ruleLst/>
+      </dgm:layoutNode>
+    </dgm:forEach>
+  </dgm:layoutNode>
+</dgm:layoutDef>
+</file>
+
+<file path=ppt/diagrams/quickStyle1.xml><?xml version="1.0" encoding="utf-8"?>
+<dgm:styleDef xmlns:dgm="http://schemas.openxmlformats.org/drawingml/2006/diagram" xmlns:a="http://schemas.openxmlformats.org/drawingml/2006/main" uniqueId="urn:microsoft.com/office/officeart/2005/8/quickstyle/simple3">
+  <dgm:title val=""/>
+  <dgm:desc val=""/>
+  <dgm:catLst>
+    <dgm:cat type="simple" pri="10300"/>
+  </dgm:catLst>
+  <dgm:scene3d>
+    <a:camera prst="orthographicFront"/>
+    <a:lightRig rig="threePt" dir="t"/>
+  </dgm:scene3d>
+  <dgm:styleLbl name="node0">
+    <dgm:scene3d>
+      <a:camera prst="orthographicFront"/>
+      <a:lightRig rig="flat" dir="t"/>
+    </dgm:scene3d>
+    <dgm:sp3d prstMaterial="dkEdge">
+      <a:bevelT w="8200" h="38100"/>
+    </dgm:sp3d>
+    <dgm:txPr/>
+    <dgm:style>
+      <a:lnRef idx="0">
+        <a:scrgbClr r="0" g="0" b="0"/>
+      </a:lnRef>
+      <a:fillRef idx="2">
+        <a:scrgbClr r="0" g="0" b="0"/>
+      </a:fillRef>
+      <a:effectRef idx="1">
+        <a:scrgbClr r="0" g="0" b="0"/>
+      </a:effectRef>
+      <a:fontRef idx="minor">
+        <a:schemeClr val="dk1"/>
+      </a:fontRef>
+    </dgm:style>
+  </dgm:styleLbl>
+  <dgm:styleLbl name="lnNode1">
+    <dgm:scene3d>
+      <a:camera prst="orthographicFront"/>
+      <a:lightRig rig="flat" dir="t"/>
+    </dgm:scene3d>
+    <dgm:sp3d prstMaterial="dkEdge">
+      <a:bevelT w="8200" h="38100"/>
+    </dgm:sp3d>
+    <dgm:txPr/>
+    <dgm:style>
+      <a:lnRef idx="1">
+        <a:scrgbClr r="0" g="0" b="0"/>
+      </a:lnRef>
+      <a:fillRef idx="2">
+        <a:scrgbClr r="0" g="0" b="0"/>
+      </a:fillRef>
+      <a:effectRef idx="0">
+        <a:scrgbClr r="0" g="0" b="0"/>
+      </a:effectRef>
+      <a:fontRef idx="minor">
+        <a:schemeClr val="dk1"/>
+      </a:fontRef>
+    </dgm:style>
+  </dgm:styleLbl>
+  <dgm:styleLbl name="vennNode1">
+    <dgm:scene3d>
+      <a:camera prst="orthographicFront"/>
+      <a:lightRig rig="flat" dir="t"/>
+    </dgm:scene3d>
+    <dgm:sp3d prstMaterial="dkEdge">
+      <a:bevelT w="8200" h="38100"/>
+    </dgm:sp3d>
+    <dgm:txPr/>
+    <dgm:style>
+      <a:lnRef idx="0">
+        <a:scrgbClr r="0" g="0" b="0"/>
+      </a:lnRef>
+      <a:fillRef idx="2">
+        <a:scrgbClr r="0" g="0" b="0"/>
+      </a:fillRef>
+      <a:effectRef idx="0">
+        <a:scrgbClr r="0" g="0" b="0"/>
+      </a:effectRef>
+      <a:fontRef idx="minor">
+        <a:schemeClr val="tx1"/>
+      </a:fontRef>
+    </dgm:style>
+  </dgm:styleLbl>
+  <dgm:styleLbl name="alignNode1">
+    <dgm:scene3d>
+      <a:camera prst="orthographicFront"/>
+      <a:lightRig rig="threePt" dir="t"/>
+    </dgm:scene3d>
+    <dgm:sp3d/>
+    <dgm:txPr/>
+    <dgm:style>
+      <a:lnRef idx="1">
+        <a:scrgbClr r="0" g="0" b="0"/>
+      </a:lnRef>
+      <a:fillRef idx="2">
+        <a:scrgbClr r="0" g="0" b="0"/>
+      </a:fillRef>
+      <a:effectRef idx="1">
+        <a:scrgbClr r="0" g="0" b="0"/>
+      </a:effectRef>
+      <a:fontRef idx="minor">
+        <a:schemeClr val="dk1"/>
+      </a:fontRef>
+    </dgm:style>
+  </dgm:styleLbl>
+  <dgm:styleLbl name="node1">
+    <dgm:scene3d>
+      <a:camera prst="orthographicFront"/>
+      <a:lightRig rig="flat" dir="t"/>
+    </dgm:scene3d>
+    <dgm:sp3d prstMaterial="dkEdge">
+      <a:bevelT w="8200" h="38100"/>
+    </dgm:sp3d>
+    <dgm:txPr/>
+    <dgm:style>
+      <a:lnRef idx="0">
+        <a:scrgbClr r="0" g="0" b="0"/>
+      </a:lnRef>
+      <a:fillRef idx="2">
+        <a:scrgbClr r="0" g="0" b="0"/>
+      </a:fillRef>
+      <a:effectRef idx="1">
+        <a:scrgbClr r="0" g="0" b="0"/>
+      </a:effectRef>
+      <a:fontRef idx="minor">
+        <a:schemeClr val="dk1"/>
+      </a:fontRef>
+    </dgm:style>
+  </dgm:styleLbl>
+  <dgm:styleLbl name="node2">
+    <dgm:scene3d>
+      <a:camera prst="orthographicFront"/>
+      <a:lightRig rig="flat" dir="t"/>
+    </dgm:scene3d>
+    <dgm:sp3d prstMaterial="dkEdge">
+      <a:bevelT w="8200" h="38100"/>
+    </dgm:sp3d>
+    <dgm:txPr/>
+    <dgm:style>
+      <a:lnRef idx="0">
+        <a:scrgbClr r="0" g="0" b="0"/>
+      </a:lnRef>
+      <a:fillRef idx="2">
+        <a:scrgbClr r="0" g="0" b="0"/>
+      </a:fillRef>
+      <a:effectRef idx="1">
+        <a:scrgbClr r="0" g="0" b="0"/>
+      </a:effectRef>
+      <a:fontRef idx="minor">
+        <a:schemeClr val="dk1"/>
+      </a:fontRef>
+    </dgm:style>
+  </dgm:styleLbl>
+  <dgm:styleLbl name="node3">
+    <dgm:scene3d>
+      <a:camera prst="orthographicFront"/>
+      <a:lightRig rig="flat" dir="t"/>
+    </dgm:scene3d>
+    <dgm:sp3d prstMaterial="dkEdge">
+      <a:bevelT w="8200" h="38100"/>
+    </dgm:sp3d>
+    <dgm:txPr/>
+    <dgm:style>
+      <a:lnRef idx="0">
+        <a:scrgbClr r="0" g="0" b="0"/>
+      </a:lnRef>
+      <a:fillRef idx="2">
+        <a:scrgbClr r="0" g="0" b="0"/>
+      </a:fillRef>
+      <a:effectRef idx="1">
+        <a:scrgbClr r="0" g="0" b="0"/>
+      </a:effectRef>
+      <a:fontRef idx="minor">
+        <a:schemeClr val="dk1"/>
+      </a:fontRef>
+    </dgm:style>
+  </dgm:styleLbl>
+  <dgm:styleLbl name="node4">
+    <dgm:scene3d>
+      <a:camera prst="orthographicFront"/>
+      <a:lightRig rig="flat" dir="t"/>
+    </dgm:scene3d>
+    <dgm:sp3d prstMaterial="dkEdge">
+      <a:bevelT w="8200" h="38100"/>
+    </dgm:sp3d>
+    <dgm:txPr/>
+    <dgm:style>
+      <a:lnRef idx="0">
+        <a:scrgbClr r="0" g="0" b="0"/>
+      </a:lnRef>
+      <a:fillRef idx="2">
+        <a:scrgbClr r="0" g="0" b="0"/>
+      </a:fillRef>
+      <a:effectRef idx="1">
+        <a:scrgbClr r="0" g="0" b="0"/>
+      </a:effectRef>
+      <a:fontRef idx="minor">
+        <a:schemeClr val="dk1"/>
+      </a:fontRef>
+    </dgm:style>
+  </dgm:styleLbl>
+  <dgm:styleLbl name="fgImgPlace1">
+    <dgm:scene3d>
+      <a:camera prst="orthographicFront"/>
+      <a:lightRig rig="threePt" dir="t"/>
+    </dgm:scene3d>
+    <dgm:sp3d/>
+    <dgm:txPr/>
+    <dgm:style>
+      <a:lnRef idx="1">
+        <a:scrgbClr r="0" g="0" b="0"/>
+      </a:lnRef>
+      <a:fillRef idx="1">
+        <a:scrgbClr r="0" g="0" b="0"/>
+      </a:fillRef>
+      <a:effectRef idx="1">
+        <a:scrgbClr r="0" g="0" b="0"/>
+      </a:effectRef>
+      <a:fontRef idx="minor"/>
+    </dgm:style>
+  </dgm:styleLbl>
+  <dgm:styleLbl name="alignImgPlace1">
+    <dgm:scene3d>
+      <a:camera prst="orthographicFront"/>
+      <a:lightRig rig="threePt" dir="t"/>
+    </dgm:scene3d>
+    <dgm:sp3d/>
+    <dgm:txPr/>
+    <dgm:style>
+      <a:lnRef idx="1">
+        <a:scrgbClr r="0" g="0" b="0"/>
+      </a:lnRef>
+      <a:fillRef idx="1">
+        <a:scrgbClr r="0" g="0" b="0"/>
+      </a:fillRef>
+      <a:effectRef idx="1">
+        <a:scrgbClr r="0" g="0" b="0"/>
+      </a:effectRef>
+      <a:fontRef idx="minor"/>
+    </dgm:style>
+  </dgm:styleLbl>
+  <dgm:styleLbl name="bgImgPlace1">
+    <dgm:scene3d>
+      <a:camera prst="orthographicFront"/>
+      <a:lightRig rig="threePt" dir="t"/>
+    </dgm:scene3d>
+    <dgm:sp3d/>
+    <dgm:txPr/>
+    <dgm:style>
+      <a:lnRef idx="1">
+        <a:scrgbClr r="0" g="0" b="0"/>
+      </a:lnRef>
+      <a:fillRef idx="1">
+        <a:scrgbClr r="0" g="0" b="0"/>
+      </a:fillRef>
+      <a:effectRef idx="1">
+        <a:scrgbClr r="0" g="0" b="0"/>
+      </a:effectRef>
+      <a:fontRef idx="minor"/>
+    </dgm:style>
+  </dgm:styleLbl>
+  <dgm:styleLbl name="sibTrans2D1">
+    <dgm:scene3d>
+      <a:camera prst="orthographicFront"/>
+      <a:lightRig rig="threePt" dir="t"/>
+    </dgm:scene3d>
+    <dgm:sp3d/>
+    <dgm:txPr/>
+    <dgm:style>
+      <a:lnRef idx="0">
+        <a:scrgbClr r="0" g="0" b="0"/>
+      </a:lnRef>
+      <a:fillRef idx="2">
+        <a:scrgbClr r="0" g="0" b="0"/>
+      </a:fillRef>
+      <a:effectRef idx="1">
+        <a:scrgbClr r="0" g="0" b="0"/>
+      </a:effectRef>
+      <a:fontRef idx="minor">
+        <a:schemeClr val="dk1"/>
+      </a:fontRef>
+    </dgm:style>
+  </dgm:styleLbl>
+  <dgm:styleLbl name="fgSibTrans2D1">
+    <dgm:scene3d>
+      <a:camera prst="orthographicFront"/>
+      <a:lightRig rig="threePt" dir="t"/>
+    </dgm:scene3d>
+    <dgm:sp3d/>
+    <dgm:txPr/>
+    <dgm:style>
+      <a:lnRef idx="0">
+        <a:scrgbClr r="0" g="0" b="0"/>
+      </a:lnRef>
+      <a:fillRef idx="2">
+        <a:scrgbClr r="0" g="0" b="0"/>
+      </a:fillRef>
+      <a:effectRef idx="1">
+        <a:scrgbClr r="0" g="0" b="0"/>
+      </a:effectRef>
+      <a:fontRef idx="minor">
+        <a:schemeClr val="dk1"/>
+      </a:fontRef>
+    </dgm:style>
+  </dgm:styleLbl>
+  <dgm:styleLbl name="bgSibTrans2D1">
+    <dgm:scene3d>
+      <a:camera prst="orthographicFront"/>
+      <a:lightRig rig="threePt" dir="t"/>
+    </dgm:scene3d>
+    <dgm:sp3d/>
+    <dgm:txPr/>
+    <dgm:style>
+      <a:lnRef idx="0">
+        <a:scrgbClr r="0" g="0" b="0"/>
+      </a:lnRef>
+      <a:fillRef idx="2">
+        <a:scrgbClr r="0" g="0" b="0"/>
+      </a:fillRef>
+      <a:effectRef idx="1">
+        <a:scrgbClr r="0" g="0" b="0"/>
+      </a:effectRef>
+      <a:fontRef idx="minor">
+        <a:schemeClr val="dk1"/>
+      </a:fontRef>
+    </dgm:style>
+  </dgm:styleLbl>
+  <dgm:styleLbl name="sibTrans1D1">
+    <dgm:scene3d>
+      <a:camera prst="orthographicFront"/>
+      <a:lightRig rig="threePt" dir="t"/>
+    </dgm:scene3d>
+    <dgm:sp3d/>
+    <dgm:txPr/>
+    <dgm:style>
+      <a:lnRef idx="1">
+        <a:scrgbClr r="0" g="0" b="0"/>
+      </a:lnRef>
+      <a:fillRef idx="0">
+        <a:scrgbClr r="0" g="0" b="0"/>
+      </a:fillRef>
+      <a:effectRef idx="0">
+        <a:scrgbClr r="0" g="0" b="0"/>
+      </a:effectRef>
+      <a:fontRef idx="minor"/>
+    </dgm:style>
+  </dgm:styleLbl>
+  <dgm:styleLbl name="callout">
+    <dgm:scene3d>
+      <a:camera prst="orthographicFront"/>
+      <a:lightRig rig="threePt" dir="t"/>
+    </dgm:scene3d>
+    <dgm:sp3d/>
+    <dgm:txPr/>
+    <dgm:style>
+      <a:lnRef idx="1">
+        <a:scrgbClr r="0" g="0" b="0"/>
+      </a:lnRef>
+      <a:fillRef idx="2">
+        <a:scrgbClr r="0" g="0" b="0"/>
+      </a:fillRef>
+      <a:effectRef idx="1">
+        <a:scrgbClr r="0" g="0" b="0"/>
+      </a:effectRef>
+      <a:fontRef idx="minor"/>
+    </dgm:style>
+  </dgm:styleLbl>
+  <dgm:styleLbl name="asst0">
+    <dgm:scene3d>
+      <a:camera prst="orthographicFront"/>
+      <a:lightRig rig="flat" dir="t"/>
+    </dgm:scene3d>
+    <dgm:sp3d prstMaterial="dkEdge">
+      <a:bevelT w="8200" h="38100"/>
+    </dgm:sp3d>
+    <dgm:txPr/>
+    <dgm:style>
+      <a:lnRef idx="0">
+        <a:scrgbClr r="0" g="0" b="0"/>
+      </a:lnRef>
+      <a:fillRef idx="2">
+        <a:scrgbClr r="0" g="0" b="0"/>
+      </a:fillRef>
+      <a:effectRef idx="1">
+        <a:scrgbClr r="0" g="0" b="0"/>
+      </a:effectRef>
+      <a:fontRef idx="minor">
+        <a:schemeClr val="dk1"/>
+      </a:fontRef>
+    </dgm:style>
+  </dgm:styleLbl>
+  <dgm:styleLbl name="asst1">
+    <dgm:scene3d>
+      <a:camera prst="orthographicFront"/>
+      <a:lightRig rig="flat" dir="t"/>
+    </dgm:scene3d>
+    <dgm:sp3d prstMaterial="dkEdge">
+      <a:bevelT w="8200" h="38100"/>
+    </dgm:sp3d>
+    <dgm:txPr/>
+    <dgm:style>
+      <a:lnRef idx="0">
+        <a:scrgbClr r="0" g="0" b="0"/>
+      </a:lnRef>
+      <a:fillRef idx="2">
+        <a:scrgbClr r="0" g="0" b="0"/>
+      </a:fillRef>
+      <a:effectRef idx="1">
+        <a:scrgbClr r="0" g="0" b="0"/>
+      </a:effectRef>
+      <a:fontRef idx="minor">
+        <a:schemeClr val="dk1"/>
+      </a:fontRef>
+    </dgm:style>
+  </dgm:styleLbl>
+  <dgm:styleLbl name="asst2">
+    <dgm:scene3d>
+      <a:camera prst="orthographicFront"/>
+      <a:lightRig rig="flat" dir="t"/>
+    </dgm:scene3d>
+    <dgm:sp3d prstMaterial="dkEdge">
+      <a:bevelT w="8200" h="38100"/>
+    </dgm:sp3d>
+    <dgm:txPr/>
+    <dgm:style>
+      <a:lnRef idx="0">
+        <a:scrgbClr r="0" g="0" b="0"/>
+      </a:lnRef>
+      <a:fillRef idx="2">
+        <a:scrgbClr r="0" g="0" b="0"/>
+      </a:fillRef>
+      <a:effectRef idx="1">
+        <a:scrgbClr r="0" g="0" b="0"/>
+      </a:effectRef>
+      <a:fontRef idx="minor">
+        <a:schemeClr val="dk1"/>
+      </a:fontRef>
+    </dgm:style>
+  </dgm:styleLbl>
+  <dgm:styleLbl name="asst3">
+    <dgm:scene3d>
+      <a:camera prst="orthographicFront"/>
+      <a:lightRig rig="flat" dir="t"/>
+    </dgm:scene3d>
+    <dgm:sp3d prstMaterial="dkEdge">
+      <a:bevelT w="8200" h="38100"/>
+    </dgm:sp3d>
+    <dgm:txPr/>
+    <dgm:style>
+      <a:lnRef idx="0">
+        <a:scrgbClr r="0" g="0" b="0"/>
+      </a:lnRef>
+      <a:fillRef idx="2">
+        <a:scrgbClr r="0" g="0" b="0"/>
+      </a:fillRef>
+      <a:effectRef idx="1">
+        <a:scrgbClr r="0" g="0" b="0"/>
+      </a:effectRef>
+      <a:fontRef idx="minor">
+        <a:schemeClr val="dk1"/>
+      </a:fontRef>
+    </dgm:style>
+  </dgm:styleLbl>
+  <dgm:styleLbl name="asst4">
+    <dgm:scene3d>
+      <a:camera prst="orthographicFront"/>
+      <a:lightRig rig="flat" dir="t"/>
+    </dgm:scene3d>
+    <dgm:sp3d prstMaterial="dkEdge">
+      <a:bevelT w="8200" h="38100"/>
+    </dgm:sp3d>
+    <dgm:txPr/>
+    <dgm:style>
+      <a:lnRef idx="0">
+        <a:scrgbClr r="0" g="0" b="0"/>
+      </a:lnRef>
+      <a:fillRef idx="2">
+        <a:scrgbClr r="0" g="0" b="0"/>
+      </a:fillRef>
+      <a:effectRef idx="1">
+        <a:scrgbClr r="0" g="0" b="0"/>
+      </a:effectRef>
+      <a:fontRef idx="minor">
+        <a:schemeClr val="dk1"/>
+      </a:fontRef>
+    </dgm:style>
+  </dgm:styleLbl>
+  <dgm:styleLbl name="parChTrans2D1">
+    <dgm:scene3d>
+      <a:camera prst="orthographicFront"/>
+      <a:lightRig rig="threePt" dir="t"/>
+    </dgm:scene3d>
+    <dgm:sp3d/>
+    <dgm:txPr/>
+    <dgm:style>
+      <a:lnRef idx="1">
+        <a:scrgbClr r="0" g="0" b="0"/>
+      </a:lnRef>
+      <a:fillRef idx="2">
+        <a:scrgbClr r="0" g="0" b="0"/>
+      </a:fillRef>
+      <a:effectRef idx="1">
+        <a:scrgbClr r="0" g="0" b="0"/>
+      </a:effectRef>
+      <a:fontRef idx="minor">
+        <a:schemeClr val="dk1"/>
+      </a:fontRef>
+    </dgm:style>
+  </dgm:styleLbl>
+  <dgm:styleLbl name="parChTrans2D2">
+    <dgm:scene3d>
+      <a:camera prst="orthographicFront"/>
+      <a:lightRig rig="threePt" dir="t"/>
+    </dgm:scene3d>
+    <dgm:sp3d/>
+    <dgm:txPr/>
+    <dgm:style>
+      <a:lnRef idx="1">
+        <a:scrgbClr r="0" g="0" b="0"/>
+      </a:lnRef>
+      <a:fillRef idx="2">
+        <a:scrgbClr r="0" g="0" b="0"/>
+      </a:fillRef>
+      <a:effectRef idx="1">
+        <a:scrgbClr r="0" g="0" b="0"/>
+      </a:effectRef>
+      <a:fontRef idx="minor">
+        <a:schemeClr val="dk1"/>
+      </a:fontRef>
+    </dgm:style>
+  </dgm:styleLbl>
+  <dgm:styleLbl name="parChTrans2D3">
+    <dgm:scene3d>
+      <a:camera prst="orthographicFront"/>
+      <a:lightRig rig="threePt" dir="t"/>
+    </dgm:scene3d>
+    <dgm:sp3d/>
+    <dgm:txPr/>
+    <dgm:style>
+      <a:lnRef idx="1">
+        <a:scrgbClr r="0" g="0" b="0"/>
+      </a:lnRef>
+      <a:fillRef idx="2">
+        <a:scrgbClr r="0" g="0" b="0"/>
+      </a:fillRef>
+      <a:effectRef idx="1">
+        <a:scrgbClr r="0" g="0" b="0"/>
+      </a:effectRef>
+      <a:fontRef idx="minor">
+        <a:schemeClr val="dk1"/>
+      </a:fontRef>
+    </dgm:style>
+  </dgm:styleLbl>
+  <dgm:styleLbl name="parChTrans2D4">
+    <dgm:scene3d>
+      <a:camera prst="orthographicFront"/>
+      <a:lightRig rig="threePt" dir="t"/>
+    </dgm:scene3d>
+    <dgm:sp3d/>
+    <dgm:txPr/>
+    <dgm:style>
+      <a:lnRef idx="1">
+        <a:scrgbClr r="0" g="0" b="0"/>
+      </a:lnRef>
+      <a:fillRef idx="2">
+        <a:scrgbClr r="0" g="0" b="0"/>
+      </a:fillRef>
+      <a:effectRef idx="1">
+        <a:scrgbClr r="0" g="0" b="0"/>
+      </a:effectRef>
+      <a:fontRef idx="minor">
+        <a:schemeClr val="dk1"/>
+      </a:fontRef>
+    </dgm:style>
+  </dgm:styleLbl>
+  <dgm:styleLbl name="parChTrans1D1">
+    <dgm:scene3d>
+      <a:camera prst="orthographicFront"/>
+      <a:lightRig rig="threePt" dir="t"/>
+    </dgm:scene3d>
+    <dgm:sp3d/>
+    <dgm:txPr/>
+    <dgm:style>
+      <a:lnRef idx="2">
+        <a:scrgbClr r="0" g="0" b="0"/>
+      </a:lnRef>
+      <a:fillRef idx="0">
+        <a:scrgbClr r="0" g="0" b="0"/>
+      </a:fillRef>
+      <a:effectRef idx="0">
+        <a:scrgbClr r="0" g="0" b="0"/>
+      </a:effectRef>
+      <a:fontRef idx="minor"/>
+    </dgm:style>
+  </dgm:styleLbl>
+  <dgm:styleLbl name="parChTrans1D2">
+    <dgm:scene3d>
+      <a:camera prst="orthographicFront"/>
+      <a:lightRig rig="threePt" dir="t"/>
+    </dgm:scene3d>
+    <dgm:sp3d/>
+    <dgm:txPr/>
+    <dgm:style>
+      <a:lnRef idx="2">
+        <a:scrgbClr r="0" g="0" b="0"/>
+      </a:lnRef>
+      <a:fillRef idx="0">
+        <a:scrgbClr r="0" g="0" b="0"/>
+      </a:fillRef>
+      <a:effectRef idx="0">
+        <a:scrgbClr r="0" g="0" b="0"/>
+      </a:effectRef>
+      <a:fontRef idx="minor"/>
+    </dgm:style>
+  </dgm:styleLbl>
+  <dgm:styleLbl name="parChTrans1D3">
+    <dgm:scene3d>
+      <a:camera prst="orthographicFront"/>
+      <a:lightRig rig="threePt" dir="t"/>
+    </dgm:scene3d>
+    <dgm:sp3d/>
+    <dgm:txPr/>
+    <dgm:style>
+      <a:lnRef idx="2">
+        <a:scrgbClr r="0" g="0" b="0"/>
+      </a:lnRef>
+      <a:fillRef idx="0">
+        <a:scrgbClr r="0" g="0" b="0"/>
+      </a:fillRef>
+      <a:effectRef idx="0">
+        <a:scrgbClr r="0" g="0" b="0"/>
+      </a:effectRef>
+      <a:fontRef idx="minor"/>
+    </dgm:style>
+  </dgm:styleLbl>
+  <dgm:styleLbl name="parChTrans1D4">
+    <dgm:scene3d>
+      <a:camera prst="orthographicFront"/>
+      <a:lightRig rig="threePt" dir="t"/>
+    </dgm:scene3d>
+    <dgm:sp3d/>
+    <dgm:txPr/>
+    <dgm:style>
+      <a:lnRef idx="2">
+        <a:scrgbClr r="0" g="0" b="0"/>
+      </a:lnRef>
+      <a:fillRef idx="0">
+        <a:scrgbClr r="0" g="0" b="0"/>
+      </a:fillRef>
+      <a:effectRef idx="0">
+        <a:scrgbClr r="0" g="0" b="0"/>
+      </a:effectRef>
+      <a:fontRef idx="minor"/>
+    </dgm:style>
+  </dgm:styleLbl>
+  <dgm:styleLbl name="fgAcc1">
+    <dgm:scene3d>
+      <a:camera prst="orthographicFront"/>
+      <a:lightRig rig="threePt" dir="t"/>
+    </dgm:scene3d>
+    <dgm:sp3d/>
+    <dgm:txPr/>
+    <dgm:style>
+      <a:lnRef idx="1">
+        <a:scrgbClr r="0" g="0" b="0"/>
+      </a:lnRef>
+      <a:fillRef idx="1">
+        <a:scrgbClr r="0" g="0" b="0"/>
+      </a:fillRef>
+      <a:effectRef idx="0">
+        <a:scrgbClr r="0" g="0" b="0"/>
+      </a:effectRef>
+      <a:fontRef idx="minor"/>
+    </dgm:style>
+  </dgm:styleLbl>
+  <dgm:styleLbl name="conFgAcc1">
+    <dgm:scene3d>
+      <a:camera prst="orthographicFront"/>
+      <a:lightRig rig="threePt" dir="t"/>
+    </dgm:scene3d>
+    <dgm:sp3d/>
+    <dgm:txPr/>
+    <dgm:style>
+      <a:lnRef idx="1">
+        <a:scrgbClr r="0" g="0" b="0"/>
+      </a:lnRef>
+      <a:fillRef idx="1">
+        <a:scrgbClr r="0" g="0" b="0"/>
+      </a:fillRef>
+      <a:effectRef idx="0">
+        <a:scrgbClr r="0" g="0" b="0"/>
+      </a:effectRef>
+      <a:fontRef idx="minor"/>
+    </dgm:style>
+  </dgm:styleLbl>
+  <dgm:styleLbl name="alignAcc1">
+    <dgm:scene3d>
+      <a:camera prst="orthographicFront"/>
+      <a:lightRig rig="threePt" dir="t"/>
+    </dgm:scene3d>
+    <dgm:sp3d/>
+    <dgm:txPr/>
+    <dgm:style>
+      <a:lnRef idx="1">
+        <a:scrgbClr r="0" g="0" b="0"/>
+      </a:lnRef>
+      <a:fillRef idx="1">
+        <a:scrgbClr r="0" g="0" b="0"/>
+      </a:fillRef>
+      <a:effectRef idx="0">
+        <a:scrgbClr r="0" g="0" b="0"/>
+      </a:effectRef>
+      <a:fontRef idx="minor"/>
+    </dgm:style>
+  </dgm:styleLbl>
+  <dgm:styleLbl name="trAlignAcc1">
+    <dgm:scene3d>
+      <a:camera prst="orthographicFront"/>
+      <a:lightRig rig="threePt" dir="t"/>
+    </dgm:scene3d>
+    <dgm:sp3d/>
+    <dgm:txPr/>
+    <dgm:style>
+      <a:lnRef idx="1">
+        <a:scrgbClr r="0" g="0" b="0"/>
+      </a:lnRef>
+      <a:fillRef idx="1">
+        <a:scrgbClr r="0" g="0" b="0"/>
+      </a:fillRef>
+      <a:effectRef idx="0">
+        <a:scrgbClr r="0" g="0" b="0"/>
+      </a:effectRef>
+      <a:fontRef idx="minor"/>
+    </dgm:style>
+  </dgm:styleLbl>
+  <dgm:styleLbl name="bgAcc1">
+    <dgm:scene3d>
+      <a:camera prst="orthographicFront"/>
+      <a:lightRig rig="threePt" dir="t"/>
+    </dgm:scene3d>
+    <dgm:sp3d/>
+    <dgm:txPr/>
+    <dgm:style>
+      <a:lnRef idx="1">
+        <a:scrgbClr r="0" g="0" b="0"/>
+      </a:lnRef>
+      <a:fillRef idx="1">
+        <a:scrgbClr r="0" g="0" b="0"/>
+      </a:fillRef>
+      <a:effectRef idx="0">
+        <a:scrgbClr r="0" g="0" b="0"/>
+      </a:effectRef>
+      <a:fontRef idx="minor"/>
+    </dgm:style>
+  </dgm:styleLbl>
+  <dgm:styleLbl name="solidFgAcc1">
+    <dgm:scene3d>
+      <a:camera prst="orthographicFront"/>
+      <a:lightRig rig="threePt" dir="t"/>
+    </dgm:scene3d>
+    <dgm:sp3d/>
+    <dgm:txPr/>
+    <dgm:style>
+      <a:lnRef idx="1">
+        <a:scrgbClr r="0" g="0" b="0"/>
+      </a:lnRef>
+      <a:fillRef idx="2">
+        <a:scrgbClr r="0" g="0" b="0"/>
+      </a:fillRef>
+      <a:effectRef idx="0">
+        <a:scrgbClr r="0" g="0" b="0"/>
+      </a:effectRef>
+      <a:fontRef idx="minor"/>
+    </dgm:style>
+  </dgm:styleLbl>
+  <dgm:styleLbl name="solidAlignAcc1">
+    <dgm:scene3d>
+      <a:camera prst="orthographicFront"/>
+      <a:lightRig rig="threePt" dir="t"/>
+    </dgm:scene3d>
+    <dgm:sp3d/>
+    <dgm:txPr/>
+    <dgm:style>
+      <a:lnRef idx="1">
+        <a:scrgbClr r="0" g="0" b="0"/>
+      </a:lnRef>
+      <a:fillRef idx="1">
+        <a:scrgbClr r="0" g="0" b="0"/>
+      </a:fillRef>
+      <a:effectRef idx="0">
+        <a:scrgbClr r="0" g="0" b="0"/>
+      </a:effectRef>
+      <a:fontRef idx="minor"/>
+    </dgm:style>
+  </dgm:styleLbl>
+  <dgm:styleLbl name="solidBgAcc1">
+    <dgm:scene3d>
+      <a:camera prst="orthographicFront"/>
+      <a:lightRig rig="threePt" dir="t"/>
+    </dgm:scene3d>
+    <dgm:sp3d/>
+    <dgm:txPr/>
+    <dgm:style>
+      <a:lnRef idx="1">
+        <a:scrgbClr r="0" g="0" b="0"/>
+      </a:lnRef>
+      <a:fillRef idx="1">
+        <a:scrgbClr r="0" g="0" b="0"/>
+      </a:fillRef>
+      <a:effectRef idx="0">
+        <a:scrgbClr r="0" g="0" b="0"/>
+      </a:effectRef>
+      <a:fontRef idx="minor"/>
+    </dgm:style>
+  </dgm:styleLbl>
+  <dgm:styleLbl name="fgAccFollowNode1">
+    <dgm:scene3d>
+      <a:camera prst="orthographicFront"/>
+      <a:lightRig rig="threePt" dir="t"/>
+    </dgm:scene3d>
+    <dgm:sp3d/>
+    <dgm:txPr/>
+    <dgm:style>
+      <a:lnRef idx="1">
+        <a:scrgbClr r="0" g="0" b="0"/>
+      </a:lnRef>
+      <a:fillRef idx="1">
+        <a:scrgbClr r="0" g="0" b="0"/>
+      </a:fillRef>
+      <a:effectRef idx="0">
+        <a:scrgbClr r="0" g="0" b="0"/>
+      </a:effectRef>
+      <a:fontRef idx="minor"/>
+    </dgm:style>
+  </dgm:styleLbl>
+  <dgm:styleLbl name="alignAccFollowNode1">
+    <dgm:scene3d>
+      <a:camera prst="orthographicFront"/>
+      <a:lightRig rig="threePt" dir="t"/>
+    </dgm:scene3d>
+    <dgm:sp3d/>
+    <dgm:txPr/>
+    <dgm:style>
+      <a:lnRef idx="1">
+        <a:scrgbClr r="0" g="0" b="0"/>
+      </a:lnRef>
+      <a:fillRef idx="1">
+        <a:scrgbClr r="0" g="0" b="0"/>
+      </a:fillRef>
+      <a:effectRef idx="0">
+        <a:scrgbClr r="0" g="0" b="0"/>
+      </a:effectRef>
+      <a:fontRef idx="minor"/>
+    </dgm:style>
+  </dgm:styleLbl>
+  <dgm:styleLbl name="bgAccFollowNode1">
+    <dgm:scene3d>
+      <a:camera prst="orthographicFront"/>
+      <a:lightRig rig="threePt" dir="t"/>
+    </dgm:scene3d>
+    <dgm:sp3d/>
+    <dgm:txPr/>
+    <dgm:style>
+      <a:lnRef idx="1">
+        <a:scrgbClr r="0" g="0" b="0"/>
+      </a:lnRef>
+      <a:fillRef idx="1">
+        <a:scrgbClr r="0" g="0" b="0"/>
+      </a:fillRef>
+      <a:effectRef idx="0">
+        <a:scrgbClr r="0" g="0" b="0"/>
+      </a:effectRef>
+      <a:fontRef idx="minor"/>
+    </dgm:style>
+  </dgm:styleLbl>
+  <dgm:styleLbl name="fgAcc0">
+    <dgm:scene3d>
+      <a:camera prst="orthographicFront"/>
+      <a:lightRig rig="threePt" dir="t"/>
+    </dgm:scene3d>
+    <dgm:sp3d/>
+    <dgm:txPr/>
+    <dgm:style>
+      <a:lnRef idx="1">
+        <a:scrgbClr r="0" g="0" b="0"/>
+      </a:lnRef>
+      <a:fillRef idx="1">
+        <a:scrgbClr r="0" g="0" b="0"/>
+      </a:fillRef>
+      <a:effectRef idx="0">
+        <a:scrgbClr r="0" g="0" b="0"/>
+      </a:effectRef>
+      <a:fontRef idx="minor"/>
+    </dgm:style>
+  </dgm:styleLbl>
+  <dgm:styleLbl name="fgAcc2">
+    <dgm:scene3d>
+      <a:camera prst="orthographicFront"/>
+      <a:lightRig rig="threePt" dir="t"/>
+    </dgm:scene3d>
+    <dgm:sp3d/>
+    <dgm:txPr/>
+    <dgm:style>
+      <a:lnRef idx="1">
+        <a:scrgbClr r="0" g="0" b="0"/>
+      </a:lnRef>
+      <a:fillRef idx="1">
+        <a:scrgbClr r="0" g="0" b="0"/>
+      </a:fillRef>
+      <a:effectRef idx="0">
+        <a:scrgbClr r="0" g="0" b="0"/>
+      </a:effectRef>
+      <a:fontRef idx="minor"/>
+    </dgm:style>
+  </dgm:styleLbl>
+  <dgm:styleLbl name="fgAcc3">
+    <dgm:scene3d>
+      <a:camera prst="orthographicFront"/>
+      <a:lightRig rig="threePt" dir="t"/>
+    </dgm:scene3d>
+    <dgm:sp3d/>
+    <dgm:txPr/>
+    <dgm:style>
+      <a:lnRef idx="1">
+        <a:scrgbClr r="0" g="0" b="0"/>
+      </a:lnRef>
+      <a:fillRef idx="1">
+        <a:scrgbClr r="0" g="0" b="0"/>
+      </a:fillRef>
+      <a:effectRef idx="0">
+        <a:scrgbClr r="0" g="0" b="0"/>
+      </a:effectRef>
+      <a:fontRef idx="minor"/>
+    </dgm:style>
+  </dgm:styleLbl>
+  <dgm:styleLbl name="fgAcc4">
+    <dgm:scene3d>
+      <a:camera prst="orthographicFront"/>
+      <a:lightRig rig="threePt" dir="t"/>
+    </dgm:scene3d>
+    <dgm:sp3d/>
+    <dgm:txPr/>
+    <dgm:style>
+      <a:lnRef idx="1">
+        <a:scrgbClr r="0" g="0" b="0"/>
+      </a:lnRef>
+      <a:fillRef idx="1">
+        <a:scrgbClr r="0" g="0" b="0"/>
+      </a:fillRef>
+      <a:effectRef idx="0">
+        <a:scrgbClr r="0" g="0" b="0"/>
+      </a:effectRef>
+      <a:fontRef idx="minor"/>
+    </dgm:style>
+  </dgm:styleLbl>
+  <dgm:styleLbl name="bgShp">
+    <dgm:scene3d>
+      <a:camera prst="orthographicFront"/>
+      <a:lightRig rig="threePt" dir="t"/>
+    </dgm:scene3d>
+    <dgm:sp3d/>
+    <dgm:txPr/>
+    <dgm:style>
+      <a:lnRef idx="0">
+        <a:scrgbClr r="0" g="0" b="0"/>
+      </a:lnRef>
+      <a:fillRef idx="1">
+        <a:scrgbClr r="0" g="0" b="0"/>
+      </a:fillRef>
+      <a:effectRef idx="1">
+        <a:scrgbClr r="0" g="0" b="0"/>
+      </a:effectRef>
+      <a:fontRef idx="minor"/>
+    </dgm:style>
+  </dgm:styleLbl>
+  <dgm:styleLbl name="dkBgShp">
+    <dgm:scene3d>
+      <a:camera prst="orthographicFront"/>
+      <a:lightRig rig="threePt" dir="t"/>
+    </dgm:scene3d>
+    <dgm:sp3d/>
+    <dgm:txPr/>
+    <dgm:style>
+      <a:lnRef idx="0">
+        <a:scrgbClr r="0" g="0" b="0"/>
+      </a:lnRef>
+      <a:fillRef idx="1">
+        <a:scrgbClr r="0" g="0" b="0"/>
+      </a:fillRef>
+      <a:effectRef idx="1">
+        <a:scrgbClr r="0" g="0" b="0"/>
+      </a:effectRef>
+      <a:fontRef idx="minor"/>
+    </dgm:style>
+  </dgm:styleLbl>
+  <dgm:styleLbl name="trBgShp">
+    <dgm:scene3d>
+      <a:camera prst="orthographicFront"/>
+      <a:lightRig rig="threePt" dir="t"/>
+    </dgm:scene3d>
+    <dgm:sp3d/>
+    <dgm:txPr/>
+    <dgm:style>
+      <a:lnRef idx="0">
+        <a:scrgbClr r="0" g="0" b="0"/>
+      </a:lnRef>
+      <a:fillRef idx="1">
+        <a:scrgbClr r="0" g="0" b="0"/>
+      </a:fillRef>
+      <a:effectRef idx="0">
+        <a:scrgbClr r="0" g="0" b="0"/>
+      </a:effectRef>
+      <a:fontRef idx="minor"/>
+    </dgm:style>
+  </dgm:styleLbl>
+  <dgm:styleLbl name="fgShp">
+    <dgm:scene3d>
+      <a:camera prst="orthographicFront"/>
+      <a:lightRig rig="flat" dir="t"/>
+    </dgm:scene3d>
+    <dgm:sp3d prstMaterial="dkEdge">
+      <a:bevelT w="8200" h="38100"/>
+    </dgm:sp3d>
+    <dgm:txPr/>
+    <dgm:style>
+      <a:lnRef idx="1">
+        <a:scrgbClr r="0" g="0" b="0"/>
+      </a:lnRef>
+      <a:fillRef idx="2">
+        <a:scrgbClr r="0" g="0" b="0"/>
+      </a:fillRef>
+      <a:effectRef idx="1">
+        <a:scrgbClr r="0" g="0" b="0"/>
+      </a:effectRef>
+      <a:fontRef idx="minor"/>
+    </dgm:style>
+  </dgm:styleLbl>
+  <dgm:styleLbl name="revTx">
+    <dgm:scene3d>
+      <a:camera prst="orthographicFront"/>
+      <a:lightRig rig="threePt" dir="t"/>
+    </dgm:scene3d>
+    <dgm:sp3d/>
+    <dgm:txPr/>
+    <dgm:style>
+      <a:lnRef idx="0">
+        <a:scrgbClr r="0" g="0" b="0"/>
+      </a:lnRef>
+      <a:fillRef idx="0">
+        <a:scrgbClr r="0" g="0" b="0"/>
+      </a:fillRef>
+      <a:effectRef idx="0">
+        <a:scrgbClr r="0" g="0" b="0"/>
+      </a:effectRef>
+      <a:fontRef idx="minor"/>
+    </dgm:style>
+  </dgm:styleLbl>
+</dgm:styleDef>
+</file>
+
 <file path=ppt/slideLayouts/slideLayout1.xml><?xml version="1.0" encoding="utf-8"?>
 <p:sldLayout xmlns:a="http://schemas.openxmlformats.org/drawingml/2006/main" xmlns:r="http://schemas.openxmlformats.org/officeDocument/2006/relationships" xmlns:p="http://schemas.openxmlformats.org/presentationml/2006/main" type="title" preserve="1">
   <p:cSld name="标题幻灯片">
@@ -285,7 +3378,7 @@
           <a:p>
             <a:fld id="{530820CF-B880-4189-942D-D702A7CBA730}" type="datetimeFigureOut">
               <a:rPr lang="zh-CN" altLang="en-US" smtClean="0"/>
-              <a:t>2006-9-7</a:t>
+              <a:t>2018/9/25</a:t>
             </a:fld>
             <a:endParaRPr lang="zh-CN" altLang="en-US"/>
           </a:p>
@@ -450,7 +3543,7 @@
           <a:p>
             <a:fld id="{530820CF-B880-4189-942D-D702A7CBA730}" type="datetimeFigureOut">
               <a:rPr lang="zh-CN" altLang="en-US" smtClean="0"/>
-              <a:t>2006-9-7</a:t>
+              <a:t>2018/9/25</a:t>
             </a:fld>
             <a:endParaRPr lang="zh-CN" altLang="en-US"/>
           </a:p>
@@ -625,7 +3718,7 @@
           <a:p>
             <a:fld id="{530820CF-B880-4189-942D-D702A7CBA730}" type="datetimeFigureOut">
               <a:rPr lang="zh-CN" altLang="en-US" smtClean="0"/>
-              <a:t>2006-9-7</a:t>
+              <a:t>2018/9/25</a:t>
             </a:fld>
             <a:endParaRPr lang="zh-CN" altLang="en-US"/>
           </a:p>
@@ -790,7 +3883,7 @@
           <a:p>
             <a:fld id="{530820CF-B880-4189-942D-D702A7CBA730}" type="datetimeFigureOut">
               <a:rPr lang="zh-CN" altLang="en-US" smtClean="0"/>
-              <a:t>2006-9-7</a:t>
+              <a:t>2018/9/25</a:t>
             </a:fld>
             <a:endParaRPr lang="zh-CN" altLang="en-US"/>
           </a:p>
@@ -1031,7 +4124,7 @@
           <a:p>
             <a:fld id="{530820CF-B880-4189-942D-D702A7CBA730}" type="datetimeFigureOut">
               <a:rPr lang="zh-CN" altLang="en-US" smtClean="0"/>
-              <a:t>2006-9-7</a:t>
+              <a:t>2018/9/25</a:t>
             </a:fld>
             <a:endParaRPr lang="zh-CN" altLang="en-US"/>
           </a:p>
@@ -1314,7 +4407,7 @@
           <a:p>
             <a:fld id="{530820CF-B880-4189-942D-D702A7CBA730}" type="datetimeFigureOut">
               <a:rPr lang="zh-CN" altLang="en-US" smtClean="0"/>
-              <a:t>2006-9-7</a:t>
+              <a:t>2018/9/25</a:t>
             </a:fld>
             <a:endParaRPr lang="zh-CN" altLang="en-US"/>
           </a:p>
@@ -1731,7 +4824,7 @@
           <a:p>
             <a:fld id="{530820CF-B880-4189-942D-D702A7CBA730}" type="datetimeFigureOut">
               <a:rPr lang="zh-CN" altLang="en-US" smtClean="0"/>
-              <a:t>2006-9-7</a:t>
+              <a:t>2018/9/25</a:t>
             </a:fld>
             <a:endParaRPr lang="zh-CN" altLang="en-US"/>
           </a:p>
@@ -1844,7 +4937,7 @@
           <a:p>
             <a:fld id="{530820CF-B880-4189-942D-D702A7CBA730}" type="datetimeFigureOut">
               <a:rPr lang="zh-CN" altLang="en-US" smtClean="0"/>
-              <a:t>2006-9-7</a:t>
+              <a:t>2018/9/25</a:t>
             </a:fld>
             <a:endParaRPr lang="zh-CN" altLang="en-US"/>
           </a:p>
@@ -1934,7 +5027,7 @@
           <a:p>
             <a:fld id="{530820CF-B880-4189-942D-D702A7CBA730}" type="datetimeFigureOut">
               <a:rPr lang="zh-CN" altLang="en-US" smtClean="0"/>
-              <a:t>2006-9-7</a:t>
+              <a:t>2018/9/25</a:t>
             </a:fld>
             <a:endParaRPr lang="zh-CN" altLang="en-US"/>
           </a:p>
@@ -2206,7 +5299,7 @@
           <a:p>
             <a:fld id="{530820CF-B880-4189-942D-D702A7CBA730}" type="datetimeFigureOut">
               <a:rPr lang="zh-CN" altLang="en-US" smtClean="0"/>
-              <a:t>2006-9-7</a:t>
+              <a:t>2018/9/25</a:t>
             </a:fld>
             <a:endParaRPr lang="zh-CN" altLang="en-US"/>
           </a:p>
@@ -2454,7 +5547,7 @@
           <a:p>
             <a:fld id="{530820CF-B880-4189-942D-D702A7CBA730}" type="datetimeFigureOut">
               <a:rPr lang="zh-CN" altLang="en-US" smtClean="0"/>
-              <a:t>2006-9-7</a:t>
+              <a:t>2018/9/25</a:t>
             </a:fld>
             <a:endParaRPr lang="zh-CN" altLang="en-US"/>
           </a:p>
@@ -2662,7 +5755,7 @@
           <a:p>
             <a:fld id="{530820CF-B880-4189-942D-D702A7CBA730}" type="datetimeFigureOut">
               <a:rPr lang="zh-CN" altLang="en-US" smtClean="0"/>
-              <a:t>2006-9-7</a:t>
+              <a:t>2018/9/25</a:t>
             </a:fld>
             <a:endParaRPr lang="zh-CN" altLang="en-US"/>
           </a:p>
@@ -3013,6 +6106,408 @@
     </p:otherStyle>
   </p:txStyles>
 </p:sldMaster>
+</file>
+
+<file path=ppt/slides/slide1.xml><?xml version="1.0" encoding="utf-8"?>
+<p:sld xmlns:a="http://schemas.openxmlformats.org/drawingml/2006/main" xmlns:r="http://schemas.openxmlformats.org/officeDocument/2006/relationships" xmlns:p="http://schemas.openxmlformats.org/presentationml/2006/main">
+  <p:cSld>
+    <p:spTree>
+      <p:nvGrpSpPr>
+        <p:cNvPr id="1" name=""/>
+        <p:cNvGrpSpPr/>
+        <p:nvPr/>
+      </p:nvGrpSpPr>
+      <p:grpSpPr>
+        <a:xfrm>
+          <a:off x="0" y="0"/>
+          <a:ext cx="0" cy="0"/>
+          <a:chOff x="0" y="0"/>
+          <a:chExt cx="0" cy="0"/>
+        </a:xfrm>
+      </p:grpSpPr>
+      <p:sp>
+        <p:nvSpPr>
+          <p:cNvPr id="4" name="圆柱形 3"/>
+          <p:cNvSpPr/>
+          <p:nvPr/>
+        </p:nvSpPr>
+        <p:spPr>
+          <a:xfrm>
+            <a:off x="323528" y="463104"/>
+            <a:ext cx="1224136" cy="1584176"/>
+          </a:xfrm>
+          <a:prstGeom prst="can">
+            <a:avLst/>
+          </a:prstGeom>
+        </p:spPr>
+        <p:style>
+          <a:lnRef idx="1">
+            <a:schemeClr val="accent3"/>
+          </a:lnRef>
+          <a:fillRef idx="3">
+            <a:schemeClr val="accent3"/>
+          </a:fillRef>
+          <a:effectRef idx="2">
+            <a:schemeClr val="accent3"/>
+          </a:effectRef>
+          <a:fontRef idx="minor">
+            <a:schemeClr val="lt1"/>
+          </a:fontRef>
+        </p:style>
+        <p:txBody>
+          <a:bodyPr rtlCol="0" anchor="ctr"/>
+          <a:lstStyle/>
+          <a:p>
+            <a:pPr algn="ctr"/>
+            <a:r>
+              <a:rPr lang="en-US" altLang="zh-CN" dirty="0" smtClean="0"/>
+              <a:t>SBML</a:t>
+            </a:r>
+            <a:endParaRPr lang="zh-CN" altLang="en-US" dirty="0"/>
+          </a:p>
+        </p:txBody>
+      </p:sp>
+      <p:sp>
+        <p:nvSpPr>
+          <p:cNvPr id="5" name="流程图: 多文档 4"/>
+          <p:cNvSpPr/>
+          <p:nvPr/>
+        </p:nvSpPr>
+        <p:spPr>
+          <a:xfrm>
+            <a:off x="3059832" y="1598272"/>
+            <a:ext cx="2160240" cy="1164913"/>
+          </a:xfrm>
+          <a:prstGeom prst="flowChartMultidocument">
+            <a:avLst/>
+          </a:prstGeom>
+        </p:spPr>
+        <p:style>
+          <a:lnRef idx="1">
+            <a:schemeClr val="accent4"/>
+          </a:lnRef>
+          <a:fillRef idx="3">
+            <a:schemeClr val="accent4"/>
+          </a:fillRef>
+          <a:effectRef idx="2">
+            <a:schemeClr val="accent4"/>
+          </a:effectRef>
+          <a:fontRef idx="minor">
+            <a:schemeClr val="lt1"/>
+          </a:fontRef>
+        </p:style>
+        <p:txBody>
+          <a:bodyPr rtlCol="0" anchor="ctr"/>
+          <a:lstStyle/>
+          <a:p>
+            <a:pPr algn="ctr"/>
+            <a:r>
+              <a:rPr lang="en-US" altLang="zh-CN" sz="1600" dirty="0"/>
+              <a:t>GCMarkupLanguage</a:t>
+            </a:r>
+            <a:endParaRPr lang="zh-CN" altLang="en-US" sz="1600" dirty="0"/>
+          </a:p>
+        </p:txBody>
+      </p:sp>
+      <p:sp>
+        <p:nvSpPr>
+          <p:cNvPr id="6" name="流程图: 多文档 5"/>
+          <p:cNvSpPr/>
+          <p:nvPr/>
+        </p:nvSpPr>
+        <p:spPr>
+          <a:xfrm>
+            <a:off x="3059832" y="290919"/>
+            <a:ext cx="2160240" cy="1079051"/>
+          </a:xfrm>
+          <a:prstGeom prst="flowChartMultidocument">
+            <a:avLst/>
+          </a:prstGeom>
+        </p:spPr>
+        <p:style>
+          <a:lnRef idx="1">
+            <a:schemeClr val="accent4"/>
+          </a:lnRef>
+          <a:fillRef idx="3">
+            <a:schemeClr val="accent4"/>
+          </a:fillRef>
+          <a:effectRef idx="2">
+            <a:schemeClr val="accent4"/>
+          </a:effectRef>
+          <a:fontRef idx="minor">
+            <a:schemeClr val="lt1"/>
+          </a:fontRef>
+        </p:style>
+        <p:txBody>
+          <a:bodyPr rtlCol="0" anchor="ctr"/>
+          <a:lstStyle/>
+          <a:p>
+            <a:pPr algn="ctr"/>
+            <a:r>
+              <a:rPr lang="en-US" altLang="zh-CN" sz="1600" dirty="0"/>
+              <a:t>GCTabular</a:t>
+            </a:r>
+            <a:endParaRPr lang="zh-CN" altLang="en-US" sz="1600" dirty="0"/>
+          </a:p>
+        </p:txBody>
+      </p:sp>
+      <p:sp>
+        <p:nvSpPr>
+          <p:cNvPr id="7" name="右箭头 6"/>
+          <p:cNvSpPr/>
+          <p:nvPr/>
+        </p:nvSpPr>
+        <p:spPr>
+          <a:xfrm rot="20615388">
+            <a:off x="1723999" y="728270"/>
+            <a:ext cx="1225751" cy="560394"/>
+          </a:xfrm>
+          <a:prstGeom prst="rightArrow">
+            <a:avLst/>
+          </a:prstGeom>
+        </p:spPr>
+        <p:style>
+          <a:lnRef idx="1">
+            <a:schemeClr val="accent1"/>
+          </a:lnRef>
+          <a:fillRef idx="3">
+            <a:schemeClr val="accent1"/>
+          </a:fillRef>
+          <a:effectRef idx="2">
+            <a:schemeClr val="accent1"/>
+          </a:effectRef>
+          <a:fontRef idx="minor">
+            <a:schemeClr val="lt1"/>
+          </a:fontRef>
+        </p:style>
+        <p:txBody>
+          <a:bodyPr rtlCol="0" anchor="ctr"/>
+          <a:lstStyle/>
+          <a:p>
+            <a:pPr algn="ctr"/>
+            <a:endParaRPr lang="zh-CN" altLang="en-US"/>
+          </a:p>
+        </p:txBody>
+      </p:sp>
+      <p:sp>
+        <p:nvSpPr>
+          <p:cNvPr id="8" name="右箭头 7"/>
+          <p:cNvSpPr/>
+          <p:nvPr/>
+        </p:nvSpPr>
+        <p:spPr>
+          <a:xfrm rot="2730367">
+            <a:off x="1668254" y="1730370"/>
+            <a:ext cx="1433711" cy="560394"/>
+          </a:xfrm>
+          <a:prstGeom prst="rightArrow">
+            <a:avLst/>
+          </a:prstGeom>
+        </p:spPr>
+        <p:style>
+          <a:lnRef idx="1">
+            <a:schemeClr val="accent1"/>
+          </a:lnRef>
+          <a:fillRef idx="3">
+            <a:schemeClr val="accent1"/>
+          </a:fillRef>
+          <a:effectRef idx="2">
+            <a:schemeClr val="accent1"/>
+          </a:effectRef>
+          <a:fontRef idx="minor">
+            <a:schemeClr val="lt1"/>
+          </a:fontRef>
+        </p:style>
+        <p:txBody>
+          <a:bodyPr rtlCol="0" anchor="ctr"/>
+          <a:lstStyle/>
+          <a:p>
+            <a:pPr algn="ctr"/>
+            <a:endParaRPr lang="zh-CN" altLang="en-US"/>
+          </a:p>
+        </p:txBody>
+      </p:sp>
+      <p:sp>
+        <p:nvSpPr>
+          <p:cNvPr id="9" name="TextBox 8"/>
+          <p:cNvSpPr txBox="1"/>
+          <p:nvPr/>
+        </p:nvSpPr>
+        <p:spPr>
+          <a:xfrm>
+            <a:off x="996184" y="2393853"/>
+            <a:ext cx="1308371" cy="369332"/>
+          </a:xfrm>
+          <a:prstGeom prst="rect">
+            <a:avLst/>
+          </a:prstGeom>
+          <a:noFill/>
+        </p:spPr>
+        <p:txBody>
+          <a:bodyPr wrap="none" rtlCol="0">
+            <a:spAutoFit/>
+          </a:bodyPr>
+          <a:lstStyle/>
+          <a:p>
+            <a:r>
+              <a:rPr lang="en-US" altLang="zh-CN" dirty="0" smtClean="0"/>
+              <a:t>Build model</a:t>
+            </a:r>
+            <a:endParaRPr lang="zh-CN" altLang="en-US" dirty="0"/>
+          </a:p>
+        </p:txBody>
+      </p:sp>
+      <p:sp>
+        <p:nvSpPr>
+          <p:cNvPr id="10" name="圆柱形 9"/>
+          <p:cNvSpPr/>
+          <p:nvPr/>
+        </p:nvSpPr>
+        <p:spPr>
+          <a:xfrm>
+            <a:off x="323528" y="3022260"/>
+            <a:ext cx="1224136" cy="1414852"/>
+          </a:xfrm>
+          <a:prstGeom prst="can">
+            <a:avLst/>
+          </a:prstGeom>
+        </p:spPr>
+        <p:style>
+          <a:lnRef idx="1">
+            <a:schemeClr val="accent5"/>
+          </a:lnRef>
+          <a:fillRef idx="3">
+            <a:schemeClr val="accent5"/>
+          </a:fillRef>
+          <a:effectRef idx="2">
+            <a:schemeClr val="accent5"/>
+          </a:effectRef>
+          <a:fontRef idx="minor">
+            <a:schemeClr val="lt1"/>
+          </a:fontRef>
+        </p:style>
+        <p:txBody>
+          <a:bodyPr rtlCol="0" anchor="ctr"/>
+          <a:lstStyle/>
+          <a:p>
+            <a:pPr algn="ctr"/>
+            <a:r>
+              <a:rPr lang="en-US" altLang="zh-CN" dirty="0" smtClean="0"/>
+              <a:t>RegPrecise</a:t>
+            </a:r>
+            <a:endParaRPr lang="zh-CN" altLang="en-US" dirty="0"/>
+          </a:p>
+        </p:txBody>
+      </p:sp>
+      <p:sp>
+        <p:nvSpPr>
+          <p:cNvPr id="11" name="加号 10"/>
+          <p:cNvSpPr/>
+          <p:nvPr/>
+        </p:nvSpPr>
+        <p:spPr>
+          <a:xfrm>
+            <a:off x="290109" y="2132856"/>
+            <a:ext cx="792088" cy="796975"/>
+          </a:xfrm>
+          <a:prstGeom prst="mathPlus">
+            <a:avLst/>
+          </a:prstGeom>
+        </p:spPr>
+        <p:style>
+          <a:lnRef idx="1">
+            <a:schemeClr val="accent5"/>
+          </a:lnRef>
+          <a:fillRef idx="3">
+            <a:schemeClr val="accent5"/>
+          </a:fillRef>
+          <a:effectRef idx="2">
+            <a:schemeClr val="accent5"/>
+          </a:effectRef>
+          <a:fontRef idx="minor">
+            <a:schemeClr val="lt1"/>
+          </a:fontRef>
+        </p:style>
+        <p:txBody>
+          <a:bodyPr rtlCol="0" anchor="ctr"/>
+          <a:lstStyle/>
+          <a:p>
+            <a:pPr algn="ctr"/>
+            <a:endParaRPr lang="zh-CN" altLang="en-US"/>
+          </a:p>
+        </p:txBody>
+      </p:sp>
+      <p:graphicFrame>
+        <p:nvGraphicFramePr>
+          <p:cNvPr id="12" name="图示 11"/>
+          <p:cNvGraphicFramePr/>
+          <p:nvPr>
+            <p:extLst>
+              <p:ext uri="{D42A27DB-BD31-4B8C-83A1-F6EECF244321}">
+                <p14:modId xmlns:p14="http://schemas.microsoft.com/office/powerpoint/2010/main" val="696000948"/>
+              </p:ext>
+            </p:extLst>
+          </p:nvPr>
+        </p:nvGraphicFramePr>
+        <p:xfrm>
+          <a:off x="4283968" y="188640"/>
+          <a:ext cx="5349939" cy="3379924"/>
+        </p:xfrm>
+        <a:graphic>
+          <a:graphicData uri="http://schemas.openxmlformats.org/drawingml/2006/diagram">
+            <dgm:relIds xmlns:dgm="http://schemas.openxmlformats.org/drawingml/2006/diagram" xmlns:r="http://schemas.openxmlformats.org/officeDocument/2006/relationships" r:dm="rId2" r:lo="rId3" r:qs="rId4" r:cs="rId5"/>
+          </a:graphicData>
+        </a:graphic>
+      </p:graphicFrame>
+      <p:sp>
+        <p:nvSpPr>
+          <p:cNvPr id="13" name="下箭头 12"/>
+          <p:cNvSpPr/>
+          <p:nvPr/>
+        </p:nvSpPr>
+        <p:spPr>
+          <a:xfrm>
+            <a:off x="7380312" y="3747363"/>
+            <a:ext cx="656980" cy="1121184"/>
+          </a:xfrm>
+          <a:prstGeom prst="downArrow">
+            <a:avLst/>
+          </a:prstGeom>
+        </p:spPr>
+        <p:style>
+          <a:lnRef idx="1">
+            <a:schemeClr val="accent1"/>
+          </a:lnRef>
+          <a:fillRef idx="3">
+            <a:schemeClr val="accent1"/>
+          </a:fillRef>
+          <a:effectRef idx="2">
+            <a:schemeClr val="accent1"/>
+          </a:effectRef>
+          <a:fontRef idx="minor">
+            <a:schemeClr val="lt1"/>
+          </a:fontRef>
+        </p:style>
+        <p:txBody>
+          <a:bodyPr rtlCol="0" anchor="ctr"/>
+          <a:lstStyle/>
+          <a:p>
+            <a:pPr algn="ctr"/>
+            <a:endParaRPr lang="zh-CN" altLang="en-US"/>
+          </a:p>
+        </p:txBody>
+      </p:sp>
+    </p:spTree>
+    <p:extLst>
+      <p:ext uri="{BB962C8B-B14F-4D97-AF65-F5344CB8AC3E}">
+        <p14:creationId xmlns:p14="http://schemas.microsoft.com/office/powerpoint/2010/main" val="2830245770"/>
+      </p:ext>
+    </p:extLst>
+  </p:cSld>
+  <p:clrMapOvr>
+    <a:masterClrMapping/>
+  </p:clrMapOvr>
+</p:sld>
 </file>
 
 <file path=ppt/theme/theme1.xml><?xml version="1.0" encoding="utf-8"?>

--- a/src/GCModeller/engine/docs/workflow.pptx
+++ b/src/GCModeller/engine/docs/workflow.pptx
@@ -107,6 +107,265 @@
 </p:presentation>
 </file>
 
+<file path=ppt/charts/chart1.xml><?xml version="1.0" encoding="utf-8"?>
+<c:chartSpace xmlns:c="http://schemas.openxmlformats.org/drawingml/2006/chart" xmlns:a="http://schemas.openxmlformats.org/drawingml/2006/main" xmlns:r="http://schemas.openxmlformats.org/officeDocument/2006/relationships">
+  <c:date1904 val="0"/>
+  <c:lang val="zh-CN"/>
+  <c:roundedCorners val="0"/>
+  <mc:AlternateContent xmlns:mc="http://schemas.openxmlformats.org/markup-compatibility/2006">
+    <mc:Choice xmlns:c14="http://schemas.microsoft.com/office/drawing/2007/8/2/chart" Requires="c14">
+      <c14:style val="118"/>
+    </mc:Choice>
+    <mc:Fallback>
+      <c:style val="18"/>
+    </mc:Fallback>
+  </mc:AlternateContent>
+  <c:chart>
+    <c:autoTitleDeleted val="1"/>
+    <c:plotArea>
+      <c:layout/>
+      <c:lineChart>
+        <c:grouping val="standard"/>
+        <c:varyColors val="0"/>
+        <c:ser>
+          <c:idx val="0"/>
+          <c:order val="0"/>
+          <c:tx>
+            <c:strRef>
+              <c:f>Sheet1!$B$1</c:f>
+              <c:strCache>
+                <c:ptCount val="1"/>
+                <c:pt idx="0">
+                  <c:v>系列 1</c:v>
+                </c:pt>
+              </c:strCache>
+            </c:strRef>
+          </c:tx>
+          <c:cat>
+            <c:strRef>
+              <c:f>Sheet1!$A$2:$A$5</c:f>
+              <c:strCache>
+                <c:ptCount val="4"/>
+                <c:pt idx="0">
+                  <c:v>类别 1</c:v>
+                </c:pt>
+                <c:pt idx="1">
+                  <c:v>类别 2</c:v>
+                </c:pt>
+                <c:pt idx="2">
+                  <c:v>类别 3</c:v>
+                </c:pt>
+                <c:pt idx="3">
+                  <c:v>类别 4</c:v>
+                </c:pt>
+              </c:strCache>
+            </c:strRef>
+          </c:cat>
+          <c:val>
+            <c:numRef>
+              <c:f>Sheet1!$B$2:$B$5</c:f>
+              <c:numCache>
+                <c:formatCode>General</c:formatCode>
+                <c:ptCount val="4"/>
+                <c:pt idx="0">
+                  <c:v>4.3</c:v>
+                </c:pt>
+                <c:pt idx="1">
+                  <c:v>2.5</c:v>
+                </c:pt>
+                <c:pt idx="2">
+                  <c:v>3.5</c:v>
+                </c:pt>
+                <c:pt idx="3">
+                  <c:v>4.5</c:v>
+                </c:pt>
+              </c:numCache>
+            </c:numRef>
+          </c:val>
+          <c:smooth val="0"/>
+        </c:ser>
+        <c:ser>
+          <c:idx val="1"/>
+          <c:order val="1"/>
+          <c:tx>
+            <c:strRef>
+              <c:f>Sheet1!$C$1</c:f>
+              <c:strCache>
+                <c:ptCount val="1"/>
+                <c:pt idx="0">
+                  <c:v>系列 2</c:v>
+                </c:pt>
+              </c:strCache>
+            </c:strRef>
+          </c:tx>
+          <c:cat>
+            <c:strRef>
+              <c:f>Sheet1!$A$2:$A$5</c:f>
+              <c:strCache>
+                <c:ptCount val="4"/>
+                <c:pt idx="0">
+                  <c:v>类别 1</c:v>
+                </c:pt>
+                <c:pt idx="1">
+                  <c:v>类别 2</c:v>
+                </c:pt>
+                <c:pt idx="2">
+                  <c:v>类别 3</c:v>
+                </c:pt>
+                <c:pt idx="3">
+                  <c:v>类别 4</c:v>
+                </c:pt>
+              </c:strCache>
+            </c:strRef>
+          </c:cat>
+          <c:val>
+            <c:numRef>
+              <c:f>Sheet1!$C$2:$C$5</c:f>
+              <c:numCache>
+                <c:formatCode>General</c:formatCode>
+                <c:ptCount val="4"/>
+                <c:pt idx="0">
+                  <c:v>2.4</c:v>
+                </c:pt>
+                <c:pt idx="1">
+                  <c:v>4.4000000000000004</c:v>
+                </c:pt>
+                <c:pt idx="2">
+                  <c:v>1.8</c:v>
+                </c:pt>
+                <c:pt idx="3">
+                  <c:v>2.8</c:v>
+                </c:pt>
+              </c:numCache>
+            </c:numRef>
+          </c:val>
+          <c:smooth val="0"/>
+        </c:ser>
+        <c:ser>
+          <c:idx val="2"/>
+          <c:order val="2"/>
+          <c:tx>
+            <c:strRef>
+              <c:f>Sheet1!$D$1</c:f>
+              <c:strCache>
+                <c:ptCount val="1"/>
+                <c:pt idx="0">
+                  <c:v>系列 3</c:v>
+                </c:pt>
+              </c:strCache>
+            </c:strRef>
+          </c:tx>
+          <c:cat>
+            <c:strRef>
+              <c:f>Sheet1!$A$2:$A$5</c:f>
+              <c:strCache>
+                <c:ptCount val="4"/>
+                <c:pt idx="0">
+                  <c:v>类别 1</c:v>
+                </c:pt>
+                <c:pt idx="1">
+                  <c:v>类别 2</c:v>
+                </c:pt>
+                <c:pt idx="2">
+                  <c:v>类别 3</c:v>
+                </c:pt>
+                <c:pt idx="3">
+                  <c:v>类别 4</c:v>
+                </c:pt>
+              </c:strCache>
+            </c:strRef>
+          </c:cat>
+          <c:val>
+            <c:numRef>
+              <c:f>Sheet1!$D$2:$D$5</c:f>
+              <c:numCache>
+                <c:formatCode>General</c:formatCode>
+                <c:ptCount val="4"/>
+                <c:pt idx="0">
+                  <c:v>2</c:v>
+                </c:pt>
+                <c:pt idx="1">
+                  <c:v>2</c:v>
+                </c:pt>
+                <c:pt idx="2">
+                  <c:v>3</c:v>
+                </c:pt>
+                <c:pt idx="3">
+                  <c:v>5</c:v>
+                </c:pt>
+              </c:numCache>
+            </c:numRef>
+          </c:val>
+          <c:smooth val="0"/>
+        </c:ser>
+        <c:dLbls>
+          <c:dLblPos val="ctr"/>
+          <c:showLegendKey val="0"/>
+          <c:showVal val="0"/>
+          <c:showCatName val="0"/>
+          <c:showSerName val="0"/>
+          <c:showPercent val="0"/>
+          <c:showBubbleSize val="0"/>
+        </c:dLbls>
+        <c:marker val="1"/>
+        <c:smooth val="0"/>
+        <c:axId val="86259200"/>
+        <c:axId val="86260736"/>
+      </c:lineChart>
+      <c:catAx>
+        <c:axId val="86259200"/>
+        <c:scaling>
+          <c:orientation val="minMax"/>
+        </c:scaling>
+        <c:delete val="1"/>
+        <c:axPos val="b"/>
+        <c:majorTickMark val="out"/>
+        <c:minorTickMark val="none"/>
+        <c:tickLblPos val="nextTo"/>
+        <c:crossAx val="86260736"/>
+        <c:crosses val="autoZero"/>
+        <c:auto val="1"/>
+        <c:lblAlgn val="ctr"/>
+        <c:lblOffset val="100"/>
+        <c:noMultiLvlLbl val="0"/>
+      </c:catAx>
+      <c:valAx>
+        <c:axId val="86260736"/>
+        <c:scaling>
+          <c:orientation val="minMax"/>
+        </c:scaling>
+        <c:delete val="0"/>
+        <c:axPos val="l"/>
+        <c:majorGridlines/>
+        <c:numFmt formatCode="General" sourceLinked="1"/>
+        <c:majorTickMark val="out"/>
+        <c:minorTickMark val="none"/>
+        <c:tickLblPos val="nextTo"/>
+        <c:crossAx val="86259200"/>
+        <c:crosses val="autoZero"/>
+        <c:crossBetween val="between"/>
+      </c:valAx>
+    </c:plotArea>
+    <c:plotVisOnly val="1"/>
+    <c:dispBlanksAs val="gap"/>
+    <c:showDLblsOverMax val="0"/>
+  </c:chart>
+  <c:txPr>
+    <a:bodyPr/>
+    <a:lstStyle/>
+    <a:p>
+      <a:pPr>
+        <a:defRPr sz="1800"/>
+      </a:pPr>
+      <a:endParaRPr lang="zh-CN"/>
+    </a:p>
+  </c:txPr>
+  <c:externalData r:id="rId1">
+    <c:autoUpdate val="0"/>
+  </c:externalData>
+</c:chartSpace>
+</file>
+
 <file path=ppt/diagrams/colors1.xml><?xml version="1.0" encoding="utf-8"?>
 <dgm:colorsDef xmlns:dgm="http://schemas.openxmlformats.org/drawingml/2006/diagram" xmlns:a="http://schemas.openxmlformats.org/drawingml/2006/main" uniqueId="urn:microsoft.com/office/officeart/2005/8/colors/accent1_2">
   <dgm:title val=""/>
@@ -905,7 +1164,7 @@
         <a:bodyPr/>
         <a:lstStyle/>
         <a:p>
-          <a:endParaRPr lang="zh-CN" altLang="en-US"/>
+          <a:endParaRPr lang="zh-CN" altLang="en-US" dirty="0"/>
         </a:p>
       </dgm:t>
     </dgm:pt>
@@ -982,14 +1241,35 @@
         </dgm:presLayoutVars>
       </dgm:prSet>
       <dgm:spPr/>
+      <dgm:t>
+        <a:bodyPr/>
+        <a:lstStyle/>
+        <a:p>
+          <a:endParaRPr lang="zh-CN" altLang="en-US"/>
+        </a:p>
+      </dgm:t>
     </dgm:pt>
     <dgm:pt modelId="{39DDABE7-A49C-46BC-B73C-E5FF411B9731}" type="pres">
       <dgm:prSet presAssocID="{D7B649F2-8378-47E6-A9D8-DD31959033C9}" presName="gear1srcNode" presStyleLbl="node1" presStyleIdx="0" presStyleCnt="3"/>
       <dgm:spPr/>
+      <dgm:t>
+        <a:bodyPr/>
+        <a:lstStyle/>
+        <a:p>
+          <a:endParaRPr lang="zh-CN" altLang="en-US"/>
+        </a:p>
+      </dgm:t>
     </dgm:pt>
     <dgm:pt modelId="{8A4F96FE-E6D4-47D5-B9FF-A27CC787A6B1}" type="pres">
       <dgm:prSet presAssocID="{D7B649F2-8378-47E6-A9D8-DD31959033C9}" presName="gear1dstNode" presStyleLbl="node1" presStyleIdx="0" presStyleCnt="3"/>
       <dgm:spPr/>
+      <dgm:t>
+        <a:bodyPr/>
+        <a:lstStyle/>
+        <a:p>
+          <a:endParaRPr lang="zh-CN" altLang="en-US"/>
+        </a:p>
+      </dgm:t>
     </dgm:pt>
     <dgm:pt modelId="{01E522F8-1614-4371-8917-C2FA08E70C51}" type="pres">
       <dgm:prSet presAssocID="{6FCAD859-3C04-4F6C-BDA1-0E59AE7CAC44}" presName="gear2" presStyleLbl="node1" presStyleIdx="1" presStyleCnt="3">
@@ -999,18 +1279,46 @@
         </dgm:presLayoutVars>
       </dgm:prSet>
       <dgm:spPr/>
+      <dgm:t>
+        <a:bodyPr/>
+        <a:lstStyle/>
+        <a:p>
+          <a:endParaRPr lang="zh-CN" altLang="en-US"/>
+        </a:p>
+      </dgm:t>
     </dgm:pt>
     <dgm:pt modelId="{9D74E6FB-BB0D-457F-AE0C-A87627BF0B20}" type="pres">
       <dgm:prSet presAssocID="{6FCAD859-3C04-4F6C-BDA1-0E59AE7CAC44}" presName="gear2srcNode" presStyleLbl="node1" presStyleIdx="1" presStyleCnt="3"/>
       <dgm:spPr/>
+      <dgm:t>
+        <a:bodyPr/>
+        <a:lstStyle/>
+        <a:p>
+          <a:endParaRPr lang="zh-CN" altLang="en-US"/>
+        </a:p>
+      </dgm:t>
     </dgm:pt>
     <dgm:pt modelId="{26F00889-AF9B-4BE4-AE99-5C3B06CD92A2}" type="pres">
       <dgm:prSet presAssocID="{6FCAD859-3C04-4F6C-BDA1-0E59AE7CAC44}" presName="gear2dstNode" presStyleLbl="node1" presStyleIdx="1" presStyleCnt="3"/>
       <dgm:spPr/>
+      <dgm:t>
+        <a:bodyPr/>
+        <a:lstStyle/>
+        <a:p>
+          <a:endParaRPr lang="zh-CN" altLang="en-US"/>
+        </a:p>
+      </dgm:t>
     </dgm:pt>
     <dgm:pt modelId="{9B67B6B7-4433-4529-83E3-ADDC080DEEED}" type="pres">
       <dgm:prSet presAssocID="{3D52C528-695A-401E-8D40-17DCF899F0EF}" presName="gear3" presStyleLbl="node1" presStyleIdx="2" presStyleCnt="3"/>
       <dgm:spPr/>
+      <dgm:t>
+        <a:bodyPr/>
+        <a:lstStyle/>
+        <a:p>
+          <a:endParaRPr lang="zh-CN" altLang="en-US"/>
+        </a:p>
+      </dgm:t>
     </dgm:pt>
     <dgm:pt modelId="{6A20D547-D17F-4981-BA45-73D9C8D10026}" type="pres">
       <dgm:prSet presAssocID="{3D52C528-695A-401E-8D40-17DCF899F0EF}" presName="gear3tx" presStyleLbl="node1" presStyleIdx="2" presStyleCnt="3">
@@ -1020,26 +1328,68 @@
         </dgm:presLayoutVars>
       </dgm:prSet>
       <dgm:spPr/>
+      <dgm:t>
+        <a:bodyPr/>
+        <a:lstStyle/>
+        <a:p>
+          <a:endParaRPr lang="zh-CN" altLang="en-US"/>
+        </a:p>
+      </dgm:t>
     </dgm:pt>
     <dgm:pt modelId="{9709038A-2239-4E55-B725-833B5006024B}" type="pres">
       <dgm:prSet presAssocID="{3D52C528-695A-401E-8D40-17DCF899F0EF}" presName="gear3srcNode" presStyleLbl="node1" presStyleIdx="2" presStyleCnt="3"/>
       <dgm:spPr/>
+      <dgm:t>
+        <a:bodyPr/>
+        <a:lstStyle/>
+        <a:p>
+          <a:endParaRPr lang="zh-CN" altLang="en-US"/>
+        </a:p>
+      </dgm:t>
     </dgm:pt>
     <dgm:pt modelId="{F41B61EA-5B78-4A2A-8E14-B303204461EB}" type="pres">
       <dgm:prSet presAssocID="{3D52C528-695A-401E-8D40-17DCF899F0EF}" presName="gear3dstNode" presStyleLbl="node1" presStyleIdx="2" presStyleCnt="3"/>
       <dgm:spPr/>
+      <dgm:t>
+        <a:bodyPr/>
+        <a:lstStyle/>
+        <a:p>
+          <a:endParaRPr lang="zh-CN" altLang="en-US"/>
+        </a:p>
+      </dgm:t>
     </dgm:pt>
     <dgm:pt modelId="{A62D8777-3F36-4BA1-9BC5-8B8F940762D8}" type="pres">
       <dgm:prSet presAssocID="{6430739F-F6A0-4039-8437-A3BC162D970A}" presName="connector1" presStyleLbl="sibTrans2D1" presStyleIdx="0" presStyleCnt="3"/>
       <dgm:spPr/>
+      <dgm:t>
+        <a:bodyPr/>
+        <a:lstStyle/>
+        <a:p>
+          <a:endParaRPr lang="zh-CN" altLang="en-US"/>
+        </a:p>
+      </dgm:t>
     </dgm:pt>
     <dgm:pt modelId="{07C991A4-407F-4A17-A1DB-D8427B1BAC27}" type="pres">
       <dgm:prSet presAssocID="{C2ED0C1F-E7F8-4EAB-9609-2BF403F8E4DA}" presName="connector2" presStyleLbl="sibTrans2D1" presStyleIdx="1" presStyleCnt="3"/>
       <dgm:spPr/>
+      <dgm:t>
+        <a:bodyPr/>
+        <a:lstStyle/>
+        <a:p>
+          <a:endParaRPr lang="zh-CN" altLang="en-US"/>
+        </a:p>
+      </dgm:t>
     </dgm:pt>
     <dgm:pt modelId="{3DC58179-06A7-4978-91BF-9F43B0A94AA5}" type="pres">
       <dgm:prSet presAssocID="{8A13E864-A3B8-40E8-B530-F80D33619F05}" presName="connector3" presStyleLbl="sibTrans2D1" presStyleIdx="2" presStyleCnt="3"/>
       <dgm:spPr/>
+      <dgm:t>
+        <a:bodyPr/>
+        <a:lstStyle/>
+        <a:p>
+          <a:endParaRPr lang="zh-CN" altLang="en-US"/>
+        </a:p>
+      </dgm:t>
     </dgm:pt>
   </dgm:ptLst>
   <dgm:cxnLst>
@@ -1049,8 +1399,8 @@
     <dgm:cxn modelId="{4991DC46-6A1F-4B5B-848F-501959557810}" type="presOf" srcId="{D7B649F2-8378-47E6-A9D8-DD31959033C9}" destId="{8A4F96FE-E6D4-47D5-B9FF-A27CC787A6B1}" srcOrd="2" destOrd="0" presId="urn:microsoft.com/office/officeart/2005/8/layout/gear1"/>
     <dgm:cxn modelId="{ED1CB6E3-6F83-4D91-A4CC-EA1E4EFF0006}" type="presOf" srcId="{3D52C528-695A-401E-8D40-17DCF899F0EF}" destId="{9B67B6B7-4433-4529-83E3-ADDC080DEEED}" srcOrd="0" destOrd="0" presId="urn:microsoft.com/office/officeart/2005/8/layout/gear1"/>
     <dgm:cxn modelId="{79E9B777-D5DA-48A6-BC69-72B2C1D1F11D}" type="presOf" srcId="{3D52C528-695A-401E-8D40-17DCF899F0EF}" destId="{6A20D547-D17F-4981-BA45-73D9C8D10026}" srcOrd="1" destOrd="0" presId="urn:microsoft.com/office/officeart/2005/8/layout/gear1"/>
+    <dgm:cxn modelId="{A1E48F50-699C-4CB3-BCB9-F1727DDE7D56}" type="presOf" srcId="{2A13A74B-3207-41F2-A7F9-918920AF009A}" destId="{8B450953-7138-49FE-B7D7-7A75131F8BDB}" srcOrd="0" destOrd="0" presId="urn:microsoft.com/office/officeart/2005/8/layout/gear1"/>
     <dgm:cxn modelId="{318360A6-2715-4AF7-BBE3-3C71026746B1}" srcId="{2A13A74B-3207-41F2-A7F9-918920AF009A}" destId="{3D52C528-695A-401E-8D40-17DCF899F0EF}" srcOrd="2" destOrd="0" parTransId="{E61A879E-7F00-4D2F-9D49-AA4A273997EA}" sibTransId="{8A13E864-A3B8-40E8-B530-F80D33619F05}"/>
-    <dgm:cxn modelId="{A1E48F50-699C-4CB3-BCB9-F1727DDE7D56}" type="presOf" srcId="{2A13A74B-3207-41F2-A7F9-918920AF009A}" destId="{8B450953-7138-49FE-B7D7-7A75131F8BDB}" srcOrd="0" destOrd="0" presId="urn:microsoft.com/office/officeart/2005/8/layout/gear1"/>
     <dgm:cxn modelId="{34FD8A2D-918B-4D50-9276-E17D18BD49DD}" type="presOf" srcId="{6FCAD859-3C04-4F6C-BDA1-0E59AE7CAC44}" destId="{01E522F8-1614-4371-8917-C2FA08E70C51}" srcOrd="0" destOrd="0" presId="urn:microsoft.com/office/officeart/2005/8/layout/gear1"/>
     <dgm:cxn modelId="{01B3AB2B-65B4-4A9C-A3FA-861A7FA830B3}" type="presOf" srcId="{3D52C528-695A-401E-8D40-17DCF899F0EF}" destId="{9709038A-2239-4E55-B725-833B5006024B}" srcOrd="2" destOrd="0" presId="urn:microsoft.com/office/officeart/2005/8/layout/gear1"/>
     <dgm:cxn modelId="{D66239D1-D9B0-41B9-BBEB-69B8C386CA24}" type="presOf" srcId="{8A13E864-A3B8-40E8-B530-F80D33619F05}" destId="{3DC58179-06A7-4978-91BF-9F43B0A94AA5}" srcOrd="0" destOrd="0" presId="urn:microsoft.com/office/officeart/2005/8/layout/gear1"/>
@@ -1298,7 +1648,7 @@
               <a:spcPct val="35000"/>
             </a:spcAft>
           </a:pPr>
-          <a:endParaRPr lang="zh-CN" altLang="en-US" sz="2100" kern="1200"/>
+          <a:endParaRPr lang="zh-CN" altLang="en-US" sz="2100" kern="1200" dirty="0"/>
         </a:p>
       </dsp:txBody>
       <dsp:txXfrm>
@@ -3378,7 +3728,7 @@
           <a:p>
             <a:fld id="{530820CF-B880-4189-942D-D702A7CBA730}" type="datetimeFigureOut">
               <a:rPr lang="zh-CN" altLang="en-US" smtClean="0"/>
-              <a:t>2018/9/25</a:t>
+              <a:t>2018/9/27</a:t>
             </a:fld>
             <a:endParaRPr lang="zh-CN" altLang="en-US"/>
           </a:p>
@@ -3543,7 +3893,7 @@
           <a:p>
             <a:fld id="{530820CF-B880-4189-942D-D702A7CBA730}" type="datetimeFigureOut">
               <a:rPr lang="zh-CN" altLang="en-US" smtClean="0"/>
-              <a:t>2018/9/25</a:t>
+              <a:t>2018/9/27</a:t>
             </a:fld>
             <a:endParaRPr lang="zh-CN" altLang="en-US"/>
           </a:p>
@@ -3718,7 +4068,7 @@
           <a:p>
             <a:fld id="{530820CF-B880-4189-942D-D702A7CBA730}" type="datetimeFigureOut">
               <a:rPr lang="zh-CN" altLang="en-US" smtClean="0"/>
-              <a:t>2018/9/25</a:t>
+              <a:t>2018/9/27</a:t>
             </a:fld>
             <a:endParaRPr lang="zh-CN" altLang="en-US"/>
           </a:p>
@@ -3883,7 +4233,7 @@
           <a:p>
             <a:fld id="{530820CF-B880-4189-942D-D702A7CBA730}" type="datetimeFigureOut">
               <a:rPr lang="zh-CN" altLang="en-US" smtClean="0"/>
-              <a:t>2018/9/25</a:t>
+              <a:t>2018/9/27</a:t>
             </a:fld>
             <a:endParaRPr lang="zh-CN" altLang="en-US"/>
           </a:p>
@@ -4124,7 +4474,7 @@
           <a:p>
             <a:fld id="{530820CF-B880-4189-942D-D702A7CBA730}" type="datetimeFigureOut">
               <a:rPr lang="zh-CN" altLang="en-US" smtClean="0"/>
-              <a:t>2018/9/25</a:t>
+              <a:t>2018/9/27</a:t>
             </a:fld>
             <a:endParaRPr lang="zh-CN" altLang="en-US"/>
           </a:p>
@@ -4407,7 +4757,7 @@
           <a:p>
             <a:fld id="{530820CF-B880-4189-942D-D702A7CBA730}" type="datetimeFigureOut">
               <a:rPr lang="zh-CN" altLang="en-US" smtClean="0"/>
-              <a:t>2018/9/25</a:t>
+              <a:t>2018/9/27</a:t>
             </a:fld>
             <a:endParaRPr lang="zh-CN" altLang="en-US"/>
           </a:p>
@@ -4824,7 +5174,7 @@
           <a:p>
             <a:fld id="{530820CF-B880-4189-942D-D702A7CBA730}" type="datetimeFigureOut">
               <a:rPr lang="zh-CN" altLang="en-US" smtClean="0"/>
-              <a:t>2018/9/25</a:t>
+              <a:t>2018/9/27</a:t>
             </a:fld>
             <a:endParaRPr lang="zh-CN" altLang="en-US"/>
           </a:p>
@@ -4937,7 +5287,7 @@
           <a:p>
             <a:fld id="{530820CF-B880-4189-942D-D702A7CBA730}" type="datetimeFigureOut">
               <a:rPr lang="zh-CN" altLang="en-US" smtClean="0"/>
-              <a:t>2018/9/25</a:t>
+              <a:t>2018/9/27</a:t>
             </a:fld>
             <a:endParaRPr lang="zh-CN" altLang="en-US"/>
           </a:p>
@@ -5027,7 +5377,7 @@
           <a:p>
             <a:fld id="{530820CF-B880-4189-942D-D702A7CBA730}" type="datetimeFigureOut">
               <a:rPr lang="zh-CN" altLang="en-US" smtClean="0"/>
-              <a:t>2018/9/25</a:t>
+              <a:t>2018/9/27</a:t>
             </a:fld>
             <a:endParaRPr lang="zh-CN" altLang="en-US"/>
           </a:p>
@@ -5299,7 +5649,7 @@
           <a:p>
             <a:fld id="{530820CF-B880-4189-942D-D702A7CBA730}" type="datetimeFigureOut">
               <a:rPr lang="zh-CN" altLang="en-US" smtClean="0"/>
-              <a:t>2018/9/25</a:t>
+              <a:t>2018/9/27</a:t>
             </a:fld>
             <a:endParaRPr lang="zh-CN" altLang="en-US"/>
           </a:p>
@@ -5547,7 +5897,7 @@
           <a:p>
             <a:fld id="{530820CF-B880-4189-942D-D702A7CBA730}" type="datetimeFigureOut">
               <a:rPr lang="zh-CN" altLang="en-US" smtClean="0"/>
-              <a:t>2018/9/25</a:t>
+              <a:t>2018/9/27</a:t>
             </a:fld>
             <a:endParaRPr lang="zh-CN" altLang="en-US"/>
           </a:p>
@@ -5755,7 +6105,7 @@
           <a:p>
             <a:fld id="{530820CF-B880-4189-942D-D702A7CBA730}" type="datetimeFigureOut">
               <a:rPr lang="zh-CN" altLang="en-US" smtClean="0"/>
-              <a:t>2018/9/25</a:t>
+              <a:t>2018/9/27</a:t>
             </a:fld>
             <a:endParaRPr lang="zh-CN" altLang="en-US"/>
           </a:p>
@@ -6125,378 +6475,555 @@
           <a:chExt cx="0" cy="0"/>
         </a:xfrm>
       </p:grpSpPr>
-      <p:sp>
-        <p:nvSpPr>
-          <p:cNvPr id="4" name="圆柱形 3"/>
-          <p:cNvSpPr/>
+      <p:grpSp>
+        <p:nvGrpSpPr>
+          <p:cNvPr id="17" name="组合 16"/>
+          <p:cNvGrpSpPr/>
           <p:nvPr/>
-        </p:nvSpPr>
-        <p:spPr>
+        </p:nvGrpSpPr>
+        <p:grpSpPr>
           <a:xfrm>
-            <a:off x="323528" y="463104"/>
-            <a:ext cx="1224136" cy="1584176"/>
+            <a:off x="290109" y="188640"/>
+            <a:ext cx="9343798" cy="6575660"/>
+            <a:chOff x="290109" y="188640"/>
+            <a:chExt cx="9343798" cy="6575660"/>
           </a:xfrm>
-          <a:prstGeom prst="can">
-            <a:avLst/>
-          </a:prstGeom>
-        </p:spPr>
-        <p:style>
-          <a:lnRef idx="1">
-            <a:schemeClr val="accent3"/>
-          </a:lnRef>
-          <a:fillRef idx="3">
-            <a:schemeClr val="accent3"/>
-          </a:fillRef>
-          <a:effectRef idx="2">
-            <a:schemeClr val="accent3"/>
-          </a:effectRef>
-          <a:fontRef idx="minor">
-            <a:schemeClr val="lt1"/>
-          </a:fontRef>
-        </p:style>
-        <p:txBody>
-          <a:bodyPr rtlCol="0" anchor="ctr"/>
-          <a:lstStyle/>
-          <a:p>
-            <a:pPr algn="ctr"/>
-            <a:r>
-              <a:rPr lang="en-US" altLang="zh-CN" dirty="0" smtClean="0"/>
-              <a:t>SBML</a:t>
-            </a:r>
-            <a:endParaRPr lang="zh-CN" altLang="en-US" dirty="0"/>
-          </a:p>
-        </p:txBody>
-      </p:sp>
-      <p:sp>
-        <p:nvSpPr>
-          <p:cNvPr id="5" name="流程图: 多文档 4"/>
-          <p:cNvSpPr/>
-          <p:nvPr/>
-        </p:nvSpPr>
-        <p:spPr>
-          <a:xfrm>
-            <a:off x="3059832" y="1598272"/>
-            <a:ext cx="2160240" cy="1164913"/>
-          </a:xfrm>
-          <a:prstGeom prst="flowChartMultidocument">
-            <a:avLst/>
-          </a:prstGeom>
-        </p:spPr>
-        <p:style>
-          <a:lnRef idx="1">
-            <a:schemeClr val="accent4"/>
-          </a:lnRef>
-          <a:fillRef idx="3">
-            <a:schemeClr val="accent4"/>
-          </a:fillRef>
-          <a:effectRef idx="2">
-            <a:schemeClr val="accent4"/>
-          </a:effectRef>
-          <a:fontRef idx="minor">
-            <a:schemeClr val="lt1"/>
-          </a:fontRef>
-        </p:style>
-        <p:txBody>
-          <a:bodyPr rtlCol="0" anchor="ctr"/>
-          <a:lstStyle/>
-          <a:p>
-            <a:pPr algn="ctr"/>
-            <a:r>
-              <a:rPr lang="en-US" altLang="zh-CN" sz="1600" dirty="0"/>
-              <a:t>GCMarkupLanguage</a:t>
-            </a:r>
-            <a:endParaRPr lang="zh-CN" altLang="en-US" sz="1600" dirty="0"/>
-          </a:p>
-        </p:txBody>
-      </p:sp>
-      <p:sp>
-        <p:nvSpPr>
-          <p:cNvPr id="6" name="流程图: 多文档 5"/>
-          <p:cNvSpPr/>
-          <p:nvPr/>
-        </p:nvSpPr>
-        <p:spPr>
-          <a:xfrm>
-            <a:off x="3059832" y="290919"/>
-            <a:ext cx="2160240" cy="1079051"/>
-          </a:xfrm>
-          <a:prstGeom prst="flowChartMultidocument">
-            <a:avLst/>
-          </a:prstGeom>
-        </p:spPr>
-        <p:style>
-          <a:lnRef idx="1">
-            <a:schemeClr val="accent4"/>
-          </a:lnRef>
-          <a:fillRef idx="3">
-            <a:schemeClr val="accent4"/>
-          </a:fillRef>
-          <a:effectRef idx="2">
-            <a:schemeClr val="accent4"/>
-          </a:effectRef>
-          <a:fontRef idx="minor">
-            <a:schemeClr val="lt1"/>
-          </a:fontRef>
-        </p:style>
-        <p:txBody>
-          <a:bodyPr rtlCol="0" anchor="ctr"/>
-          <a:lstStyle/>
-          <a:p>
-            <a:pPr algn="ctr"/>
-            <a:r>
-              <a:rPr lang="en-US" altLang="zh-CN" sz="1600" dirty="0"/>
-              <a:t>GCTabular</a:t>
-            </a:r>
-            <a:endParaRPr lang="zh-CN" altLang="en-US" sz="1600" dirty="0"/>
-          </a:p>
-        </p:txBody>
-      </p:sp>
-      <p:sp>
-        <p:nvSpPr>
-          <p:cNvPr id="7" name="右箭头 6"/>
-          <p:cNvSpPr/>
-          <p:nvPr/>
-        </p:nvSpPr>
-        <p:spPr>
-          <a:xfrm rot="20615388">
-            <a:off x="1723999" y="728270"/>
-            <a:ext cx="1225751" cy="560394"/>
-          </a:xfrm>
-          <a:prstGeom prst="rightArrow">
-            <a:avLst/>
-          </a:prstGeom>
-        </p:spPr>
-        <p:style>
-          <a:lnRef idx="1">
-            <a:schemeClr val="accent1"/>
-          </a:lnRef>
-          <a:fillRef idx="3">
-            <a:schemeClr val="accent1"/>
-          </a:fillRef>
-          <a:effectRef idx="2">
-            <a:schemeClr val="accent1"/>
-          </a:effectRef>
-          <a:fontRef idx="minor">
-            <a:schemeClr val="lt1"/>
-          </a:fontRef>
-        </p:style>
-        <p:txBody>
-          <a:bodyPr rtlCol="0" anchor="ctr"/>
-          <a:lstStyle/>
-          <a:p>
-            <a:pPr algn="ctr"/>
-            <a:endParaRPr lang="zh-CN" altLang="en-US"/>
-          </a:p>
-        </p:txBody>
-      </p:sp>
-      <p:sp>
-        <p:nvSpPr>
-          <p:cNvPr id="8" name="右箭头 7"/>
-          <p:cNvSpPr/>
-          <p:nvPr/>
-        </p:nvSpPr>
-        <p:spPr>
-          <a:xfrm rot="2730367">
-            <a:off x="1668254" y="1730370"/>
-            <a:ext cx="1433711" cy="560394"/>
-          </a:xfrm>
-          <a:prstGeom prst="rightArrow">
-            <a:avLst/>
-          </a:prstGeom>
-        </p:spPr>
-        <p:style>
-          <a:lnRef idx="1">
-            <a:schemeClr val="accent1"/>
-          </a:lnRef>
-          <a:fillRef idx="3">
-            <a:schemeClr val="accent1"/>
-          </a:fillRef>
-          <a:effectRef idx="2">
-            <a:schemeClr val="accent1"/>
-          </a:effectRef>
-          <a:fontRef idx="minor">
-            <a:schemeClr val="lt1"/>
-          </a:fontRef>
-        </p:style>
-        <p:txBody>
-          <a:bodyPr rtlCol="0" anchor="ctr"/>
-          <a:lstStyle/>
-          <a:p>
-            <a:pPr algn="ctr"/>
-            <a:endParaRPr lang="zh-CN" altLang="en-US"/>
-          </a:p>
-        </p:txBody>
-      </p:sp>
-      <p:sp>
-        <p:nvSpPr>
-          <p:cNvPr id="9" name="TextBox 8"/>
-          <p:cNvSpPr txBox="1"/>
-          <p:nvPr/>
-        </p:nvSpPr>
-        <p:spPr>
-          <a:xfrm>
-            <a:off x="996184" y="2393853"/>
-            <a:ext cx="1308371" cy="369332"/>
-          </a:xfrm>
-          <a:prstGeom prst="rect">
-            <a:avLst/>
-          </a:prstGeom>
-          <a:noFill/>
-        </p:spPr>
-        <p:txBody>
-          <a:bodyPr wrap="none" rtlCol="0">
-            <a:spAutoFit/>
-          </a:bodyPr>
-          <a:lstStyle/>
-          <a:p>
-            <a:r>
-              <a:rPr lang="en-US" altLang="zh-CN" dirty="0" smtClean="0"/>
-              <a:t>Build model</a:t>
-            </a:r>
-            <a:endParaRPr lang="zh-CN" altLang="en-US" dirty="0"/>
-          </a:p>
-        </p:txBody>
-      </p:sp>
-      <p:sp>
-        <p:nvSpPr>
-          <p:cNvPr id="10" name="圆柱形 9"/>
-          <p:cNvSpPr/>
-          <p:nvPr/>
-        </p:nvSpPr>
-        <p:spPr>
-          <a:xfrm>
-            <a:off x="323528" y="3022260"/>
-            <a:ext cx="1224136" cy="1414852"/>
-          </a:xfrm>
-          <a:prstGeom prst="can">
-            <a:avLst/>
-          </a:prstGeom>
-        </p:spPr>
-        <p:style>
-          <a:lnRef idx="1">
-            <a:schemeClr val="accent5"/>
-          </a:lnRef>
-          <a:fillRef idx="3">
-            <a:schemeClr val="accent5"/>
-          </a:fillRef>
-          <a:effectRef idx="2">
-            <a:schemeClr val="accent5"/>
-          </a:effectRef>
-          <a:fontRef idx="minor">
-            <a:schemeClr val="lt1"/>
-          </a:fontRef>
-        </p:style>
-        <p:txBody>
-          <a:bodyPr rtlCol="0" anchor="ctr"/>
-          <a:lstStyle/>
-          <a:p>
-            <a:pPr algn="ctr"/>
-            <a:r>
-              <a:rPr lang="en-US" altLang="zh-CN" dirty="0" smtClean="0"/>
-              <a:t>RegPrecise</a:t>
-            </a:r>
-            <a:endParaRPr lang="zh-CN" altLang="en-US" dirty="0"/>
-          </a:p>
-        </p:txBody>
-      </p:sp>
-      <p:sp>
-        <p:nvSpPr>
-          <p:cNvPr id="11" name="加号 10"/>
-          <p:cNvSpPr/>
-          <p:nvPr/>
-        </p:nvSpPr>
-        <p:spPr>
-          <a:xfrm>
-            <a:off x="290109" y="2132856"/>
-            <a:ext cx="792088" cy="796975"/>
-          </a:xfrm>
-          <a:prstGeom prst="mathPlus">
-            <a:avLst/>
-          </a:prstGeom>
-        </p:spPr>
-        <p:style>
-          <a:lnRef idx="1">
-            <a:schemeClr val="accent5"/>
-          </a:lnRef>
-          <a:fillRef idx="3">
-            <a:schemeClr val="accent5"/>
-          </a:fillRef>
-          <a:effectRef idx="2">
-            <a:schemeClr val="accent5"/>
-          </a:effectRef>
-          <a:fontRef idx="minor">
-            <a:schemeClr val="lt1"/>
-          </a:fontRef>
-        </p:style>
-        <p:txBody>
-          <a:bodyPr rtlCol="0" anchor="ctr"/>
-          <a:lstStyle/>
-          <a:p>
-            <a:pPr algn="ctr"/>
-            <a:endParaRPr lang="zh-CN" altLang="en-US"/>
-          </a:p>
-        </p:txBody>
-      </p:sp>
-      <p:graphicFrame>
-        <p:nvGraphicFramePr>
-          <p:cNvPr id="12" name="图示 11"/>
-          <p:cNvGraphicFramePr/>
-          <p:nvPr>
-            <p:extLst>
-              <p:ext uri="{D42A27DB-BD31-4B8C-83A1-F6EECF244321}">
-                <p14:modId xmlns:p14="http://schemas.microsoft.com/office/powerpoint/2010/main" val="696000948"/>
-              </p:ext>
-            </p:extLst>
-          </p:nvPr>
-        </p:nvGraphicFramePr>
-        <p:xfrm>
-          <a:off x="4283968" y="188640"/>
-          <a:ext cx="5349939" cy="3379924"/>
-        </p:xfrm>
-        <a:graphic>
-          <a:graphicData uri="http://schemas.openxmlformats.org/drawingml/2006/diagram">
-            <dgm:relIds xmlns:dgm="http://schemas.openxmlformats.org/drawingml/2006/diagram" xmlns:r="http://schemas.openxmlformats.org/officeDocument/2006/relationships" r:dm="rId2" r:lo="rId3" r:qs="rId4" r:cs="rId5"/>
-          </a:graphicData>
-        </a:graphic>
-      </p:graphicFrame>
-      <p:sp>
-        <p:nvSpPr>
-          <p:cNvPr id="13" name="下箭头 12"/>
-          <p:cNvSpPr/>
-          <p:nvPr/>
-        </p:nvSpPr>
-        <p:spPr>
-          <a:xfrm>
-            <a:off x="7380312" y="3747363"/>
-            <a:ext cx="656980" cy="1121184"/>
-          </a:xfrm>
-          <a:prstGeom prst="downArrow">
-            <a:avLst/>
-          </a:prstGeom>
-        </p:spPr>
-        <p:style>
-          <a:lnRef idx="1">
-            <a:schemeClr val="accent1"/>
-          </a:lnRef>
-          <a:fillRef idx="3">
-            <a:schemeClr val="accent1"/>
-          </a:fillRef>
-          <a:effectRef idx="2">
-            <a:schemeClr val="accent1"/>
-          </a:effectRef>
-          <a:fontRef idx="minor">
-            <a:schemeClr val="lt1"/>
-          </a:fontRef>
-        </p:style>
-        <p:txBody>
-          <a:bodyPr rtlCol="0" anchor="ctr"/>
-          <a:lstStyle/>
-          <a:p>
-            <a:pPr algn="ctr"/>
-            <a:endParaRPr lang="zh-CN" altLang="en-US"/>
-          </a:p>
-        </p:txBody>
-      </p:sp>
+        </p:grpSpPr>
+        <p:sp>
+          <p:nvSpPr>
+            <p:cNvPr id="4" name="圆柱形 3"/>
+            <p:cNvSpPr/>
+            <p:nvPr/>
+          </p:nvSpPr>
+          <p:spPr>
+            <a:xfrm>
+              <a:off x="323528" y="463104"/>
+              <a:ext cx="1224136" cy="1584176"/>
+            </a:xfrm>
+            <a:prstGeom prst="can">
+              <a:avLst/>
+            </a:prstGeom>
+          </p:spPr>
+          <p:style>
+            <a:lnRef idx="1">
+              <a:schemeClr val="accent3"/>
+            </a:lnRef>
+            <a:fillRef idx="3">
+              <a:schemeClr val="accent3"/>
+            </a:fillRef>
+            <a:effectRef idx="2">
+              <a:schemeClr val="accent3"/>
+            </a:effectRef>
+            <a:fontRef idx="minor">
+              <a:schemeClr val="lt1"/>
+            </a:fontRef>
+          </p:style>
+          <p:txBody>
+            <a:bodyPr rtlCol="0" anchor="ctr"/>
+            <a:lstStyle/>
+            <a:p>
+              <a:pPr algn="ctr"/>
+              <a:r>
+                <a:rPr lang="en-US" altLang="zh-CN" dirty="0" smtClean="0"/>
+                <a:t>SBML</a:t>
+              </a:r>
+              <a:endParaRPr lang="zh-CN" altLang="en-US" dirty="0"/>
+            </a:p>
+          </p:txBody>
+        </p:sp>
+        <p:sp>
+          <p:nvSpPr>
+            <p:cNvPr id="5" name="流程图: 多文档 4"/>
+            <p:cNvSpPr/>
+            <p:nvPr/>
+          </p:nvSpPr>
+          <p:spPr>
+            <a:xfrm>
+              <a:off x="3059832" y="1598272"/>
+              <a:ext cx="2160240" cy="1164913"/>
+            </a:xfrm>
+            <a:prstGeom prst="flowChartMultidocument">
+              <a:avLst/>
+            </a:prstGeom>
+          </p:spPr>
+          <p:style>
+            <a:lnRef idx="1">
+              <a:schemeClr val="accent4"/>
+            </a:lnRef>
+            <a:fillRef idx="3">
+              <a:schemeClr val="accent4"/>
+            </a:fillRef>
+            <a:effectRef idx="2">
+              <a:schemeClr val="accent4"/>
+            </a:effectRef>
+            <a:fontRef idx="minor">
+              <a:schemeClr val="lt1"/>
+            </a:fontRef>
+          </p:style>
+          <p:txBody>
+            <a:bodyPr rtlCol="0" anchor="ctr"/>
+            <a:lstStyle/>
+            <a:p>
+              <a:pPr algn="ctr"/>
+              <a:r>
+                <a:rPr lang="en-US" altLang="zh-CN" sz="1600" dirty="0"/>
+                <a:t>GCMarkupLanguage</a:t>
+              </a:r>
+              <a:endParaRPr lang="zh-CN" altLang="en-US" sz="1600" dirty="0"/>
+            </a:p>
+          </p:txBody>
+        </p:sp>
+        <p:sp>
+          <p:nvSpPr>
+            <p:cNvPr id="6" name="流程图: 多文档 5"/>
+            <p:cNvSpPr/>
+            <p:nvPr/>
+          </p:nvSpPr>
+          <p:spPr>
+            <a:xfrm>
+              <a:off x="3059832" y="290919"/>
+              <a:ext cx="2160240" cy="1079051"/>
+            </a:xfrm>
+            <a:prstGeom prst="flowChartMultidocument">
+              <a:avLst/>
+            </a:prstGeom>
+          </p:spPr>
+          <p:style>
+            <a:lnRef idx="1">
+              <a:schemeClr val="accent4"/>
+            </a:lnRef>
+            <a:fillRef idx="3">
+              <a:schemeClr val="accent4"/>
+            </a:fillRef>
+            <a:effectRef idx="2">
+              <a:schemeClr val="accent4"/>
+            </a:effectRef>
+            <a:fontRef idx="minor">
+              <a:schemeClr val="lt1"/>
+            </a:fontRef>
+          </p:style>
+          <p:txBody>
+            <a:bodyPr rtlCol="0" anchor="ctr"/>
+            <a:lstStyle/>
+            <a:p>
+              <a:pPr algn="ctr"/>
+              <a:r>
+                <a:rPr lang="en-US" altLang="zh-CN" sz="1600" dirty="0"/>
+                <a:t>GCTabular</a:t>
+              </a:r>
+              <a:endParaRPr lang="zh-CN" altLang="en-US" sz="1600" dirty="0"/>
+            </a:p>
+          </p:txBody>
+        </p:sp>
+        <p:sp>
+          <p:nvSpPr>
+            <p:cNvPr id="7" name="右箭头 6"/>
+            <p:cNvSpPr/>
+            <p:nvPr/>
+          </p:nvSpPr>
+          <p:spPr>
+            <a:xfrm rot="20615388">
+              <a:off x="1723999" y="728270"/>
+              <a:ext cx="1225751" cy="560394"/>
+            </a:xfrm>
+            <a:prstGeom prst="rightArrow">
+              <a:avLst/>
+            </a:prstGeom>
+          </p:spPr>
+          <p:style>
+            <a:lnRef idx="1">
+              <a:schemeClr val="accent1"/>
+            </a:lnRef>
+            <a:fillRef idx="3">
+              <a:schemeClr val="accent1"/>
+            </a:fillRef>
+            <a:effectRef idx="2">
+              <a:schemeClr val="accent1"/>
+            </a:effectRef>
+            <a:fontRef idx="minor">
+              <a:schemeClr val="lt1"/>
+            </a:fontRef>
+          </p:style>
+          <p:txBody>
+            <a:bodyPr rtlCol="0" anchor="ctr"/>
+            <a:lstStyle/>
+            <a:p>
+              <a:pPr algn="ctr"/>
+              <a:endParaRPr lang="zh-CN" altLang="en-US"/>
+            </a:p>
+          </p:txBody>
+        </p:sp>
+        <p:sp>
+          <p:nvSpPr>
+            <p:cNvPr id="8" name="右箭头 7"/>
+            <p:cNvSpPr/>
+            <p:nvPr/>
+          </p:nvSpPr>
+          <p:spPr>
+            <a:xfrm rot="2730367">
+              <a:off x="1668254" y="1730370"/>
+              <a:ext cx="1433711" cy="560394"/>
+            </a:xfrm>
+            <a:prstGeom prst="rightArrow">
+              <a:avLst/>
+            </a:prstGeom>
+          </p:spPr>
+          <p:style>
+            <a:lnRef idx="1">
+              <a:schemeClr val="accent1"/>
+            </a:lnRef>
+            <a:fillRef idx="3">
+              <a:schemeClr val="accent1"/>
+            </a:fillRef>
+            <a:effectRef idx="2">
+              <a:schemeClr val="accent1"/>
+            </a:effectRef>
+            <a:fontRef idx="minor">
+              <a:schemeClr val="lt1"/>
+            </a:fontRef>
+          </p:style>
+          <p:txBody>
+            <a:bodyPr rtlCol="0" anchor="ctr"/>
+            <a:lstStyle/>
+            <a:p>
+              <a:pPr algn="ctr"/>
+              <a:endParaRPr lang="zh-CN" altLang="en-US"/>
+            </a:p>
+          </p:txBody>
+        </p:sp>
+        <p:sp>
+          <p:nvSpPr>
+            <p:cNvPr id="9" name="TextBox 8"/>
+            <p:cNvSpPr txBox="1"/>
+            <p:nvPr/>
+          </p:nvSpPr>
+          <p:spPr>
+            <a:xfrm>
+              <a:off x="996184" y="2393853"/>
+              <a:ext cx="1308371" cy="369332"/>
+            </a:xfrm>
+            <a:prstGeom prst="rect">
+              <a:avLst/>
+            </a:prstGeom>
+            <a:noFill/>
+          </p:spPr>
+          <p:txBody>
+            <a:bodyPr wrap="none" rtlCol="0">
+              <a:spAutoFit/>
+            </a:bodyPr>
+            <a:lstStyle/>
+            <a:p>
+              <a:r>
+                <a:rPr lang="en-US" altLang="zh-CN" dirty="0" smtClean="0"/>
+                <a:t>Build model</a:t>
+              </a:r>
+              <a:endParaRPr lang="zh-CN" altLang="en-US" dirty="0"/>
+            </a:p>
+          </p:txBody>
+        </p:sp>
+        <p:sp>
+          <p:nvSpPr>
+            <p:cNvPr id="10" name="圆柱形 9"/>
+            <p:cNvSpPr/>
+            <p:nvPr/>
+          </p:nvSpPr>
+          <p:spPr>
+            <a:xfrm>
+              <a:off x="323528" y="3022260"/>
+              <a:ext cx="1224136" cy="1414852"/>
+            </a:xfrm>
+            <a:prstGeom prst="can">
+              <a:avLst/>
+            </a:prstGeom>
+          </p:spPr>
+          <p:style>
+            <a:lnRef idx="1">
+              <a:schemeClr val="accent5"/>
+            </a:lnRef>
+            <a:fillRef idx="3">
+              <a:schemeClr val="accent5"/>
+            </a:fillRef>
+            <a:effectRef idx="2">
+              <a:schemeClr val="accent5"/>
+            </a:effectRef>
+            <a:fontRef idx="minor">
+              <a:schemeClr val="lt1"/>
+            </a:fontRef>
+          </p:style>
+          <p:txBody>
+            <a:bodyPr rtlCol="0" anchor="ctr"/>
+            <a:lstStyle/>
+            <a:p>
+              <a:pPr algn="ctr"/>
+              <a:r>
+                <a:rPr lang="en-US" altLang="zh-CN" dirty="0" smtClean="0"/>
+                <a:t>RegPrecise</a:t>
+              </a:r>
+              <a:endParaRPr lang="zh-CN" altLang="en-US" dirty="0"/>
+            </a:p>
+          </p:txBody>
+        </p:sp>
+        <p:sp>
+          <p:nvSpPr>
+            <p:cNvPr id="11" name="加号 10"/>
+            <p:cNvSpPr/>
+            <p:nvPr/>
+          </p:nvSpPr>
+          <p:spPr>
+            <a:xfrm>
+              <a:off x="290109" y="2132856"/>
+              <a:ext cx="792088" cy="796975"/>
+            </a:xfrm>
+            <a:prstGeom prst="mathPlus">
+              <a:avLst/>
+            </a:prstGeom>
+          </p:spPr>
+          <p:style>
+            <a:lnRef idx="1">
+              <a:schemeClr val="accent5"/>
+            </a:lnRef>
+            <a:fillRef idx="3">
+              <a:schemeClr val="accent5"/>
+            </a:fillRef>
+            <a:effectRef idx="2">
+              <a:schemeClr val="accent5"/>
+            </a:effectRef>
+            <a:fontRef idx="minor">
+              <a:schemeClr val="lt1"/>
+            </a:fontRef>
+          </p:style>
+          <p:txBody>
+            <a:bodyPr rtlCol="0" anchor="ctr"/>
+            <a:lstStyle/>
+            <a:p>
+              <a:pPr algn="ctr"/>
+              <a:endParaRPr lang="zh-CN" altLang="en-US"/>
+            </a:p>
+          </p:txBody>
+        </p:sp>
+        <p:graphicFrame>
+          <p:nvGraphicFramePr>
+            <p:cNvPr id="12" name="图示 11"/>
+            <p:cNvGraphicFramePr/>
+            <p:nvPr>
+              <p:extLst>
+                <p:ext uri="{D42A27DB-BD31-4B8C-83A1-F6EECF244321}">
+                  <p14:modId xmlns:p14="http://schemas.microsoft.com/office/powerpoint/2010/main" val="467582366"/>
+                </p:ext>
+              </p:extLst>
+            </p:nvPr>
+          </p:nvGraphicFramePr>
+          <p:xfrm>
+            <a:off x="4283968" y="188640"/>
+            <a:ext cx="5349939" cy="3379924"/>
+          </p:xfrm>
+          <a:graphic>
+            <a:graphicData uri="http://schemas.openxmlformats.org/drawingml/2006/diagram">
+              <dgm:relIds xmlns:dgm="http://schemas.openxmlformats.org/drawingml/2006/diagram" xmlns:r="http://schemas.openxmlformats.org/officeDocument/2006/relationships" r:dm="rId2" r:lo="rId3" r:qs="rId4" r:cs="rId5"/>
+            </a:graphicData>
+          </a:graphic>
+        </p:graphicFrame>
+        <p:sp>
+          <p:nvSpPr>
+            <p:cNvPr id="13" name="下箭头 12"/>
+            <p:cNvSpPr/>
+            <p:nvPr/>
+          </p:nvSpPr>
+          <p:spPr>
+            <a:xfrm>
+              <a:off x="7380312" y="3747363"/>
+              <a:ext cx="864096" cy="1121184"/>
+            </a:xfrm>
+            <a:prstGeom prst="downArrow">
+              <a:avLst/>
+            </a:prstGeom>
+          </p:spPr>
+          <p:style>
+            <a:lnRef idx="1">
+              <a:schemeClr val="accent1"/>
+            </a:lnRef>
+            <a:fillRef idx="3">
+              <a:schemeClr val="accent1"/>
+            </a:fillRef>
+            <a:effectRef idx="2">
+              <a:schemeClr val="accent1"/>
+            </a:effectRef>
+            <a:fontRef idx="minor">
+              <a:schemeClr val="lt1"/>
+            </a:fontRef>
+          </p:style>
+          <p:txBody>
+            <a:bodyPr rtlCol="0" anchor="ctr"/>
+            <a:lstStyle/>
+            <a:p>
+              <a:pPr algn="ctr"/>
+              <a:endParaRPr lang="zh-CN" altLang="en-US"/>
+            </a:p>
+          </p:txBody>
+        </p:sp>
+        <p:sp>
+          <p:nvSpPr>
+            <p:cNvPr id="2" name="流程图: 磁盘 1"/>
+            <p:cNvSpPr/>
+            <p:nvPr/>
+          </p:nvSpPr>
+          <p:spPr>
+            <a:xfrm>
+              <a:off x="7092280" y="5013176"/>
+              <a:ext cx="1584176" cy="1080120"/>
+            </a:xfrm>
+            <a:prstGeom prst="flowChartMagneticDisk">
+              <a:avLst/>
+            </a:prstGeom>
+          </p:spPr>
+          <p:style>
+            <a:lnRef idx="1">
+              <a:schemeClr val="accent5"/>
+            </a:lnRef>
+            <a:fillRef idx="3">
+              <a:schemeClr val="accent5"/>
+            </a:fillRef>
+            <a:effectRef idx="2">
+              <a:schemeClr val="accent5"/>
+            </a:effectRef>
+            <a:fontRef idx="minor">
+              <a:schemeClr val="lt1"/>
+            </a:fontRef>
+          </p:style>
+          <p:txBody>
+            <a:bodyPr rtlCol="0" anchor="ctr"/>
+            <a:lstStyle/>
+            <a:p>
+              <a:pPr algn="ctr"/>
+              <a:r>
+                <a:rPr lang="en-US" altLang="zh-CN" dirty="0" smtClean="0"/>
+                <a:t>Expression Data</a:t>
+              </a:r>
+              <a:endParaRPr lang="zh-CN" altLang="en-US" dirty="0"/>
+            </a:p>
+          </p:txBody>
+        </p:sp>
+        <p:sp>
+          <p:nvSpPr>
+            <p:cNvPr id="3" name="TextBox 2"/>
+            <p:cNvSpPr txBox="1"/>
+            <p:nvPr/>
+          </p:nvSpPr>
+          <p:spPr>
+            <a:xfrm>
+              <a:off x="6679346" y="3938623"/>
+              <a:ext cx="825867" cy="369332"/>
+            </a:xfrm>
+            <a:prstGeom prst="rect">
+              <a:avLst/>
+            </a:prstGeom>
+            <a:noFill/>
+          </p:spPr>
+          <p:txBody>
+            <a:bodyPr wrap="none" rtlCol="0">
+              <a:spAutoFit/>
+            </a:bodyPr>
+            <a:lstStyle/>
+            <a:p>
+              <a:r>
+                <a:rPr lang="en-US" altLang="zh-CN" dirty="0" smtClean="0"/>
+                <a:t>output</a:t>
+              </a:r>
+              <a:endParaRPr lang="zh-CN" altLang="en-US" dirty="0"/>
+            </a:p>
+          </p:txBody>
+        </p:sp>
+        <p:sp>
+          <p:nvSpPr>
+            <p:cNvPr id="14" name="下箭头 13"/>
+            <p:cNvSpPr/>
+            <p:nvPr/>
+          </p:nvSpPr>
+          <p:spPr>
+            <a:xfrm rot="5400000">
+              <a:off x="5708656" y="4776620"/>
+              <a:ext cx="864096" cy="1553232"/>
+            </a:xfrm>
+            <a:prstGeom prst="downArrow">
+              <a:avLst/>
+            </a:prstGeom>
+          </p:spPr>
+          <p:style>
+            <a:lnRef idx="1">
+              <a:schemeClr val="accent1"/>
+            </a:lnRef>
+            <a:fillRef idx="3">
+              <a:schemeClr val="accent1"/>
+            </a:fillRef>
+            <a:effectRef idx="2">
+              <a:schemeClr val="accent1"/>
+            </a:effectRef>
+            <a:fontRef idx="minor">
+              <a:schemeClr val="lt1"/>
+            </a:fontRef>
+          </p:style>
+          <p:txBody>
+            <a:bodyPr rtlCol="0" anchor="ctr"/>
+            <a:lstStyle/>
+            <a:p>
+              <a:pPr algn="ctr"/>
+              <a:endParaRPr lang="zh-CN" altLang="en-US"/>
+            </a:p>
+          </p:txBody>
+        </p:sp>
+        <p:graphicFrame>
+          <p:nvGraphicFramePr>
+            <p:cNvPr id="15" name="图表 14"/>
+            <p:cNvGraphicFramePr/>
+            <p:nvPr>
+              <p:extLst>
+                <p:ext uri="{D42A27DB-BD31-4B8C-83A1-F6EECF244321}">
+                  <p14:modId xmlns:p14="http://schemas.microsoft.com/office/powerpoint/2010/main" val="1467013572"/>
+                </p:ext>
+              </p:extLst>
+            </p:nvPr>
+          </p:nvGraphicFramePr>
+          <p:xfrm>
+            <a:off x="1669806" y="4437112"/>
+            <a:ext cx="3718855" cy="2327188"/>
+          </p:xfrm>
+          <a:graphic>
+            <a:graphicData uri="http://schemas.openxmlformats.org/drawingml/2006/chart">
+              <c:chart xmlns:c="http://schemas.openxmlformats.org/drawingml/2006/chart" xmlns:r="http://schemas.openxmlformats.org/officeDocument/2006/relationships" r:id="rId7"/>
+            </a:graphicData>
+          </a:graphic>
+        </p:graphicFrame>
+        <p:sp>
+          <p:nvSpPr>
+            <p:cNvPr id="16" name="TextBox 15"/>
+            <p:cNvSpPr txBox="1"/>
+            <p:nvPr/>
+          </p:nvSpPr>
+          <p:spPr>
+            <a:xfrm>
+              <a:off x="5839570" y="5908630"/>
+              <a:ext cx="915122" cy="369332"/>
+            </a:xfrm>
+            <a:prstGeom prst="rect">
+              <a:avLst/>
+            </a:prstGeom>
+            <a:noFill/>
+          </p:spPr>
+          <p:txBody>
+            <a:bodyPr wrap="none" rtlCol="0">
+              <a:spAutoFit/>
+            </a:bodyPr>
+            <a:lstStyle/>
+            <a:p>
+              <a:r>
+                <a:rPr lang="en-US" altLang="zh-CN" dirty="0" smtClean="0"/>
+                <a:t>analysis</a:t>
+              </a:r>
+              <a:endParaRPr lang="zh-CN" altLang="en-US" dirty="0"/>
+            </a:p>
+          </p:txBody>
+        </p:sp>
+      </p:grpSp>
     </p:spTree>
     <p:extLst>
       <p:ext uri="{BB962C8B-B14F-4D97-AF65-F5344CB8AC3E}">

--- a/src/GCModeller/engine/docs/workflow.pptx
+++ b/src/GCModeller/engine/docs/workflow.pptx
@@ -104,20 +104,36 @@
       </a:defRPr>
     </a:lvl9pPr>
   </p:defaultTextStyle>
+  <p:extLst>
+    <p:ext uri="{EFAFB233-063F-42B5-8137-9DF3F51BA10A}">
+      <p15:sldGuideLst xmlns:p15="http://schemas.microsoft.com/office/powerpoint/2012/main">
+        <p15:guide id="1" orient="horz" pos="2160">
+          <p15:clr>
+            <a:srgbClr val="A4A3A4"/>
+          </p15:clr>
+        </p15:guide>
+        <p15:guide id="2" pos="2880">
+          <p15:clr>
+            <a:srgbClr val="A4A3A4"/>
+          </p15:clr>
+        </p15:guide>
+      </p15:sldGuideLst>
+    </p:ext>
+  </p:extLst>
 </p:presentation>
 </file>
 
 <file path=ppt/charts/chart1.xml><?xml version="1.0" encoding="utf-8"?>
-<c:chartSpace xmlns:c="http://schemas.openxmlformats.org/drawingml/2006/chart" xmlns:a="http://schemas.openxmlformats.org/drawingml/2006/main" xmlns:r="http://schemas.openxmlformats.org/officeDocument/2006/relationships">
+<c:chartSpace xmlns:c="http://schemas.openxmlformats.org/drawingml/2006/chart" xmlns:a="http://schemas.openxmlformats.org/drawingml/2006/main" xmlns:r="http://schemas.openxmlformats.org/officeDocument/2006/relationships" xmlns:c16r2="http://schemas.microsoft.com/office/drawing/2015/06/chart">
   <c:date1904 val="0"/>
-  <c:lang val="zh-CN"/>
+  <c:lang val="en-US"/>
   <c:roundedCorners val="0"/>
   <mc:AlternateContent xmlns:mc="http://schemas.openxmlformats.org/markup-compatibility/2006">
     <mc:Choice xmlns:c14="http://schemas.microsoft.com/office/drawing/2007/8/2/chart" Requires="c14">
-      <c14:style val="118"/>
+      <c14:style val="102"/>
     </mc:Choice>
     <mc:Fallback>
-      <c:style val="18"/>
+      <c:style val="2"/>
     </mc:Fallback>
   </mc:AlternateContent>
   <c:chart>
@@ -141,6 +157,79 @@
               </c:strCache>
             </c:strRef>
           </c:tx>
+          <c:spPr>
+            <a:ln w="31750" cap="rnd">
+              <a:solidFill>
+                <a:schemeClr val="accent1"/>
+              </a:solidFill>
+              <a:round/>
+            </a:ln>
+            <a:effectLst>
+              <a:outerShdw blurRad="40000" dist="23000" dir="5400000" rotWithShape="0">
+                <a:srgbClr val="000000">
+                  <a:alpha val="35000"/>
+                </a:srgbClr>
+              </a:outerShdw>
+            </a:effectLst>
+          </c:spPr>
+          <c:marker>
+            <c:symbol val="none"/>
+          </c:marker>
+          <c:dLbls>
+            <c:spPr>
+              <a:noFill/>
+              <a:ln>
+                <a:noFill/>
+              </a:ln>
+              <a:effectLst/>
+            </c:spPr>
+            <c:txPr>
+              <a:bodyPr rot="0" spcFirstLastPara="1" vertOverflow="ellipsis" vert="horz" wrap="square" lIns="38100" tIns="19050" rIns="38100" bIns="19050" anchor="ctr" anchorCtr="1">
+                <a:spAutoFit/>
+              </a:bodyPr>
+              <a:lstStyle/>
+              <a:p>
+                <a:pPr>
+                  <a:defRPr sz="1197" b="0" i="0" u="none" strike="noStrike" kern="1200" baseline="0">
+                    <a:solidFill>
+                      <a:schemeClr val="tx2"/>
+                    </a:solidFill>
+                    <a:latin typeface="+mn-lt"/>
+                    <a:ea typeface="+mn-ea"/>
+                    <a:cs typeface="+mn-cs"/>
+                  </a:defRPr>
+                </a:pPr>
+                <a:endParaRPr lang="en-US"/>
+              </a:p>
+            </c:txPr>
+            <c:dLblPos val="ctr"/>
+            <c:showLegendKey val="0"/>
+            <c:showVal val="1"/>
+            <c:showCatName val="0"/>
+            <c:showSerName val="0"/>
+            <c:showPercent val="0"/>
+            <c:showBubbleSize val="0"/>
+            <c:showLeaderLines val="0"/>
+            <c:extLst>
+              <c:ext xmlns:c15="http://schemas.microsoft.com/office/drawing/2012/chart" uri="{CE6537A1-D6FC-4f65-9D91-7224C49458BB}">
+                <c15:layout/>
+                <c15:showLeaderLines val="1"/>
+                <c15:leaderLines>
+                  <c:spPr>
+                    <a:ln w="9525">
+                      <a:solidFill>
+                        <a:schemeClr val="tx2">
+                          <a:lumMod val="35000"/>
+                          <a:lumOff val="65000"/>
+                        </a:schemeClr>
+                      </a:solidFill>
+                    </a:ln>
+                    <a:effectLst/>
+                  </c:spPr>
+                </c15:leaderLines>
+              </c:ext>
+            </c:extLst>
+          </c:dLbls>
           <c:cat>
             <c:strRef>
               <c:f>Sheet1!$A$2:$A$5</c:f>
@@ -183,6 +272,11 @@
             </c:numRef>
           </c:val>
           <c:smooth val="0"/>
+          <c:extLst>
+            <c:ext xmlns:c16="http://schemas.microsoft.com/office/drawing/2014/chart" uri="{C3380CC4-5D6E-409C-BE32-E72D297353CC}">
+              <c16:uniqueId val="{00000000-86F8-47D2-9177-C5C1DAC9FF6D}"/>
+            </c:ext>
+          </c:extLst>
         </c:ser>
         <c:ser>
           <c:idx val="1"/>
@@ -198,6 +292,79 @@
               </c:strCache>
             </c:strRef>
           </c:tx>
+          <c:spPr>
+            <a:ln w="31750" cap="rnd">
+              <a:solidFill>
+                <a:schemeClr val="accent2"/>
+              </a:solidFill>
+              <a:round/>
+            </a:ln>
+            <a:effectLst>
+              <a:outerShdw blurRad="40000" dist="23000" dir="5400000" rotWithShape="0">
+                <a:srgbClr val="000000">
+                  <a:alpha val="35000"/>
+                </a:srgbClr>
+              </a:outerShdw>
+            </a:effectLst>
+          </c:spPr>
+          <c:marker>
+            <c:symbol val="none"/>
+          </c:marker>
+          <c:dLbls>
+            <c:spPr>
+              <a:noFill/>
+              <a:ln>
+                <a:noFill/>
+              </a:ln>
+              <a:effectLst/>
+            </c:spPr>
+            <c:txPr>
+              <a:bodyPr rot="0" spcFirstLastPara="1" vertOverflow="ellipsis" vert="horz" wrap="square" lIns="38100" tIns="19050" rIns="38100" bIns="19050" anchor="ctr" anchorCtr="1">
+                <a:spAutoFit/>
+              </a:bodyPr>
+              <a:lstStyle/>
+              <a:p>
+                <a:pPr>
+                  <a:defRPr sz="1197" b="0" i="0" u="none" strike="noStrike" kern="1200" baseline="0">
+                    <a:solidFill>
+                      <a:schemeClr val="tx2"/>
+                    </a:solidFill>
+                    <a:latin typeface="+mn-lt"/>
+                    <a:ea typeface="+mn-ea"/>
+                    <a:cs typeface="+mn-cs"/>
+                  </a:defRPr>
+                </a:pPr>
+                <a:endParaRPr lang="en-US"/>
+              </a:p>
+            </c:txPr>
+            <c:dLblPos val="ctr"/>
+            <c:showLegendKey val="0"/>
+            <c:showVal val="1"/>
+            <c:showCatName val="0"/>
+            <c:showSerName val="0"/>
+            <c:showPercent val="0"/>
+            <c:showBubbleSize val="0"/>
+            <c:showLeaderLines val="0"/>
+            <c:extLst>
+              <c:ext xmlns:c15="http://schemas.microsoft.com/office/drawing/2012/chart" uri="{CE6537A1-D6FC-4f65-9D91-7224C49458BB}">
+                <c15:layout/>
+                <c15:showLeaderLines val="1"/>
+                <c15:leaderLines>
+                  <c:spPr>
+                    <a:ln w="9525">
+                      <a:solidFill>
+                        <a:schemeClr val="tx2">
+                          <a:lumMod val="35000"/>
+                          <a:lumOff val="65000"/>
+                        </a:schemeClr>
+                      </a:solidFill>
+                    </a:ln>
+                    <a:effectLst/>
+                  </c:spPr>
+                </c15:leaderLines>
+              </c:ext>
+            </c:extLst>
+          </c:dLbls>
           <c:cat>
             <c:strRef>
               <c:f>Sheet1!$A$2:$A$5</c:f>
@@ -240,6 +407,11 @@
             </c:numRef>
           </c:val>
           <c:smooth val="0"/>
+          <c:extLst>
+            <c:ext xmlns:c16="http://schemas.microsoft.com/office/drawing/2014/chart" uri="{C3380CC4-5D6E-409C-BE32-E72D297353CC}">
+              <c16:uniqueId val="{00000001-86F8-47D2-9177-C5C1DAC9FF6D}"/>
+            </c:ext>
+          </c:extLst>
         </c:ser>
         <c:ser>
           <c:idx val="2"/>
@@ -255,6 +427,79 @@
               </c:strCache>
             </c:strRef>
           </c:tx>
+          <c:spPr>
+            <a:ln w="31750" cap="rnd">
+              <a:solidFill>
+                <a:schemeClr val="accent3"/>
+              </a:solidFill>
+              <a:round/>
+            </a:ln>
+            <a:effectLst>
+              <a:outerShdw blurRad="40000" dist="23000" dir="5400000" rotWithShape="0">
+                <a:srgbClr val="000000">
+                  <a:alpha val="35000"/>
+                </a:srgbClr>
+              </a:outerShdw>
+            </a:effectLst>
+          </c:spPr>
+          <c:marker>
+            <c:symbol val="none"/>
+          </c:marker>
+          <c:dLbls>
+            <c:spPr>
+              <a:noFill/>
+              <a:ln>
+                <a:noFill/>
+              </a:ln>
+              <a:effectLst/>
+            </c:spPr>
+            <c:txPr>
+              <a:bodyPr rot="0" spcFirstLastPara="1" vertOverflow="ellipsis" vert="horz" wrap="square" lIns="38100" tIns="19050" rIns="38100" bIns="19050" anchor="ctr" anchorCtr="1">
+                <a:spAutoFit/>
+              </a:bodyPr>
+              <a:lstStyle/>
+              <a:p>
+                <a:pPr>
+                  <a:defRPr sz="1197" b="0" i="0" u="none" strike="noStrike" kern="1200" baseline="0">
+                    <a:solidFill>
+                      <a:schemeClr val="tx2"/>
+                    </a:solidFill>
+                    <a:latin typeface="+mn-lt"/>
+                    <a:ea typeface="+mn-ea"/>
+                    <a:cs typeface="+mn-cs"/>
+                  </a:defRPr>
+                </a:pPr>
+                <a:endParaRPr lang="en-US"/>
+              </a:p>
+            </c:txPr>
+            <c:dLblPos val="ctr"/>
+            <c:showLegendKey val="0"/>
+            <c:showVal val="1"/>
+            <c:showCatName val="0"/>
+            <c:showSerName val="0"/>
+            <c:showPercent val="0"/>
+            <c:showBubbleSize val="0"/>
+            <c:showLeaderLines val="0"/>
+            <c:extLst>
+              <c:ext xmlns:c15="http://schemas.microsoft.com/office/drawing/2012/chart" uri="{CE6537A1-D6FC-4f65-9D91-7224C49458BB}">
+                <c15:layout/>
+                <c15:showLeaderLines val="1"/>
+                <c15:leaderLines>
+                  <c:spPr>
+                    <a:ln w="9525">
+                      <a:solidFill>
+                        <a:schemeClr val="tx2">
+                          <a:lumMod val="35000"/>
+                          <a:lumOff val="65000"/>
+                        </a:schemeClr>
+                      </a:solidFill>
+                    </a:ln>
+                    <a:effectLst/>
+                  </c:spPr>
+                </c15:leaderLines>
+              </c:ext>
+            </c:extLst>
+          </c:dLbls>
           <c:cat>
             <c:strRef>
               <c:f>Sheet1!$A$2:$A$5</c:f>
@@ -297,17 +542,21 @@
             </c:numRef>
           </c:val>
           <c:smooth val="0"/>
+          <c:extLst>
+            <c:ext xmlns:c16="http://schemas.microsoft.com/office/drawing/2014/chart" uri="{C3380CC4-5D6E-409C-BE32-E72D297353CC}">
+              <c16:uniqueId val="{00000002-86F8-47D2-9177-C5C1DAC9FF6D}"/>
+            </c:ext>
+          </c:extLst>
         </c:ser>
         <c:dLbls>
           <c:dLblPos val="ctr"/>
           <c:showLegendKey val="0"/>
-          <c:showVal val="0"/>
+          <c:showVal val="1"/>
           <c:showCatName val="0"/>
           <c:showSerName val="0"/>
           <c:showPercent val="0"/>
           <c:showBubbleSize val="0"/>
         </c:dLbls>
-        <c:marker val="1"/>
         <c:smooth val="0"/>
         <c:axId val="86259200"/>
         <c:axId val="86260736"/>
@@ -319,6 +568,7 @@
         </c:scaling>
         <c:delete val="1"/>
         <c:axPos val="b"/>
+        <c:numFmt formatCode="General" sourceLinked="0"/>
         <c:majorTickMark val="out"/>
         <c:minorTickMark val="none"/>
         <c:tickLblPos val="nextTo"/>
@@ -336,34 +586,593 @@
         </c:scaling>
         <c:delete val="0"/>
         <c:axPos val="l"/>
-        <c:majorGridlines/>
+        <c:majorGridlines>
+          <c:spPr>
+            <a:ln w="9525" cap="flat" cmpd="sng" algn="ctr">
+              <a:solidFill>
+                <a:schemeClr val="tx2">
+                  <a:lumMod val="15000"/>
+                  <a:lumOff val="85000"/>
+                </a:schemeClr>
+              </a:solidFill>
+              <a:round/>
+            </a:ln>
+            <a:effectLst/>
+          </c:spPr>
+        </c:majorGridlines>
         <c:numFmt formatCode="General" sourceLinked="1"/>
-        <c:majorTickMark val="out"/>
+        <c:majorTickMark val="none"/>
         <c:minorTickMark val="none"/>
         <c:tickLblPos val="nextTo"/>
+        <c:spPr>
+          <a:noFill/>
+          <a:ln>
+            <a:noFill/>
+          </a:ln>
+          <a:effectLst/>
+        </c:spPr>
+        <c:txPr>
+          <a:bodyPr rot="-60000000" spcFirstLastPara="1" vertOverflow="ellipsis" vert="horz" wrap="square" anchor="ctr" anchorCtr="1"/>
+          <a:lstStyle/>
+          <a:p>
+            <a:pPr>
+              <a:defRPr sz="1197" b="0" i="0" u="none" strike="noStrike" kern="1200" baseline="0">
+                <a:solidFill>
+                  <a:schemeClr val="tx2"/>
+                </a:solidFill>
+                <a:latin typeface="+mn-lt"/>
+                <a:ea typeface="+mn-ea"/>
+                <a:cs typeface="+mn-cs"/>
+              </a:defRPr>
+            </a:pPr>
+            <a:endParaRPr lang="en-US"/>
+          </a:p>
+        </c:txPr>
         <c:crossAx val="86259200"/>
         <c:crosses val="autoZero"/>
         <c:crossBetween val="between"/>
       </c:valAx>
+      <c:spPr>
+        <a:noFill/>
+        <a:ln>
+          <a:noFill/>
+        </a:ln>
+        <a:effectLst/>
+      </c:spPr>
     </c:plotArea>
     <c:plotVisOnly val="1"/>
     <c:dispBlanksAs val="gap"/>
     <c:showDLblsOverMax val="0"/>
   </c:chart>
+  <c:spPr>
+    <a:noFill/>
+    <a:ln>
+      <a:noFill/>
+    </a:ln>
+    <a:effectLst/>
+  </c:spPr>
   <c:txPr>
     <a:bodyPr/>
     <a:lstStyle/>
     <a:p>
       <a:pPr>
-        <a:defRPr sz="1800"/>
+        <a:defRPr/>
       </a:pPr>
-      <a:endParaRPr lang="zh-CN"/>
+      <a:endParaRPr lang="en-US"/>
     </a:p>
   </c:txPr>
-  <c:externalData r:id="rId1">
+  <c:externalData r:id="rId3">
     <c:autoUpdate val="0"/>
   </c:externalData>
 </c:chartSpace>
+</file>
+
+<file path=ppt/charts/colors1.xml><?xml version="1.0" encoding="utf-8"?>
+<cs:colorStyle xmlns:cs="http://schemas.microsoft.com/office/drawing/2012/chartStyle" xmlns:a="http://schemas.openxmlformats.org/drawingml/2006/main" meth="cycle" id="10">
+  <a:schemeClr val="accent1"/>
+  <a:schemeClr val="accent2"/>
+  <a:schemeClr val="accent3"/>
+  <a:schemeClr val="accent4"/>
+  <a:schemeClr val="accent5"/>
+  <a:schemeClr val="accent6"/>
+  <cs:variation/>
+  <cs:variation>
+    <a:lumMod val="60000"/>
+  </cs:variation>
+  <cs:variation>
+    <a:lumMod val="80000"/>
+    <a:lumOff val="20000"/>
+  </cs:variation>
+  <cs:variation>
+    <a:lumMod val="80000"/>
+  </cs:variation>
+  <cs:variation>
+    <a:lumMod val="60000"/>
+    <a:lumOff val="40000"/>
+  </cs:variation>
+  <cs:variation>
+    <a:lumMod val="50000"/>
+  </cs:variation>
+  <cs:variation>
+    <a:lumMod val="70000"/>
+    <a:lumOff val="30000"/>
+  </cs:variation>
+  <cs:variation>
+    <a:lumMod val="70000"/>
+  </cs:variation>
+  <cs:variation>
+    <a:lumMod val="50000"/>
+    <a:lumOff val="50000"/>
+  </cs:variation>
+</cs:colorStyle>
+</file>
+
+<file path=ppt/charts/style1.xml><?xml version="1.0" encoding="utf-8"?>
+<cs:chartStyle xmlns:cs="http://schemas.microsoft.com/office/drawing/2012/chartStyle" xmlns:a="http://schemas.openxmlformats.org/drawingml/2006/main" id="231">
+  <cs:axisTitle>
+    <cs:lnRef idx="0"/>
+    <cs:fillRef idx="0"/>
+    <cs:effectRef idx="0"/>
+    <cs:fontRef idx="minor">
+      <a:schemeClr val="tx2"/>
+    </cs:fontRef>
+    <cs:defRPr sz="1197" b="1" kern="1200"/>
+  </cs:axisTitle>
+  <cs:categoryAxis>
+    <cs:lnRef idx="0"/>
+    <cs:fillRef idx="0"/>
+    <cs:effectRef idx="0"/>
+    <cs:fontRef idx="minor">
+      <a:schemeClr val="tx2"/>
+    </cs:fontRef>
+    <cs:spPr>
+      <a:ln w="9525" cap="flat" cmpd="sng" algn="ctr">
+        <a:solidFill>
+          <a:schemeClr val="tx2">
+            <a:lumMod val="15000"/>
+            <a:lumOff val="85000"/>
+          </a:schemeClr>
+        </a:solidFill>
+        <a:round/>
+      </a:ln>
+    </cs:spPr>
+    <cs:defRPr sz="1197" kern="1200"/>
+  </cs:categoryAxis>
+  <cs:chartArea mods="allowNoFillOverride allowNoLineOverride">
+    <cs:lnRef idx="0"/>
+    <cs:fillRef idx="0"/>
+    <cs:effectRef idx="0"/>
+    <cs:fontRef idx="minor">
+      <a:schemeClr val="tx2"/>
+    </cs:fontRef>
+    <cs:spPr>
+      <a:solidFill>
+        <a:schemeClr val="bg1"/>
+      </a:solidFill>
+      <a:ln w="9525" cap="flat" cmpd="sng" algn="ctr">
+        <a:solidFill>
+          <a:schemeClr val="tx2">
+            <a:lumMod val="15000"/>
+            <a:lumOff val="85000"/>
+          </a:schemeClr>
+        </a:solidFill>
+        <a:round/>
+      </a:ln>
+    </cs:spPr>
+    <cs:defRPr sz="1197" kern="1200"/>
+  </cs:chartArea>
+  <cs:dataLabel>
+    <cs:lnRef idx="0"/>
+    <cs:fillRef idx="0"/>
+    <cs:effectRef idx="0"/>
+    <cs:fontRef idx="minor">
+      <a:schemeClr val="tx2"/>
+    </cs:fontRef>
+    <cs:defRPr sz="1197" kern="1200"/>
+  </cs:dataLabel>
+  <cs:dataLabelCallout>
+    <cs:lnRef idx="0"/>
+    <cs:fillRef idx="0"/>
+    <cs:effectRef idx="0"/>
+    <cs:fontRef idx="minor">
+      <a:schemeClr val="dk2">
+        <a:lumMod val="75000"/>
+      </a:schemeClr>
+    </cs:fontRef>
+    <cs:spPr>
+      <a:solidFill>
+        <a:schemeClr val="lt1"/>
+      </a:solidFill>
+      <a:ln>
+        <a:solidFill>
+          <a:schemeClr val="dk1">
+            <a:lumMod val="25000"/>
+            <a:lumOff val="75000"/>
+          </a:schemeClr>
+        </a:solidFill>
+      </a:ln>
+    </cs:spPr>
+    <cs:defRPr sz="1197" kern="1200"/>
+    <cs:bodyPr rot="0" spcFirstLastPara="1" vertOverflow="clip" horzOverflow="clip" vert="horz" wrap="square" lIns="36576" tIns="18288" rIns="36576" bIns="18288" anchor="ctr" anchorCtr="1">
+      <a:spAutoFit/>
+    </cs:bodyPr>
+  </cs:dataLabelCallout>
+  <cs:dataPoint>
+    <cs:lnRef idx="0"/>
+    <cs:fillRef idx="3">
+      <cs:styleClr val="auto"/>
+    </cs:fillRef>
+    <cs:effectRef idx="2"/>
+    <cs:fontRef idx="minor">
+      <a:schemeClr val="tx2"/>
+    </cs:fontRef>
+  </cs:dataPoint>
+  <cs:dataPoint3D>
+    <cs:lnRef idx="0"/>
+    <cs:fillRef idx="3">
+      <cs:styleClr val="auto"/>
+    </cs:fillRef>
+    <cs:effectRef idx="2"/>
+    <cs:fontRef idx="minor">
+      <a:schemeClr val="tx2"/>
+    </cs:fontRef>
+  </cs:dataPoint3D>
+  <cs:dataPointLine>
+    <cs:lnRef idx="0">
+      <cs:styleClr val="auto"/>
+    </cs:lnRef>
+    <cs:fillRef idx="3"/>
+    <cs:effectRef idx="2"/>
+    <cs:fontRef idx="minor">
+      <a:schemeClr val="tx2"/>
+    </cs:fontRef>
+    <cs:spPr>
+      <a:ln w="31750" cap="rnd">
+        <a:solidFill>
+          <a:schemeClr val="phClr"/>
+        </a:solidFill>
+        <a:round/>
+      </a:ln>
+    </cs:spPr>
+  </cs:dataPointLine>
+  <cs:dataPointMarker>
+    <cs:lnRef idx="0"/>
+    <cs:fillRef idx="3">
+      <cs:styleClr val="auto"/>
+    </cs:fillRef>
+    <cs:effectRef idx="2"/>
+    <cs:fontRef idx="minor">
+      <a:schemeClr val="tx2"/>
+    </cs:fontRef>
+    <cs:spPr>
+      <a:ln w="12700">
+        <a:solidFill>
+          <a:schemeClr val="lt2"/>
+        </a:solidFill>
+        <a:round/>
+      </a:ln>
+    </cs:spPr>
+  </cs:dataPointMarker>
+  <cs:dataPointMarkerLayout symbol="circle" size="6"/>
+  <cs:dataPointWireframe>
+    <cs:lnRef idx="0">
+      <cs:styleClr val="auto"/>
+    </cs:lnRef>
+    <cs:fillRef idx="3"/>
+    <cs:effectRef idx="2"/>
+    <cs:fontRef idx="minor">
+      <a:schemeClr val="tx2"/>
+    </cs:fontRef>
+    <cs:spPr>
+      <a:ln w="9525" cap="rnd">
+        <a:solidFill>
+          <a:schemeClr val="phClr"/>
+        </a:solidFill>
+        <a:round/>
+      </a:ln>
+    </cs:spPr>
+  </cs:dataPointWireframe>
+  <cs:dataTable>
+    <cs:lnRef idx="0"/>
+    <cs:fillRef idx="0"/>
+    <cs:effectRef idx="0"/>
+    <cs:fontRef idx="minor">
+      <a:schemeClr val="tx2"/>
+    </cs:fontRef>
+    <cs:spPr>
+      <a:ln w="9525">
+        <a:solidFill>
+          <a:schemeClr val="tx2">
+            <a:lumMod val="15000"/>
+            <a:lumOff val="85000"/>
+          </a:schemeClr>
+        </a:solidFill>
+      </a:ln>
+    </cs:spPr>
+    <cs:defRPr sz="1197" kern="1200"/>
+  </cs:dataTable>
+  <cs:downBar>
+    <cs:lnRef idx="0"/>
+    <cs:fillRef idx="0"/>
+    <cs:effectRef idx="0"/>
+    <cs:fontRef idx="minor">
+      <a:schemeClr val="dk1"/>
+    </cs:fontRef>
+    <cs:spPr>
+      <a:solidFill>
+        <a:schemeClr val="dk1">
+          <a:lumMod val="65000"/>
+          <a:lumOff val="35000"/>
+        </a:schemeClr>
+      </a:solidFill>
+      <a:ln w="9525">
+        <a:solidFill>
+          <a:schemeClr val="tx1">
+            <a:lumMod val="65000"/>
+            <a:lumOff val="35000"/>
+          </a:schemeClr>
+        </a:solidFill>
+      </a:ln>
+    </cs:spPr>
+  </cs:downBar>
+  <cs:dropLine>
+    <cs:lnRef idx="0"/>
+    <cs:fillRef idx="0"/>
+    <cs:effectRef idx="0"/>
+    <cs:fontRef idx="minor">
+      <a:schemeClr val="tx2"/>
+    </cs:fontRef>
+    <cs:spPr>
+      <a:ln w="9525">
+        <a:solidFill>
+          <a:schemeClr val="tx2">
+            <a:lumMod val="60000"/>
+            <a:lumOff val="40000"/>
+          </a:schemeClr>
+        </a:solidFill>
+        <a:prstDash val="dash"/>
+      </a:ln>
+    </cs:spPr>
+  </cs:dropLine>
+  <cs:errorBar>
+    <cs:lnRef idx="0"/>
+    <cs:fillRef idx="0"/>
+    <cs:effectRef idx="0"/>
+    <cs:fontRef idx="minor">
+      <a:schemeClr val="tx2"/>
+    </cs:fontRef>
+    <cs:spPr>
+      <a:ln w="9525">
+        <a:solidFill>
+          <a:schemeClr val="tx2">
+            <a:lumMod val="75000"/>
+          </a:schemeClr>
+        </a:solidFill>
+        <a:round/>
+      </a:ln>
+    </cs:spPr>
+  </cs:errorBar>
+  <cs:floor>
+    <cs:lnRef idx="0"/>
+    <cs:fillRef idx="0"/>
+    <cs:effectRef idx="0"/>
+    <cs:fontRef idx="minor">
+      <a:schemeClr val="tx2"/>
+    </cs:fontRef>
+  </cs:floor>
+  <cs:gridlineMajor>
+    <cs:lnRef idx="0"/>
+    <cs:fillRef idx="0"/>
+    <cs:effectRef idx="0"/>
+    <cs:fontRef idx="minor">
+      <a:schemeClr val="tx2"/>
+    </cs:fontRef>
+    <cs:spPr>
+      <a:ln w="9525" cap="flat" cmpd="sng" algn="ctr">
+        <a:solidFill>
+          <a:schemeClr val="tx2">
+            <a:lumMod val="15000"/>
+            <a:lumOff val="85000"/>
+          </a:schemeClr>
+        </a:solidFill>
+        <a:round/>
+      </a:ln>
+    </cs:spPr>
+  </cs:gridlineMajor>
+  <cs:gridlineMinor>
+    <cs:lnRef idx="0"/>
+    <cs:fillRef idx="0"/>
+    <cs:effectRef idx="0"/>
+    <cs:fontRef idx="minor">
+      <a:schemeClr val="tx2"/>
+    </cs:fontRef>
+    <cs:spPr>
+      <a:ln>
+        <a:solidFill>
+          <a:schemeClr val="tx2">
+            <a:lumMod val="5000"/>
+            <a:lumOff val="95000"/>
+          </a:schemeClr>
+        </a:solidFill>
+      </a:ln>
+    </cs:spPr>
+  </cs:gridlineMinor>
+  <cs:hiLoLine>
+    <cs:lnRef idx="0"/>
+    <cs:fillRef idx="0"/>
+    <cs:effectRef idx="0"/>
+    <cs:fontRef idx="minor">
+      <a:schemeClr val="tx2"/>
+    </cs:fontRef>
+    <cs:spPr>
+      <a:ln w="9525">
+        <a:solidFill>
+          <a:schemeClr val="tx2">
+            <a:lumMod val="60000"/>
+            <a:lumOff val="40000"/>
+          </a:schemeClr>
+        </a:solidFill>
+        <a:prstDash val="dash"/>
+      </a:ln>
+    </cs:spPr>
+  </cs:hiLoLine>
+  <cs:leaderLine>
+    <cs:lnRef idx="0"/>
+    <cs:fillRef idx="0"/>
+    <cs:effectRef idx="0"/>
+    <cs:fontRef idx="minor">
+      <a:schemeClr val="tx2"/>
+    </cs:fontRef>
+    <cs:spPr>
+      <a:ln w="9525">
+        <a:solidFill>
+          <a:schemeClr val="tx2">
+            <a:lumMod val="35000"/>
+            <a:lumOff val="65000"/>
+          </a:schemeClr>
+        </a:solidFill>
+      </a:ln>
+    </cs:spPr>
+  </cs:leaderLine>
+  <cs:legend>
+    <cs:lnRef idx="0"/>
+    <cs:fillRef idx="0"/>
+    <cs:effectRef idx="0"/>
+    <cs:fontRef idx="minor">
+      <a:schemeClr val="tx2"/>
+    </cs:fontRef>
+    <cs:defRPr sz="1197" kern="1200"/>
+  </cs:legend>
+  <cs:plotArea>
+    <cs:lnRef idx="0"/>
+    <cs:fillRef idx="0"/>
+    <cs:effectRef idx="0"/>
+    <cs:fontRef idx="minor">
+      <a:schemeClr val="tx2"/>
+    </cs:fontRef>
+  </cs:plotArea>
+  <cs:plotArea3D>
+    <cs:lnRef idx="0"/>
+    <cs:fillRef idx="0"/>
+    <cs:effectRef idx="0"/>
+    <cs:fontRef idx="minor">
+      <a:schemeClr val="tx2"/>
+    </cs:fontRef>
+  </cs:plotArea3D>
+  <cs:seriesAxis>
+    <cs:lnRef idx="0"/>
+    <cs:fillRef idx="0"/>
+    <cs:effectRef idx="0"/>
+    <cs:fontRef idx="minor">
+      <a:schemeClr val="tx2"/>
+    </cs:fontRef>
+    <cs:spPr>
+      <a:ln w="9525" cap="flat" cmpd="sng" algn="ctr">
+        <a:solidFill>
+          <a:schemeClr val="tx2">
+            <a:lumMod val="15000"/>
+            <a:lumOff val="85000"/>
+          </a:schemeClr>
+        </a:solidFill>
+        <a:round/>
+      </a:ln>
+    </cs:spPr>
+    <cs:defRPr sz="1197" kern="1200"/>
+  </cs:seriesAxis>
+  <cs:seriesLine>
+    <cs:lnRef idx="0"/>
+    <cs:fillRef idx="0"/>
+    <cs:effectRef idx="0"/>
+    <cs:fontRef idx="minor">
+      <a:schemeClr val="tx2"/>
+    </cs:fontRef>
+    <cs:spPr>
+      <a:ln w="9525">
+        <a:solidFill>
+          <a:schemeClr val="tx2">
+            <a:lumMod val="60000"/>
+            <a:lumOff val="40000"/>
+          </a:schemeClr>
+        </a:solidFill>
+        <a:prstDash val="dash"/>
+      </a:ln>
+    </cs:spPr>
+  </cs:seriesLine>
+  <cs:title>
+    <cs:lnRef idx="0"/>
+    <cs:fillRef idx="0"/>
+    <cs:effectRef idx="0"/>
+    <cs:fontRef idx="minor">
+      <a:schemeClr val="tx2"/>
+    </cs:fontRef>
+    <cs:defRPr sz="2128" b="1" kern="1200"/>
+  </cs:title>
+  <cs:trendline>
+    <cs:lnRef idx="0">
+      <cs:styleClr val="auto"/>
+    </cs:lnRef>
+    <cs:fillRef idx="0"/>
+    <cs:effectRef idx="0"/>
+    <cs:fontRef idx="minor">
+      <a:schemeClr val="tx2"/>
+    </cs:fontRef>
+    <cs:spPr>
+      <a:ln w="19050" cap="rnd">
+        <a:solidFill>
+          <a:schemeClr val="phClr"/>
+        </a:solidFill>
+        <a:prstDash val="sysDash"/>
+      </a:ln>
+    </cs:spPr>
+  </cs:trendline>
+  <cs:trendlineLabel>
+    <cs:lnRef idx="0"/>
+    <cs:fillRef idx="0"/>
+    <cs:effectRef idx="0"/>
+    <cs:fontRef idx="minor">
+      <a:schemeClr val="tx2"/>
+    </cs:fontRef>
+    <cs:defRPr sz="1197" kern="1200"/>
+  </cs:trendlineLabel>
+  <cs:upBar>
+    <cs:lnRef idx="0"/>
+    <cs:fillRef idx="0"/>
+    <cs:effectRef idx="0"/>
+    <cs:fontRef idx="minor">
+      <a:schemeClr val="tx2"/>
+    </cs:fontRef>
+    <cs:spPr>
+      <a:solidFill>
+        <a:schemeClr val="lt1"/>
+      </a:solidFill>
+      <a:ln w="9525">
+        <a:solidFill>
+          <a:schemeClr val="tx1">
+            <a:lumMod val="15000"/>
+            <a:lumOff val="85000"/>
+          </a:schemeClr>
+        </a:solidFill>
+      </a:ln>
+    </cs:spPr>
+  </cs:upBar>
+  <cs:valueAxis>
+    <cs:lnRef idx="0"/>
+    <cs:fillRef idx="0"/>
+    <cs:effectRef idx="0"/>
+    <cs:fontRef idx="minor">
+      <a:schemeClr val="tx2"/>
+    </cs:fontRef>
+    <cs:defRPr sz="1197" kern="1200"/>
+  </cs:valueAxis>
+  <cs:wall>
+    <cs:lnRef idx="0"/>
+    <cs:fillRef idx="0"/>
+    <cs:effectRef idx="0"/>
+    <cs:fontRef idx="minor">
+      <a:schemeClr val="tx2"/>
+    </cs:fontRef>
+  </cs:wall>
+</cs:chartStyle>
 </file>
 
 <file path=ppt/diagrams/colors1.xml><?xml version="1.0" encoding="utf-8"?>
@@ -3728,7 +4537,7 @@
           <a:p>
             <a:fld id="{530820CF-B880-4189-942D-D702A7CBA730}" type="datetimeFigureOut">
               <a:rPr lang="zh-CN" altLang="en-US" smtClean="0"/>
-              <a:t>2018/9/27</a:t>
+              <a:t>2018/10/3</a:t>
             </a:fld>
             <a:endParaRPr lang="zh-CN" altLang="en-US"/>
           </a:p>
@@ -3893,7 +4702,7 @@
           <a:p>
             <a:fld id="{530820CF-B880-4189-942D-D702A7CBA730}" type="datetimeFigureOut">
               <a:rPr lang="zh-CN" altLang="en-US" smtClean="0"/>
-              <a:t>2018/9/27</a:t>
+              <a:t>2018/10/3</a:t>
             </a:fld>
             <a:endParaRPr lang="zh-CN" altLang="en-US"/>
           </a:p>
@@ -4068,7 +4877,7 @@
           <a:p>
             <a:fld id="{530820CF-B880-4189-942D-D702A7CBA730}" type="datetimeFigureOut">
               <a:rPr lang="zh-CN" altLang="en-US" smtClean="0"/>
-              <a:t>2018/9/27</a:t>
+              <a:t>2018/10/3</a:t>
             </a:fld>
             <a:endParaRPr lang="zh-CN" altLang="en-US"/>
           </a:p>
@@ -4233,7 +5042,7 @@
           <a:p>
             <a:fld id="{530820CF-B880-4189-942D-D702A7CBA730}" type="datetimeFigureOut">
               <a:rPr lang="zh-CN" altLang="en-US" smtClean="0"/>
-              <a:t>2018/9/27</a:t>
+              <a:t>2018/10/3</a:t>
             </a:fld>
             <a:endParaRPr lang="zh-CN" altLang="en-US"/>
           </a:p>
@@ -4474,7 +5283,7 @@
           <a:p>
             <a:fld id="{530820CF-B880-4189-942D-D702A7CBA730}" type="datetimeFigureOut">
               <a:rPr lang="zh-CN" altLang="en-US" smtClean="0"/>
-              <a:t>2018/9/27</a:t>
+              <a:t>2018/10/3</a:t>
             </a:fld>
             <a:endParaRPr lang="zh-CN" altLang="en-US"/>
           </a:p>
@@ -4757,7 +5566,7 @@
           <a:p>
             <a:fld id="{530820CF-B880-4189-942D-D702A7CBA730}" type="datetimeFigureOut">
               <a:rPr lang="zh-CN" altLang="en-US" smtClean="0"/>
-              <a:t>2018/9/27</a:t>
+              <a:t>2018/10/3</a:t>
             </a:fld>
             <a:endParaRPr lang="zh-CN" altLang="en-US"/>
           </a:p>
@@ -5174,7 +5983,7 @@
           <a:p>
             <a:fld id="{530820CF-B880-4189-942D-D702A7CBA730}" type="datetimeFigureOut">
               <a:rPr lang="zh-CN" altLang="en-US" smtClean="0"/>
-              <a:t>2018/9/27</a:t>
+              <a:t>2018/10/3</a:t>
             </a:fld>
             <a:endParaRPr lang="zh-CN" altLang="en-US"/>
           </a:p>
@@ -5287,7 +6096,7 @@
           <a:p>
             <a:fld id="{530820CF-B880-4189-942D-D702A7CBA730}" type="datetimeFigureOut">
               <a:rPr lang="zh-CN" altLang="en-US" smtClean="0"/>
-              <a:t>2018/9/27</a:t>
+              <a:t>2018/10/3</a:t>
             </a:fld>
             <a:endParaRPr lang="zh-CN" altLang="en-US"/>
           </a:p>
@@ -5377,7 +6186,7 @@
           <a:p>
             <a:fld id="{530820CF-B880-4189-942D-D702A7CBA730}" type="datetimeFigureOut">
               <a:rPr lang="zh-CN" altLang="en-US" smtClean="0"/>
-              <a:t>2018/9/27</a:t>
+              <a:t>2018/10/3</a:t>
             </a:fld>
             <a:endParaRPr lang="zh-CN" altLang="en-US"/>
           </a:p>
@@ -5649,7 +6458,7 @@
           <a:p>
             <a:fld id="{530820CF-B880-4189-942D-D702A7CBA730}" type="datetimeFigureOut">
               <a:rPr lang="zh-CN" altLang="en-US" smtClean="0"/>
-              <a:t>2018/9/27</a:t>
+              <a:t>2018/10/3</a:t>
             </a:fld>
             <a:endParaRPr lang="zh-CN" altLang="en-US"/>
           </a:p>
@@ -5897,7 +6706,7 @@
           <a:p>
             <a:fld id="{530820CF-B880-4189-942D-D702A7CBA730}" type="datetimeFigureOut">
               <a:rPr lang="zh-CN" altLang="en-US" smtClean="0"/>
-              <a:t>2018/9/27</a:t>
+              <a:t>2018/10/3</a:t>
             </a:fld>
             <a:endParaRPr lang="zh-CN" altLang="en-US"/>
           </a:p>
@@ -6105,7 +6914,7 @@
           <a:p>
             <a:fld id="{530820CF-B880-4189-942D-D702A7CBA730}" type="datetimeFigureOut">
               <a:rPr lang="zh-CN" altLang="en-US" smtClean="0"/>
-              <a:t>2018/9/27</a:t>
+              <a:t>2018/10/3</a:t>
             </a:fld>
             <a:endParaRPr lang="zh-CN" altLang="en-US"/>
           </a:p>
@@ -6978,7 +7787,7 @@
             <p:nvPr>
               <p:extLst>
                 <p:ext uri="{D42A27DB-BD31-4B8C-83A1-F6EECF244321}">
-                  <p14:modId xmlns:p14="http://schemas.microsoft.com/office/powerpoint/2010/main" val="1467013572"/>
+                  <p14:modId xmlns:p14="http://schemas.microsoft.com/office/powerpoint/2010/main" val="4204257060"/>
                 </p:ext>
               </p:extLst>
             </p:nvPr>

--- a/src/GCModeller/engine/docs/workflow.pptx
+++ b/src/GCModeller/engine/docs/workflow.pptx
@@ -6,6 +6,7 @@
   </p:sldMasterIdLst>
   <p:sldIdLst>
     <p:sldId id="256" r:id="rId2"/>
+    <p:sldId id="257" r:id="rId3"/>
   </p:sldIdLst>
   <p:sldSz cx="9144000" cy="6858000" type="screen4x3"/>
   <p:notesSz cx="6858000" cy="9144000"/>
@@ -2441,12 +2442,12 @@
         </a:fontRef>
       </dsp:style>
       <dsp:txBody>
-        <a:bodyPr spcFirstLastPara="0" vert="horz" wrap="square" lIns="26670" tIns="26670" rIns="26670" bIns="26670" numCol="1" spcCol="1270" anchor="ctr" anchorCtr="0">
+        <a:bodyPr spcFirstLastPara="0" vert="horz" wrap="square" lIns="25400" tIns="25400" rIns="25400" bIns="25400" numCol="1" spcCol="1270" anchor="ctr" anchorCtr="0">
           <a:noAutofit/>
         </a:bodyPr>
         <a:lstStyle/>
         <a:p>
-          <a:pPr lvl="0" algn="ctr" defTabSz="933450">
+          <a:pPr lvl="0" algn="ctr" defTabSz="889000">
             <a:lnSpc>
               <a:spcPct val="90000"/>
             </a:lnSpc>
@@ -2457,7 +2458,7 @@
               <a:spcPct val="35000"/>
             </a:spcAft>
           </a:pPr>
-          <a:endParaRPr lang="zh-CN" altLang="en-US" sz="2100" kern="1200" dirty="0"/>
+          <a:endParaRPr lang="zh-CN" altLang="en-US" sz="2000" kern="1200" dirty="0"/>
         </a:p>
       </dsp:txBody>
       <dsp:txXfrm>
@@ -4537,7 +4538,7 @@
           <a:p>
             <a:fld id="{530820CF-B880-4189-942D-D702A7CBA730}" type="datetimeFigureOut">
               <a:rPr lang="zh-CN" altLang="en-US" smtClean="0"/>
-              <a:t>2018/10/3</a:t>
+              <a:t>2018/10/7</a:t>
             </a:fld>
             <a:endParaRPr lang="zh-CN" altLang="en-US"/>
           </a:p>
@@ -4702,7 +4703,7 @@
           <a:p>
             <a:fld id="{530820CF-B880-4189-942D-D702A7CBA730}" type="datetimeFigureOut">
               <a:rPr lang="zh-CN" altLang="en-US" smtClean="0"/>
-              <a:t>2018/10/3</a:t>
+              <a:t>2018/10/7</a:t>
             </a:fld>
             <a:endParaRPr lang="zh-CN" altLang="en-US"/>
           </a:p>
@@ -4877,7 +4878,7 @@
           <a:p>
             <a:fld id="{530820CF-B880-4189-942D-D702A7CBA730}" type="datetimeFigureOut">
               <a:rPr lang="zh-CN" altLang="en-US" smtClean="0"/>
-              <a:t>2018/10/3</a:t>
+              <a:t>2018/10/7</a:t>
             </a:fld>
             <a:endParaRPr lang="zh-CN" altLang="en-US"/>
           </a:p>
@@ -5042,7 +5043,7 @@
           <a:p>
             <a:fld id="{530820CF-B880-4189-942D-D702A7CBA730}" type="datetimeFigureOut">
               <a:rPr lang="zh-CN" altLang="en-US" smtClean="0"/>
-              <a:t>2018/10/3</a:t>
+              <a:t>2018/10/7</a:t>
             </a:fld>
             <a:endParaRPr lang="zh-CN" altLang="en-US"/>
           </a:p>
@@ -5283,7 +5284,7 @@
           <a:p>
             <a:fld id="{530820CF-B880-4189-942D-D702A7CBA730}" type="datetimeFigureOut">
               <a:rPr lang="zh-CN" altLang="en-US" smtClean="0"/>
-              <a:t>2018/10/3</a:t>
+              <a:t>2018/10/7</a:t>
             </a:fld>
             <a:endParaRPr lang="zh-CN" altLang="en-US"/>
           </a:p>
@@ -5566,7 +5567,7 @@
           <a:p>
             <a:fld id="{530820CF-B880-4189-942D-D702A7CBA730}" type="datetimeFigureOut">
               <a:rPr lang="zh-CN" altLang="en-US" smtClean="0"/>
-              <a:t>2018/10/3</a:t>
+              <a:t>2018/10/7</a:t>
             </a:fld>
             <a:endParaRPr lang="zh-CN" altLang="en-US"/>
           </a:p>
@@ -5983,7 +5984,7 @@
           <a:p>
             <a:fld id="{530820CF-B880-4189-942D-D702A7CBA730}" type="datetimeFigureOut">
               <a:rPr lang="zh-CN" altLang="en-US" smtClean="0"/>
-              <a:t>2018/10/3</a:t>
+              <a:t>2018/10/7</a:t>
             </a:fld>
             <a:endParaRPr lang="zh-CN" altLang="en-US"/>
           </a:p>
@@ -6096,7 +6097,7 @@
           <a:p>
             <a:fld id="{530820CF-B880-4189-942D-D702A7CBA730}" type="datetimeFigureOut">
               <a:rPr lang="zh-CN" altLang="en-US" smtClean="0"/>
-              <a:t>2018/10/3</a:t>
+              <a:t>2018/10/7</a:t>
             </a:fld>
             <a:endParaRPr lang="zh-CN" altLang="en-US"/>
           </a:p>
@@ -6186,7 +6187,7 @@
           <a:p>
             <a:fld id="{530820CF-B880-4189-942D-D702A7CBA730}" type="datetimeFigureOut">
               <a:rPr lang="zh-CN" altLang="en-US" smtClean="0"/>
-              <a:t>2018/10/3</a:t>
+              <a:t>2018/10/7</a:t>
             </a:fld>
             <a:endParaRPr lang="zh-CN" altLang="en-US"/>
           </a:p>
@@ -6458,7 +6459,7 @@
           <a:p>
             <a:fld id="{530820CF-B880-4189-942D-D702A7CBA730}" type="datetimeFigureOut">
               <a:rPr lang="zh-CN" altLang="en-US" smtClean="0"/>
-              <a:t>2018/10/3</a:t>
+              <a:t>2018/10/7</a:t>
             </a:fld>
             <a:endParaRPr lang="zh-CN" altLang="en-US"/>
           </a:p>
@@ -6706,7 +6707,7 @@
           <a:p>
             <a:fld id="{530820CF-B880-4189-942D-D702A7CBA730}" type="datetimeFigureOut">
               <a:rPr lang="zh-CN" altLang="en-US" smtClean="0"/>
-              <a:t>2018/10/3</a:t>
+              <a:t>2018/10/7</a:t>
             </a:fld>
             <a:endParaRPr lang="zh-CN" altLang="en-US"/>
           </a:p>
@@ -6914,7 +6915,7 @@
           <a:p>
             <a:fld id="{530820CF-B880-4189-942D-D702A7CBA730}" type="datetimeFigureOut">
               <a:rPr lang="zh-CN" altLang="en-US" smtClean="0"/>
-              <a:t>2018/10/3</a:t>
+              <a:t>2018/10/7</a:t>
             </a:fld>
             <a:endParaRPr lang="zh-CN" altLang="en-US"/>
           </a:p>
@@ -7846,6 +7847,36 @@
 </p:sld>
 </file>
 
+<file path=ppt/slides/slide2.xml><?xml version="1.0" encoding="utf-8"?>
+<p:sld xmlns:a="http://schemas.openxmlformats.org/drawingml/2006/main" xmlns:r="http://schemas.openxmlformats.org/officeDocument/2006/relationships" xmlns:p="http://schemas.openxmlformats.org/presentationml/2006/main">
+  <p:cSld>
+    <p:spTree>
+      <p:nvGrpSpPr>
+        <p:cNvPr id="1" name=""/>
+        <p:cNvGrpSpPr/>
+        <p:nvPr/>
+      </p:nvGrpSpPr>
+      <p:grpSpPr>
+        <a:xfrm>
+          <a:off x="0" y="0"/>
+          <a:ext cx="0" cy="0"/>
+          <a:chOff x="0" y="0"/>
+          <a:chExt cx="0" cy="0"/>
+        </a:xfrm>
+      </p:grpSpPr>
+    </p:spTree>
+    <p:extLst>
+      <p:ext uri="{BB962C8B-B14F-4D97-AF65-F5344CB8AC3E}">
+        <p14:creationId xmlns:p14="http://schemas.microsoft.com/office/powerpoint/2010/main" val="1570337402"/>
+      </p:ext>
+    </p:extLst>
+  </p:cSld>
+  <p:clrMapOvr>
+    <a:masterClrMapping/>
+  </p:clrMapOvr>
+</p:sld>
+</file>
+
 <file path=ppt/theme/theme1.xml><?xml version="1.0" encoding="utf-8"?>
 <a:theme xmlns:a="http://schemas.openxmlformats.org/drawingml/2006/main" name="Office 主题">
   <a:themeElements>

--- a/src/GCModeller/engine/docs/workflow.pptx
+++ b/src/GCModeller/engine/docs/workflow.pptx
@@ -7864,6 +7864,365 @@
           <a:chExt cx="0" cy="0"/>
         </a:xfrm>
       </p:grpSpPr>
+      <p:grpSp>
+        <p:nvGrpSpPr>
+          <p:cNvPr id="10" name="Group 9"/>
+          <p:cNvGrpSpPr/>
+          <p:nvPr/>
+        </p:nvGrpSpPr>
+        <p:grpSpPr>
+          <a:xfrm>
+            <a:off x="467544" y="764704"/>
+            <a:ext cx="7992888" cy="2736304"/>
+            <a:chOff x="467544" y="764704"/>
+            <a:chExt cx="7992888" cy="2736304"/>
+          </a:xfrm>
+        </p:grpSpPr>
+        <p:sp>
+          <p:nvSpPr>
+            <p:cNvPr id="2" name="Rectangle 1"/>
+            <p:cNvSpPr/>
+            <p:nvPr/>
+          </p:nvSpPr>
+          <p:spPr>
+            <a:xfrm>
+              <a:off x="467544" y="1628800"/>
+              <a:ext cx="1872208" cy="864096"/>
+            </a:xfrm>
+            <a:prstGeom prst="rect">
+              <a:avLst/>
+            </a:prstGeom>
+          </p:spPr>
+          <p:style>
+            <a:lnRef idx="1">
+              <a:schemeClr val="accent1"/>
+            </a:lnRef>
+            <a:fillRef idx="3">
+              <a:schemeClr val="accent1"/>
+            </a:fillRef>
+            <a:effectRef idx="2">
+              <a:schemeClr val="accent1"/>
+            </a:effectRef>
+            <a:fontRef idx="minor">
+              <a:schemeClr val="lt1"/>
+            </a:fontRef>
+          </p:style>
+          <p:txBody>
+            <a:bodyPr rtlCol="0" anchor="ctr"/>
+            <a:lstStyle/>
+            <a:p>
+              <a:pPr algn="ctr"/>
+              <a:r>
+                <a:rPr lang="en-US" dirty="0" smtClean="0"/>
+                <a:t>Compiler</a:t>
+              </a:r>
+            </a:p>
+          </p:txBody>
+        </p:sp>
+        <p:sp>
+          <p:nvSpPr>
+            <p:cNvPr id="3" name="Rectangle 2"/>
+            <p:cNvSpPr/>
+            <p:nvPr/>
+          </p:nvSpPr>
+          <p:spPr>
+            <a:xfrm>
+              <a:off x="3563888" y="1628800"/>
+              <a:ext cx="1872208" cy="864096"/>
+            </a:xfrm>
+            <a:prstGeom prst="rect">
+              <a:avLst/>
+            </a:prstGeom>
+          </p:spPr>
+          <p:style>
+            <a:lnRef idx="1">
+              <a:schemeClr val="accent1"/>
+            </a:lnRef>
+            <a:fillRef idx="3">
+              <a:schemeClr val="accent1"/>
+            </a:fillRef>
+            <a:effectRef idx="2">
+              <a:schemeClr val="accent1"/>
+            </a:effectRef>
+            <a:fontRef idx="minor">
+              <a:schemeClr val="lt1"/>
+            </a:fontRef>
+          </p:style>
+          <p:txBody>
+            <a:bodyPr rtlCol="0" anchor="ctr"/>
+            <a:lstStyle/>
+            <a:p>
+              <a:pPr algn="ctr"/>
+              <a:r>
+                <a:rPr lang="en-US" dirty="0" smtClean="0"/>
+                <a:t>Model</a:t>
+              </a:r>
+            </a:p>
+          </p:txBody>
+        </p:sp>
+        <p:sp>
+          <p:nvSpPr>
+            <p:cNvPr id="4" name="Rectangle 3"/>
+            <p:cNvSpPr/>
+            <p:nvPr/>
+          </p:nvSpPr>
+          <p:spPr>
+            <a:xfrm>
+              <a:off x="6588224" y="764704"/>
+              <a:ext cx="1872208" cy="864096"/>
+            </a:xfrm>
+            <a:prstGeom prst="rect">
+              <a:avLst/>
+            </a:prstGeom>
+          </p:spPr>
+          <p:style>
+            <a:lnRef idx="1">
+              <a:schemeClr val="accent1"/>
+            </a:lnRef>
+            <a:fillRef idx="3">
+              <a:schemeClr val="accent1"/>
+            </a:fillRef>
+            <a:effectRef idx="2">
+              <a:schemeClr val="accent1"/>
+            </a:effectRef>
+            <a:fontRef idx="minor">
+              <a:schemeClr val="lt1"/>
+            </a:fontRef>
+          </p:style>
+          <p:txBody>
+            <a:bodyPr rtlCol="0" anchor="ctr"/>
+            <a:lstStyle/>
+            <a:p>
+              <a:pPr algn="ctr"/>
+              <a:r>
+                <a:rPr lang="en-US" dirty="0" smtClean="0"/>
+                <a:t>Markup Language</a:t>
+              </a:r>
+            </a:p>
+          </p:txBody>
+        </p:sp>
+        <p:sp>
+          <p:nvSpPr>
+            <p:cNvPr id="5" name="Rectangle 4"/>
+            <p:cNvSpPr/>
+            <p:nvPr/>
+          </p:nvSpPr>
+          <p:spPr>
+            <a:xfrm>
+              <a:off x="6588224" y="2636912"/>
+              <a:ext cx="1872208" cy="864096"/>
+            </a:xfrm>
+            <a:prstGeom prst="rect">
+              <a:avLst/>
+            </a:prstGeom>
+          </p:spPr>
+          <p:style>
+            <a:lnRef idx="1">
+              <a:schemeClr val="accent1"/>
+            </a:lnRef>
+            <a:fillRef idx="3">
+              <a:schemeClr val="accent1"/>
+            </a:fillRef>
+            <a:effectRef idx="2">
+              <a:schemeClr val="accent1"/>
+            </a:effectRef>
+            <a:fontRef idx="minor">
+              <a:schemeClr val="lt1"/>
+            </a:fontRef>
+          </p:style>
+          <p:txBody>
+            <a:bodyPr rtlCol="0" anchor="ctr"/>
+            <a:lstStyle/>
+            <a:p>
+              <a:pPr algn="ctr"/>
+              <a:r>
+                <a:rPr lang="en-US" dirty="0" smtClean="0"/>
+                <a:t>Tabular</a:t>
+              </a:r>
+            </a:p>
+          </p:txBody>
+        </p:sp>
+        <p:sp>
+          <p:nvSpPr>
+            <p:cNvPr id="6" name="Right Arrow 5"/>
+            <p:cNvSpPr/>
+            <p:nvPr/>
+          </p:nvSpPr>
+          <p:spPr>
+            <a:xfrm>
+              <a:off x="2498620" y="1700808"/>
+              <a:ext cx="978408" cy="602356"/>
+            </a:xfrm>
+            <a:prstGeom prst="rightArrow">
+              <a:avLst/>
+            </a:prstGeom>
+          </p:spPr>
+          <p:style>
+            <a:lnRef idx="1">
+              <a:schemeClr val="accent3"/>
+            </a:lnRef>
+            <a:fillRef idx="3">
+              <a:schemeClr val="accent3"/>
+            </a:fillRef>
+            <a:effectRef idx="2">
+              <a:schemeClr val="accent3"/>
+            </a:effectRef>
+            <a:fontRef idx="minor">
+              <a:schemeClr val="lt1"/>
+            </a:fontRef>
+          </p:style>
+          <p:txBody>
+            <a:bodyPr rtlCol="0" anchor="ctr"/>
+            <a:lstStyle/>
+            <a:p>
+              <a:pPr algn="ctr"/>
+              <a:endParaRPr lang="en-US"/>
+            </a:p>
+          </p:txBody>
+        </p:sp>
+        <p:sp>
+          <p:nvSpPr>
+            <p:cNvPr id="7" name="Right Arrow 6"/>
+            <p:cNvSpPr/>
+            <p:nvPr/>
+          </p:nvSpPr>
+          <p:spPr>
+            <a:xfrm rot="19889276">
+              <a:off x="5607388" y="1261502"/>
+              <a:ext cx="978408" cy="602356"/>
+            </a:xfrm>
+            <a:prstGeom prst="rightArrow">
+              <a:avLst/>
+            </a:prstGeom>
+          </p:spPr>
+          <p:style>
+            <a:lnRef idx="1">
+              <a:schemeClr val="accent3"/>
+            </a:lnRef>
+            <a:fillRef idx="3">
+              <a:schemeClr val="accent3"/>
+            </a:fillRef>
+            <a:effectRef idx="2">
+              <a:schemeClr val="accent3"/>
+            </a:effectRef>
+            <a:fontRef idx="minor">
+              <a:schemeClr val="lt1"/>
+            </a:fontRef>
+          </p:style>
+          <p:txBody>
+            <a:bodyPr rtlCol="0" anchor="ctr"/>
+            <a:lstStyle/>
+            <a:p>
+              <a:pPr algn="ctr"/>
+              <a:endParaRPr lang="en-US"/>
+            </a:p>
+          </p:txBody>
+        </p:sp>
+        <p:sp>
+          <p:nvSpPr>
+            <p:cNvPr id="8" name="Right Arrow 7"/>
+            <p:cNvSpPr/>
+            <p:nvPr/>
+          </p:nvSpPr>
+          <p:spPr>
+            <a:xfrm rot="2106395">
+              <a:off x="5607166" y="2335734"/>
+              <a:ext cx="978408" cy="602356"/>
+            </a:xfrm>
+            <a:prstGeom prst="rightArrow">
+              <a:avLst/>
+            </a:prstGeom>
+          </p:spPr>
+          <p:style>
+            <a:lnRef idx="1">
+              <a:schemeClr val="accent3"/>
+            </a:lnRef>
+            <a:fillRef idx="3">
+              <a:schemeClr val="accent3"/>
+            </a:fillRef>
+            <a:effectRef idx="2">
+              <a:schemeClr val="accent3"/>
+            </a:effectRef>
+            <a:fontRef idx="minor">
+              <a:schemeClr val="lt1"/>
+            </a:fontRef>
+          </p:style>
+          <p:txBody>
+            <a:bodyPr rtlCol="0" anchor="ctr"/>
+            <a:lstStyle/>
+            <a:p>
+              <a:pPr algn="ctr"/>
+              <a:endParaRPr lang="en-US"/>
+            </a:p>
+          </p:txBody>
+        </p:sp>
+        <p:sp>
+          <p:nvSpPr>
+            <p:cNvPr id="9" name="Rounded Rectangular Callout 8"/>
+            <p:cNvSpPr/>
+            <p:nvPr/>
+          </p:nvSpPr>
+          <p:spPr>
+            <a:xfrm>
+              <a:off x="1547664" y="2625213"/>
+              <a:ext cx="2473424" cy="875795"/>
+            </a:xfrm>
+            <a:prstGeom prst="wedgeRoundRectCallout">
+              <a:avLst>
+                <a:gd name="adj1" fmla="val 8929"/>
+                <a:gd name="adj2" fmla="val -85992"/>
+                <a:gd name="adj3" fmla="val 16667"/>
+              </a:avLst>
+            </a:prstGeom>
+          </p:spPr>
+          <p:style>
+            <a:lnRef idx="1">
+              <a:schemeClr val="accent2"/>
+            </a:lnRef>
+            <a:fillRef idx="3">
+              <a:schemeClr val="accent2"/>
+            </a:fillRef>
+            <a:effectRef idx="2">
+              <a:schemeClr val="accent2"/>
+            </a:effectRef>
+            <a:fontRef idx="minor">
+              <a:schemeClr val="lt1"/>
+            </a:fontRef>
+          </p:style>
+          <p:txBody>
+            <a:bodyPr rtlCol="0" anchor="ctr"/>
+            <a:lstStyle/>
+            <a:p>
+              <a:pPr algn="ctr"/>
+              <a:r>
+                <a:rPr lang="zh-CN" altLang="en-US" sz="1600" dirty="0" smtClean="0">
+                  <a:latin typeface="微软雅黑" panose="020B0503020204020204" pitchFamily="34" charset="-122"/>
+                  <a:ea typeface="微软雅黑" panose="020B0503020204020204" pitchFamily="34" charset="-122"/>
+                </a:rPr>
+                <a:t>在这里将引擎模块与</a:t>
+              </a:r>
+              <a:r>
+                <a:rPr lang="en-US" altLang="zh-CN" sz="1600" dirty="0" smtClean="0">
+                  <a:latin typeface="微软雅黑" panose="020B0503020204020204" pitchFamily="34" charset="-122"/>
+                  <a:ea typeface="微软雅黑" panose="020B0503020204020204" pitchFamily="34" charset="-122"/>
+                </a:rPr>
+                <a:t>GCModeller</a:t>
+              </a:r>
+              <a:r>
+                <a:rPr lang="zh-CN" altLang="en-US" sz="1600" dirty="0" smtClean="0">
+                  <a:latin typeface="微软雅黑" panose="020B0503020204020204" pitchFamily="34" charset="-122"/>
+                  <a:ea typeface="微软雅黑" panose="020B0503020204020204" pitchFamily="34" charset="-122"/>
+                </a:rPr>
+                <a:t>的其他基础模块进行解耦和</a:t>
+              </a:r>
+              <a:endParaRPr lang="en-US" sz="1600" dirty="0">
+                <a:latin typeface="微软雅黑" panose="020B0503020204020204" pitchFamily="34" charset="-122"/>
+                <a:ea typeface="微软雅黑" panose="020B0503020204020204" pitchFamily="34" charset="-122"/>
+              </a:endParaRPr>
+            </a:p>
+          </p:txBody>
+        </p:sp>
+      </p:grpSp>
     </p:spTree>
     <p:extLst>
       <p:ext uri="{BB962C8B-B14F-4D97-AF65-F5344CB8AC3E}">
